--- a/Historias/fundos.pptx
+++ b/Historias/fundos.pptx
@@ -9,6 +9,7 @@
     <p:sldId id="257" r:id="rId3"/>
     <p:sldId id="258" r:id="rId4"/>
     <p:sldId id="259" r:id="rId5"/>
+    <p:sldId id="260" r:id="rId6"/>
   </p:sldIdLst>
   <p:sldSz cx="9144000" cy="6858000" type="screen4x3"/>
   <p:notesSz cx="6858000" cy="9144000"/>
@@ -291,7 +292,7 @@
           <a:p>
             <a:fld id="{53659E77-B8D2-4DE8-96D1-5952424874B9}" type="datetimeFigureOut">
               <a:rPr lang="pt-BR" smtClean="0"/>
-              <a:t>16/09/2019</a:t>
+              <a:t>21/10/2019</a:t>
             </a:fld>
             <a:endParaRPr lang="pt-BR"/>
           </a:p>
@@ -461,7 +462,7 @@
           <a:p>
             <a:fld id="{53659E77-B8D2-4DE8-96D1-5952424874B9}" type="datetimeFigureOut">
               <a:rPr lang="pt-BR" smtClean="0"/>
-              <a:t>16/09/2019</a:t>
+              <a:t>21/10/2019</a:t>
             </a:fld>
             <a:endParaRPr lang="pt-BR"/>
           </a:p>
@@ -641,7 +642,7 @@
           <a:p>
             <a:fld id="{53659E77-B8D2-4DE8-96D1-5952424874B9}" type="datetimeFigureOut">
               <a:rPr lang="pt-BR" smtClean="0"/>
-              <a:t>16/09/2019</a:t>
+              <a:t>21/10/2019</a:t>
             </a:fld>
             <a:endParaRPr lang="pt-BR"/>
           </a:p>
@@ -811,7 +812,7 @@
           <a:p>
             <a:fld id="{53659E77-B8D2-4DE8-96D1-5952424874B9}" type="datetimeFigureOut">
               <a:rPr lang="pt-BR" smtClean="0"/>
-              <a:t>16/09/2019</a:t>
+              <a:t>21/10/2019</a:t>
             </a:fld>
             <a:endParaRPr lang="pt-BR"/>
           </a:p>
@@ -1057,7 +1058,7 @@
           <a:p>
             <a:fld id="{53659E77-B8D2-4DE8-96D1-5952424874B9}" type="datetimeFigureOut">
               <a:rPr lang="pt-BR" smtClean="0"/>
-              <a:t>16/09/2019</a:t>
+              <a:t>21/10/2019</a:t>
             </a:fld>
             <a:endParaRPr lang="pt-BR"/>
           </a:p>
@@ -1345,7 +1346,7 @@
           <a:p>
             <a:fld id="{53659E77-B8D2-4DE8-96D1-5952424874B9}" type="datetimeFigureOut">
               <a:rPr lang="pt-BR" smtClean="0"/>
-              <a:t>16/09/2019</a:t>
+              <a:t>21/10/2019</a:t>
             </a:fld>
             <a:endParaRPr lang="pt-BR"/>
           </a:p>
@@ -1767,7 +1768,7 @@
           <a:p>
             <a:fld id="{53659E77-B8D2-4DE8-96D1-5952424874B9}" type="datetimeFigureOut">
               <a:rPr lang="pt-BR" smtClean="0"/>
-              <a:t>16/09/2019</a:t>
+              <a:t>21/10/2019</a:t>
             </a:fld>
             <a:endParaRPr lang="pt-BR"/>
           </a:p>
@@ -1885,7 +1886,7 @@
           <a:p>
             <a:fld id="{53659E77-B8D2-4DE8-96D1-5952424874B9}" type="datetimeFigureOut">
               <a:rPr lang="pt-BR" smtClean="0"/>
-              <a:t>16/09/2019</a:t>
+              <a:t>21/10/2019</a:t>
             </a:fld>
             <a:endParaRPr lang="pt-BR"/>
           </a:p>
@@ -1980,7 +1981,7 @@
           <a:p>
             <a:fld id="{53659E77-B8D2-4DE8-96D1-5952424874B9}" type="datetimeFigureOut">
               <a:rPr lang="pt-BR" smtClean="0"/>
-              <a:t>16/09/2019</a:t>
+              <a:t>21/10/2019</a:t>
             </a:fld>
             <a:endParaRPr lang="pt-BR"/>
           </a:p>
@@ -2257,7 +2258,7 @@
           <a:p>
             <a:fld id="{53659E77-B8D2-4DE8-96D1-5952424874B9}" type="datetimeFigureOut">
               <a:rPr lang="pt-BR" smtClean="0"/>
-              <a:t>16/09/2019</a:t>
+              <a:t>21/10/2019</a:t>
             </a:fld>
             <a:endParaRPr lang="pt-BR"/>
           </a:p>
@@ -2510,7 +2511,7 @@
           <a:p>
             <a:fld id="{53659E77-B8D2-4DE8-96D1-5952424874B9}" type="datetimeFigureOut">
               <a:rPr lang="pt-BR" smtClean="0"/>
-              <a:t>16/09/2019</a:t>
+              <a:t>21/10/2019</a:t>
             </a:fld>
             <a:endParaRPr lang="pt-BR"/>
           </a:p>
@@ -2729,7 +2730,7 @@
           <a:p>
             <a:fld id="{53659E77-B8D2-4DE8-96D1-5952424874B9}" type="datetimeFigureOut">
               <a:rPr lang="pt-BR" smtClean="0"/>
-              <a:t>16/09/2019</a:t>
+              <a:t>21/10/2019</a:t>
             </a:fld>
             <a:endParaRPr lang="pt-BR"/>
           </a:p>
@@ -3694,7 +3695,7 @@
         </p:blipFill>
         <p:spPr bwMode="auto">
           <a:xfrm>
-            <a:off x="3301522" y="1146283"/>
+            <a:off x="8388424" y="658349"/>
             <a:ext cx="4286250" cy="2705100"/>
           </a:xfrm>
           <a:prstGeom prst="rect">
@@ -6604,6 +6605,981 @@
       </p:par>
     </p:tnLst>
   </p:timing>
+</p:sld>
+</file>
+
+<file path=ppt/slides/slide5.xml><?xml version="1.0" encoding="utf-8"?>
+<p:sld xmlns:a="http://schemas.openxmlformats.org/drawingml/2006/main" xmlns:r="http://schemas.openxmlformats.org/officeDocument/2006/relationships" xmlns:p="http://schemas.openxmlformats.org/presentationml/2006/main">
+  <p:cSld>
+    <p:spTree>
+      <p:nvGrpSpPr>
+        <p:cNvPr id="1" name=""/>
+        <p:cNvGrpSpPr/>
+        <p:nvPr/>
+      </p:nvGrpSpPr>
+      <p:grpSpPr>
+        <a:xfrm>
+          <a:off x="0" y="0"/>
+          <a:ext cx="0" cy="0"/>
+          <a:chOff x="0" y="0"/>
+          <a:chExt cx="0" cy="0"/>
+        </a:xfrm>
+      </p:grpSpPr>
+      <p:sp>
+        <p:nvSpPr>
+          <p:cNvPr id="4" name="AutoShape 2" descr="Resultado de imagem para tartaruga desenho flat"/>
+          <p:cNvSpPr>
+            <a:spLocks noChangeAspect="1" noChangeArrowheads="1"/>
+          </p:cNvSpPr>
+          <p:nvPr/>
+        </p:nvSpPr>
+        <p:spPr bwMode="auto">
+          <a:xfrm>
+            <a:off x="155575" y="-144463"/>
+            <a:ext cx="304800" cy="304801"/>
+          </a:xfrm>
+          <a:prstGeom prst="rect">
+            <a:avLst/>
+          </a:prstGeom>
+          <a:noFill/>
+          <a:extLst>
+            <a:ext uri="{909E8E84-426E-40DD-AFC4-6F175D3DCCD1}">
+              <a14:hiddenFill xmlns:a14="http://schemas.microsoft.com/office/drawing/2010/main">
+                <a:solidFill>
+                  <a:srgbClr val="FFFFFF"/>
+                </a:solidFill>
+              </a14:hiddenFill>
+            </a:ext>
+          </a:extLst>
+        </p:spPr>
+        <p:txBody>
+          <a:bodyPr vert="horz" wrap="square" lIns="91440" tIns="45720" rIns="91440" bIns="45720" numCol="1" anchor="t" anchorCtr="0" compatLnSpc="1">
+            <a:prstTxWarp prst="textNoShape">
+              <a:avLst/>
+            </a:prstTxWarp>
+          </a:bodyPr>
+          <a:lstStyle/>
+          <a:p>
+            <a:endParaRPr lang="pt-BR"/>
+          </a:p>
+        </p:txBody>
+      </p:sp>
+      <p:sp>
+        <p:nvSpPr>
+          <p:cNvPr id="5" name="AutoShape 4" descr="Resultado de imagem para tartaruga desenho flat"/>
+          <p:cNvSpPr>
+            <a:spLocks noChangeAspect="1" noChangeArrowheads="1"/>
+          </p:cNvSpPr>
+          <p:nvPr/>
+        </p:nvSpPr>
+        <p:spPr bwMode="auto">
+          <a:xfrm>
+            <a:off x="307975" y="7937"/>
+            <a:ext cx="304800" cy="304801"/>
+          </a:xfrm>
+          <a:prstGeom prst="rect">
+            <a:avLst/>
+          </a:prstGeom>
+          <a:noFill/>
+          <a:extLst>
+            <a:ext uri="{909E8E84-426E-40DD-AFC4-6F175D3DCCD1}">
+              <a14:hiddenFill xmlns:a14="http://schemas.microsoft.com/office/drawing/2010/main">
+                <a:solidFill>
+                  <a:srgbClr val="FFFFFF"/>
+                </a:solidFill>
+              </a14:hiddenFill>
+            </a:ext>
+          </a:extLst>
+        </p:spPr>
+        <p:txBody>
+          <a:bodyPr vert="horz" wrap="square" lIns="91440" tIns="45720" rIns="91440" bIns="45720" numCol="1" anchor="t" anchorCtr="0" compatLnSpc="1">
+            <a:prstTxWarp prst="textNoShape">
+              <a:avLst/>
+            </a:prstTxWarp>
+          </a:bodyPr>
+          <a:lstStyle/>
+          <a:p>
+            <a:endParaRPr lang="pt-BR"/>
+          </a:p>
+        </p:txBody>
+      </p:sp>
+      <p:grpSp>
+        <p:nvGrpSpPr>
+          <p:cNvPr id="18" name="Grupo 17"/>
+          <p:cNvGrpSpPr/>
+          <p:nvPr/>
+        </p:nvGrpSpPr>
+        <p:grpSpPr>
+          <a:xfrm>
+            <a:off x="1541502" y="3457487"/>
+            <a:ext cx="2113990" cy="1718602"/>
+            <a:chOff x="3317213" y="2568321"/>
+            <a:chExt cx="2113990" cy="1718602"/>
+          </a:xfrm>
+        </p:grpSpPr>
+        <p:sp>
+          <p:nvSpPr>
+            <p:cNvPr id="21" name="Retângulo de cantos arredondados 20"/>
+            <p:cNvSpPr/>
+            <p:nvPr/>
+          </p:nvSpPr>
+          <p:spPr>
+            <a:xfrm rot="2009154" flipH="1">
+              <a:off x="4928362" y="3368683"/>
+              <a:ext cx="502841" cy="295672"/>
+            </a:xfrm>
+            <a:prstGeom prst="roundRect">
+              <a:avLst>
+                <a:gd name="adj" fmla="val 33848"/>
+              </a:avLst>
+            </a:prstGeom>
+            <a:solidFill>
+              <a:srgbClr val="99BA56"/>
+            </a:solidFill>
+            <a:ln>
+              <a:noFill/>
+            </a:ln>
+          </p:spPr>
+          <p:style>
+            <a:lnRef idx="2">
+              <a:schemeClr val="accent1">
+                <a:shade val="50000"/>
+              </a:schemeClr>
+            </a:lnRef>
+            <a:fillRef idx="1">
+              <a:schemeClr val="accent1"/>
+            </a:fillRef>
+            <a:effectRef idx="0">
+              <a:schemeClr val="accent1"/>
+            </a:effectRef>
+            <a:fontRef idx="minor">
+              <a:schemeClr val="lt1"/>
+            </a:fontRef>
+          </p:style>
+          <p:txBody>
+            <a:bodyPr rtlCol="0" anchor="ctr"/>
+            <a:lstStyle/>
+            <a:p>
+              <a:pPr algn="ctr"/>
+              <a:endParaRPr lang="pt-BR"/>
+            </a:p>
+          </p:txBody>
+        </p:sp>
+        <p:sp>
+          <p:nvSpPr>
+            <p:cNvPr id="17" name="Retângulo de cantos arredondados 16"/>
+            <p:cNvSpPr/>
+            <p:nvPr/>
+          </p:nvSpPr>
+          <p:spPr>
+            <a:xfrm rot="19007536">
+              <a:off x="3317213" y="3386555"/>
+              <a:ext cx="502841" cy="295672"/>
+            </a:xfrm>
+            <a:prstGeom prst="roundRect">
+              <a:avLst>
+                <a:gd name="adj" fmla="val 33848"/>
+              </a:avLst>
+            </a:prstGeom>
+            <a:solidFill>
+              <a:srgbClr val="99BA56"/>
+            </a:solidFill>
+            <a:ln>
+              <a:noFill/>
+            </a:ln>
+          </p:spPr>
+          <p:style>
+            <a:lnRef idx="2">
+              <a:schemeClr val="accent1">
+                <a:shade val="50000"/>
+              </a:schemeClr>
+            </a:lnRef>
+            <a:fillRef idx="1">
+              <a:schemeClr val="accent1"/>
+            </a:fillRef>
+            <a:effectRef idx="0">
+              <a:schemeClr val="accent1"/>
+            </a:effectRef>
+            <a:fontRef idx="minor">
+              <a:schemeClr val="lt1"/>
+            </a:fontRef>
+          </p:style>
+          <p:txBody>
+            <a:bodyPr rtlCol="0" anchor="ctr"/>
+            <a:lstStyle/>
+            <a:p>
+              <a:pPr algn="ctr"/>
+              <a:endParaRPr lang="pt-BR"/>
+            </a:p>
+          </p:txBody>
+        </p:sp>
+        <p:sp>
+          <p:nvSpPr>
+            <p:cNvPr id="20" name="Retângulo de cantos arredondados 19"/>
+            <p:cNvSpPr/>
+            <p:nvPr/>
+          </p:nvSpPr>
+          <p:spPr>
+            <a:xfrm rot="2887239" flipH="1">
+              <a:off x="4873508" y="3586016"/>
+              <a:ext cx="502841" cy="295672"/>
+            </a:xfrm>
+            <a:prstGeom prst="roundRect">
+              <a:avLst>
+                <a:gd name="adj" fmla="val 33848"/>
+              </a:avLst>
+            </a:prstGeom>
+            <a:solidFill>
+              <a:srgbClr val="B2CB7F"/>
+            </a:solidFill>
+            <a:ln>
+              <a:noFill/>
+            </a:ln>
+          </p:spPr>
+          <p:style>
+            <a:lnRef idx="2">
+              <a:schemeClr val="accent1">
+                <a:shade val="50000"/>
+              </a:schemeClr>
+            </a:lnRef>
+            <a:fillRef idx="1">
+              <a:schemeClr val="accent1"/>
+            </a:fillRef>
+            <a:effectRef idx="0">
+              <a:schemeClr val="accent1"/>
+            </a:effectRef>
+            <a:fontRef idx="minor">
+              <a:schemeClr val="lt1"/>
+            </a:fontRef>
+          </p:style>
+          <p:txBody>
+            <a:bodyPr rtlCol="0" anchor="ctr"/>
+            <a:lstStyle/>
+            <a:p>
+              <a:pPr algn="ctr"/>
+              <a:endParaRPr lang="pt-BR"/>
+            </a:p>
+          </p:txBody>
+        </p:sp>
+        <p:sp>
+          <p:nvSpPr>
+            <p:cNvPr id="19" name="Retângulo de cantos arredondados 18"/>
+            <p:cNvSpPr/>
+            <p:nvPr/>
+          </p:nvSpPr>
+          <p:spPr>
+            <a:xfrm rot="18712761">
+              <a:off x="3383204" y="3595209"/>
+              <a:ext cx="502841" cy="295672"/>
+            </a:xfrm>
+            <a:prstGeom prst="roundRect">
+              <a:avLst>
+                <a:gd name="adj" fmla="val 33848"/>
+              </a:avLst>
+            </a:prstGeom>
+            <a:solidFill>
+              <a:srgbClr val="B2CB7F"/>
+            </a:solidFill>
+            <a:ln>
+              <a:noFill/>
+            </a:ln>
+          </p:spPr>
+          <p:style>
+            <a:lnRef idx="2">
+              <a:schemeClr val="accent1">
+                <a:shade val="50000"/>
+              </a:schemeClr>
+            </a:lnRef>
+            <a:fillRef idx="1">
+              <a:schemeClr val="accent1"/>
+            </a:fillRef>
+            <a:effectRef idx="0">
+              <a:schemeClr val="accent1"/>
+            </a:effectRef>
+            <a:fontRef idx="minor">
+              <a:schemeClr val="lt1"/>
+            </a:fontRef>
+          </p:style>
+          <p:txBody>
+            <a:bodyPr rtlCol="0" anchor="ctr"/>
+            <a:lstStyle/>
+            <a:p>
+              <a:pPr algn="ctr"/>
+              <a:endParaRPr lang="pt-BR"/>
+            </a:p>
+          </p:txBody>
+        </p:sp>
+        <p:sp>
+          <p:nvSpPr>
+            <p:cNvPr id="9" name="Elipse 8"/>
+            <p:cNvSpPr/>
+            <p:nvPr/>
+          </p:nvSpPr>
+          <p:spPr>
+            <a:xfrm>
+              <a:off x="3561067" y="2568321"/>
+              <a:ext cx="1658398" cy="1578066"/>
+            </a:xfrm>
+            <a:custGeom>
+              <a:avLst/>
+              <a:gdLst>
+                <a:gd name="connsiteX0" fmla="*/ 0 w 1726977"/>
+                <a:gd name="connsiteY0" fmla="*/ 789002 h 1578003"/>
+                <a:gd name="connsiteX1" fmla="*/ 863489 w 1726977"/>
+                <a:gd name="connsiteY1" fmla="*/ 0 h 1578003"/>
+                <a:gd name="connsiteX2" fmla="*/ 1726978 w 1726977"/>
+                <a:gd name="connsiteY2" fmla="*/ 789002 h 1578003"/>
+                <a:gd name="connsiteX3" fmla="*/ 863489 w 1726977"/>
+                <a:gd name="connsiteY3" fmla="*/ 1578004 h 1578003"/>
+                <a:gd name="connsiteX4" fmla="*/ 0 w 1726977"/>
+                <a:gd name="connsiteY4" fmla="*/ 789002 h 1578003"/>
+                <a:gd name="connsiteX0" fmla="*/ 0 w 1658398"/>
+                <a:gd name="connsiteY0" fmla="*/ 766174 h 1578066"/>
+                <a:gd name="connsiteX1" fmla="*/ 794909 w 1658398"/>
+                <a:gd name="connsiteY1" fmla="*/ 32 h 1578066"/>
+                <a:gd name="connsiteX2" fmla="*/ 1658398 w 1658398"/>
+                <a:gd name="connsiteY2" fmla="*/ 789034 h 1578066"/>
+                <a:gd name="connsiteX3" fmla="*/ 794909 w 1658398"/>
+                <a:gd name="connsiteY3" fmla="*/ 1578036 h 1578066"/>
+                <a:gd name="connsiteX4" fmla="*/ 0 w 1658398"/>
+                <a:gd name="connsiteY4" fmla="*/ 766174 h 1578066"/>
+              </a:gdLst>
+              <a:ahLst/>
+              <a:cxnLst>
+                <a:cxn ang="0">
+                  <a:pos x="connsiteX0" y="connsiteY0"/>
+                </a:cxn>
+                <a:cxn ang="0">
+                  <a:pos x="connsiteX1" y="connsiteY1"/>
+                </a:cxn>
+                <a:cxn ang="0">
+                  <a:pos x="connsiteX2" y="connsiteY2"/>
+                </a:cxn>
+                <a:cxn ang="0">
+                  <a:pos x="connsiteX3" y="connsiteY3"/>
+                </a:cxn>
+                <a:cxn ang="0">
+                  <a:pos x="connsiteX4" y="connsiteY4"/>
+                </a:cxn>
+              </a:cxnLst>
+              <a:rect l="l" t="t" r="r" b="b"/>
+              <a:pathLst>
+                <a:path w="1658398" h="1578066">
+                  <a:moveTo>
+                    <a:pt x="0" y="766174"/>
+                  </a:moveTo>
+                  <a:cubicBezTo>
+                    <a:pt x="0" y="330420"/>
+                    <a:pt x="518509" y="-3778"/>
+                    <a:pt x="794909" y="32"/>
+                  </a:cubicBezTo>
+                  <a:cubicBezTo>
+                    <a:pt x="1071309" y="3842"/>
+                    <a:pt x="1658398" y="353280"/>
+                    <a:pt x="1658398" y="789034"/>
+                  </a:cubicBezTo>
+                  <a:cubicBezTo>
+                    <a:pt x="1658398" y="1224788"/>
+                    <a:pt x="1071309" y="1581846"/>
+                    <a:pt x="794909" y="1578036"/>
+                  </a:cubicBezTo>
+                  <a:cubicBezTo>
+                    <a:pt x="518509" y="1574226"/>
+                    <a:pt x="0" y="1201928"/>
+                    <a:pt x="0" y="766174"/>
+                  </a:cubicBezTo>
+                  <a:close/>
+                </a:path>
+              </a:pathLst>
+            </a:custGeom>
+            <a:solidFill>
+              <a:schemeClr val="accent3">
+                <a:lumMod val="50000"/>
+              </a:schemeClr>
+            </a:solidFill>
+            <a:ln>
+              <a:noFill/>
+            </a:ln>
+          </p:spPr>
+          <p:style>
+            <a:lnRef idx="2">
+              <a:schemeClr val="accent1">
+                <a:shade val="50000"/>
+              </a:schemeClr>
+            </a:lnRef>
+            <a:fillRef idx="1">
+              <a:schemeClr val="accent1"/>
+            </a:fillRef>
+            <a:effectRef idx="0">
+              <a:schemeClr val="accent1"/>
+            </a:effectRef>
+            <a:fontRef idx="minor">
+              <a:schemeClr val="lt1"/>
+            </a:fontRef>
+          </p:style>
+          <p:txBody>
+            <a:bodyPr rtlCol="0" anchor="ctr"/>
+            <a:lstStyle/>
+            <a:p>
+              <a:pPr algn="ctr"/>
+              <a:endParaRPr lang="pt-BR"/>
+            </a:p>
+          </p:txBody>
+        </p:sp>
+        <p:sp>
+          <p:nvSpPr>
+            <p:cNvPr id="6" name="Elipse 5"/>
+            <p:cNvSpPr/>
+            <p:nvPr/>
+          </p:nvSpPr>
+          <p:spPr>
+            <a:xfrm>
+              <a:off x="3707904" y="3237137"/>
+              <a:ext cx="1296144" cy="1049786"/>
+            </a:xfrm>
+            <a:custGeom>
+              <a:avLst/>
+              <a:gdLst>
+                <a:gd name="connsiteX0" fmla="*/ 0 w 1296143"/>
+                <a:gd name="connsiteY0" fmla="*/ 434516 h 869032"/>
+                <a:gd name="connsiteX1" fmla="*/ 648072 w 1296143"/>
+                <a:gd name="connsiteY1" fmla="*/ 0 h 869032"/>
+                <a:gd name="connsiteX2" fmla="*/ 1296144 w 1296143"/>
+                <a:gd name="connsiteY2" fmla="*/ 434516 h 869032"/>
+                <a:gd name="connsiteX3" fmla="*/ 648072 w 1296143"/>
+                <a:gd name="connsiteY3" fmla="*/ 869032 h 869032"/>
+                <a:gd name="connsiteX4" fmla="*/ 0 w 1296143"/>
+                <a:gd name="connsiteY4" fmla="*/ 434516 h 869032"/>
+                <a:gd name="connsiteX0" fmla="*/ 0 w 1296144"/>
+                <a:gd name="connsiteY0" fmla="*/ 615270 h 1049786"/>
+                <a:gd name="connsiteX1" fmla="*/ 648072 w 1296144"/>
+                <a:gd name="connsiteY1" fmla="*/ 0 h 1049786"/>
+                <a:gd name="connsiteX2" fmla="*/ 1296144 w 1296144"/>
+                <a:gd name="connsiteY2" fmla="*/ 615270 h 1049786"/>
+                <a:gd name="connsiteX3" fmla="*/ 648072 w 1296144"/>
+                <a:gd name="connsiteY3" fmla="*/ 1049786 h 1049786"/>
+                <a:gd name="connsiteX4" fmla="*/ 0 w 1296144"/>
+                <a:gd name="connsiteY4" fmla="*/ 615270 h 1049786"/>
+              </a:gdLst>
+              <a:ahLst/>
+              <a:cxnLst>
+                <a:cxn ang="0">
+                  <a:pos x="connsiteX0" y="connsiteY0"/>
+                </a:cxn>
+                <a:cxn ang="0">
+                  <a:pos x="connsiteX1" y="connsiteY1"/>
+                </a:cxn>
+                <a:cxn ang="0">
+                  <a:pos x="connsiteX2" y="connsiteY2"/>
+                </a:cxn>
+                <a:cxn ang="0">
+                  <a:pos x="connsiteX3" y="connsiteY3"/>
+                </a:cxn>
+                <a:cxn ang="0">
+                  <a:pos x="connsiteX4" y="connsiteY4"/>
+                </a:cxn>
+              </a:cxnLst>
+              <a:rect l="l" t="t" r="r" b="b"/>
+              <a:pathLst>
+                <a:path w="1296144" h="1049786">
+                  <a:moveTo>
+                    <a:pt x="0" y="615270"/>
+                  </a:moveTo>
+                  <a:cubicBezTo>
+                    <a:pt x="0" y="440306"/>
+                    <a:pt x="290152" y="0"/>
+                    <a:pt x="648072" y="0"/>
+                  </a:cubicBezTo>
+                  <a:cubicBezTo>
+                    <a:pt x="1005992" y="0"/>
+                    <a:pt x="1296144" y="375293"/>
+                    <a:pt x="1296144" y="615270"/>
+                  </a:cubicBezTo>
+                  <a:cubicBezTo>
+                    <a:pt x="1296144" y="855247"/>
+                    <a:pt x="1005992" y="1049786"/>
+                    <a:pt x="648072" y="1049786"/>
+                  </a:cubicBezTo>
+                  <a:cubicBezTo>
+                    <a:pt x="290152" y="1049786"/>
+                    <a:pt x="0" y="790234"/>
+                    <a:pt x="0" y="615270"/>
+                  </a:cubicBezTo>
+                  <a:close/>
+                </a:path>
+              </a:pathLst>
+            </a:custGeom>
+            <a:solidFill>
+              <a:schemeClr val="accent3">
+                <a:lumMod val="60000"/>
+                <a:lumOff val="40000"/>
+              </a:schemeClr>
+            </a:solidFill>
+            <a:ln>
+              <a:noFill/>
+            </a:ln>
+          </p:spPr>
+          <p:style>
+            <a:lnRef idx="2">
+              <a:schemeClr val="accent1">
+                <a:shade val="50000"/>
+              </a:schemeClr>
+            </a:lnRef>
+            <a:fillRef idx="1">
+              <a:schemeClr val="accent1"/>
+            </a:fillRef>
+            <a:effectRef idx="0">
+              <a:schemeClr val="accent1"/>
+            </a:effectRef>
+            <a:fontRef idx="minor">
+              <a:schemeClr val="lt1"/>
+            </a:fontRef>
+          </p:style>
+          <p:txBody>
+            <a:bodyPr rtlCol="0" anchor="ctr"/>
+            <a:lstStyle/>
+            <a:p>
+              <a:pPr algn="ctr"/>
+              <a:endParaRPr lang="pt-BR"/>
+            </a:p>
+          </p:txBody>
+        </p:sp>
+        <p:sp>
+          <p:nvSpPr>
+            <p:cNvPr id="8" name="Elipse 7"/>
+            <p:cNvSpPr/>
+            <p:nvPr/>
+          </p:nvSpPr>
+          <p:spPr>
+            <a:xfrm>
+              <a:off x="3869850" y="3496072"/>
+              <a:ext cx="457200" cy="457200"/>
+            </a:xfrm>
+            <a:prstGeom prst="ellipse">
+              <a:avLst/>
+            </a:prstGeom>
+            <a:solidFill>
+              <a:schemeClr val="bg1"/>
+            </a:solidFill>
+            <a:ln>
+              <a:noFill/>
+            </a:ln>
+          </p:spPr>
+          <p:style>
+            <a:lnRef idx="2">
+              <a:schemeClr val="accent1">
+                <a:shade val="50000"/>
+              </a:schemeClr>
+            </a:lnRef>
+            <a:fillRef idx="1">
+              <a:schemeClr val="accent1"/>
+            </a:fillRef>
+            <a:effectRef idx="0">
+              <a:schemeClr val="accent1"/>
+            </a:effectRef>
+            <a:fontRef idx="minor">
+              <a:schemeClr val="lt1"/>
+            </a:fontRef>
+          </p:style>
+          <p:txBody>
+            <a:bodyPr rtlCol="0" anchor="ctr"/>
+            <a:lstStyle/>
+            <a:p>
+              <a:pPr algn="ctr"/>
+              <a:endParaRPr lang="pt-BR"/>
+            </a:p>
+          </p:txBody>
+        </p:sp>
+        <p:sp>
+          <p:nvSpPr>
+            <p:cNvPr id="10" name="Elipse 9"/>
+            <p:cNvSpPr/>
+            <p:nvPr/>
+          </p:nvSpPr>
+          <p:spPr>
+            <a:xfrm>
+              <a:off x="4389817" y="3499349"/>
+              <a:ext cx="457200" cy="457200"/>
+            </a:xfrm>
+            <a:prstGeom prst="ellipse">
+              <a:avLst/>
+            </a:prstGeom>
+            <a:solidFill>
+              <a:schemeClr val="bg1"/>
+            </a:solidFill>
+            <a:ln>
+              <a:noFill/>
+            </a:ln>
+          </p:spPr>
+          <p:style>
+            <a:lnRef idx="2">
+              <a:schemeClr val="accent1">
+                <a:shade val="50000"/>
+              </a:schemeClr>
+            </a:lnRef>
+            <a:fillRef idx="1">
+              <a:schemeClr val="accent1"/>
+            </a:fillRef>
+            <a:effectRef idx="0">
+              <a:schemeClr val="accent1"/>
+            </a:effectRef>
+            <a:fontRef idx="minor">
+              <a:schemeClr val="lt1"/>
+            </a:fontRef>
+          </p:style>
+          <p:txBody>
+            <a:bodyPr rtlCol="0" anchor="ctr"/>
+            <a:lstStyle/>
+            <a:p>
+              <a:pPr algn="ctr"/>
+              <a:endParaRPr lang="pt-BR"/>
+            </a:p>
+          </p:txBody>
+        </p:sp>
+        <p:sp>
+          <p:nvSpPr>
+            <p:cNvPr id="11" name="Elipse 10"/>
+            <p:cNvSpPr/>
+            <p:nvPr/>
+          </p:nvSpPr>
+          <p:spPr>
+            <a:xfrm>
+              <a:off x="3995936" y="3594257"/>
+              <a:ext cx="260830" cy="260830"/>
+            </a:xfrm>
+            <a:prstGeom prst="ellipse">
+              <a:avLst/>
+            </a:prstGeom>
+            <a:solidFill>
+              <a:schemeClr val="accent3">
+                <a:lumMod val="75000"/>
+              </a:schemeClr>
+            </a:solidFill>
+            <a:ln>
+              <a:noFill/>
+            </a:ln>
+          </p:spPr>
+          <p:style>
+            <a:lnRef idx="2">
+              <a:schemeClr val="accent1">
+                <a:shade val="50000"/>
+              </a:schemeClr>
+            </a:lnRef>
+            <a:fillRef idx="1">
+              <a:schemeClr val="accent1"/>
+            </a:fillRef>
+            <a:effectRef idx="0">
+              <a:schemeClr val="accent1"/>
+            </a:effectRef>
+            <a:fontRef idx="minor">
+              <a:schemeClr val="lt1"/>
+            </a:fontRef>
+          </p:style>
+          <p:txBody>
+            <a:bodyPr rtlCol="0" anchor="ctr"/>
+            <a:lstStyle/>
+            <a:p>
+              <a:pPr algn="ctr"/>
+              <a:endParaRPr lang="pt-BR"/>
+            </a:p>
+          </p:txBody>
+        </p:sp>
+        <p:sp>
+          <p:nvSpPr>
+            <p:cNvPr id="14" name="Elipse 13"/>
+            <p:cNvSpPr/>
+            <p:nvPr/>
+          </p:nvSpPr>
+          <p:spPr>
+            <a:xfrm>
+              <a:off x="4427984" y="3594257"/>
+              <a:ext cx="260830" cy="260830"/>
+            </a:xfrm>
+            <a:prstGeom prst="ellipse">
+              <a:avLst/>
+            </a:prstGeom>
+            <a:solidFill>
+              <a:schemeClr val="accent3">
+                <a:lumMod val="75000"/>
+              </a:schemeClr>
+            </a:solidFill>
+            <a:ln>
+              <a:noFill/>
+            </a:ln>
+          </p:spPr>
+          <p:style>
+            <a:lnRef idx="2">
+              <a:schemeClr val="accent1">
+                <a:shade val="50000"/>
+              </a:schemeClr>
+            </a:lnRef>
+            <a:fillRef idx="1">
+              <a:schemeClr val="accent1"/>
+            </a:fillRef>
+            <a:effectRef idx="0">
+              <a:schemeClr val="accent1"/>
+            </a:effectRef>
+            <a:fontRef idx="minor">
+              <a:schemeClr val="lt1"/>
+            </a:fontRef>
+          </p:style>
+          <p:txBody>
+            <a:bodyPr rtlCol="0" anchor="ctr"/>
+            <a:lstStyle/>
+            <a:p>
+              <a:pPr algn="ctr"/>
+              <a:endParaRPr lang="pt-BR"/>
+            </a:p>
+          </p:txBody>
+        </p:sp>
+        <p:sp>
+          <p:nvSpPr>
+            <p:cNvPr id="13" name="Semicírculos 12"/>
+            <p:cNvSpPr/>
+            <p:nvPr/>
+          </p:nvSpPr>
+          <p:spPr>
+            <a:xfrm rot="10800000">
+              <a:off x="4062542" y="4015941"/>
+              <a:ext cx="586868" cy="130415"/>
+            </a:xfrm>
+            <a:prstGeom prst="blockArc">
+              <a:avLst>
+                <a:gd name="adj1" fmla="val 11040886"/>
+                <a:gd name="adj2" fmla="val 21496630"/>
+                <a:gd name="adj3" fmla="val 0"/>
+              </a:avLst>
+            </a:prstGeom>
+            <a:ln>
+              <a:solidFill>
+                <a:schemeClr val="tx1"/>
+              </a:solidFill>
+            </a:ln>
+          </p:spPr>
+          <p:style>
+            <a:lnRef idx="2">
+              <a:schemeClr val="accent1">
+                <a:shade val="50000"/>
+              </a:schemeClr>
+            </a:lnRef>
+            <a:fillRef idx="1">
+              <a:schemeClr val="accent1"/>
+            </a:fillRef>
+            <a:effectRef idx="0">
+              <a:schemeClr val="accent1"/>
+            </a:effectRef>
+            <a:fontRef idx="minor">
+              <a:schemeClr val="lt1"/>
+            </a:fontRef>
+          </p:style>
+          <p:txBody>
+            <a:bodyPr rtlCol="0" anchor="ctr"/>
+            <a:lstStyle/>
+            <a:p>
+              <a:pPr algn="ctr"/>
+              <a:endParaRPr lang="pt-BR">
+                <a:solidFill>
+                  <a:schemeClr val="tx1"/>
+                </a:solidFill>
+              </a:endParaRPr>
+            </a:p>
+          </p:txBody>
+        </p:sp>
+      </p:grpSp>
+      <p:sp>
+        <p:nvSpPr>
+          <p:cNvPr id="22" name="Elipse 21"/>
+          <p:cNvSpPr/>
+          <p:nvPr/>
+        </p:nvSpPr>
+        <p:spPr>
+          <a:xfrm>
+            <a:off x="3169929" y="2918470"/>
+            <a:ext cx="457200" cy="457200"/>
+          </a:xfrm>
+          <a:prstGeom prst="ellipse">
+            <a:avLst/>
+          </a:prstGeom>
+          <a:solidFill>
+            <a:schemeClr val="bg1"/>
+          </a:solidFill>
+          <a:ln>
+            <a:noFill/>
+          </a:ln>
+        </p:spPr>
+        <p:style>
+          <a:lnRef idx="2">
+            <a:schemeClr val="accent1">
+              <a:shade val="50000"/>
+            </a:schemeClr>
+          </a:lnRef>
+          <a:fillRef idx="1">
+            <a:schemeClr val="accent1"/>
+          </a:fillRef>
+          <a:effectRef idx="0">
+            <a:schemeClr val="accent1"/>
+          </a:effectRef>
+          <a:fontRef idx="minor">
+            <a:schemeClr val="lt1"/>
+          </a:fontRef>
+        </p:style>
+        <p:txBody>
+          <a:bodyPr rtlCol="0" anchor="ctr"/>
+          <a:lstStyle/>
+          <a:p>
+            <a:pPr algn="ctr"/>
+            <a:endParaRPr lang="pt-BR"/>
+          </a:p>
+        </p:txBody>
+      </p:sp>
+      <p:sp>
+        <p:nvSpPr>
+          <p:cNvPr id="24" name="Elipse 23"/>
+          <p:cNvSpPr/>
+          <p:nvPr/>
+        </p:nvSpPr>
+        <p:spPr>
+          <a:xfrm>
+            <a:off x="3627129" y="2588915"/>
+            <a:ext cx="457200" cy="457200"/>
+          </a:xfrm>
+          <a:prstGeom prst="ellipse">
+            <a:avLst/>
+          </a:prstGeom>
+          <a:solidFill>
+            <a:schemeClr val="bg1"/>
+          </a:solidFill>
+          <a:ln>
+            <a:noFill/>
+          </a:ln>
+        </p:spPr>
+        <p:style>
+          <a:lnRef idx="2">
+            <a:schemeClr val="accent1">
+              <a:shade val="50000"/>
+            </a:schemeClr>
+          </a:lnRef>
+          <a:fillRef idx="1">
+            <a:schemeClr val="accent1"/>
+          </a:fillRef>
+          <a:effectRef idx="0">
+            <a:schemeClr val="accent1"/>
+          </a:effectRef>
+          <a:fontRef idx="minor">
+            <a:schemeClr val="lt1"/>
+          </a:fontRef>
+        </p:style>
+        <p:txBody>
+          <a:bodyPr rtlCol="0" anchor="ctr"/>
+          <a:lstStyle/>
+          <a:p>
+            <a:pPr algn="ctr"/>
+            <a:endParaRPr lang="pt-BR"/>
+          </a:p>
+        </p:txBody>
+      </p:sp>
+      <p:sp>
+        <p:nvSpPr>
+          <p:cNvPr id="25" name="Elipse 24"/>
+          <p:cNvSpPr/>
+          <p:nvPr/>
+        </p:nvSpPr>
+        <p:spPr>
+          <a:xfrm>
+            <a:off x="4008129" y="2131715"/>
+            <a:ext cx="457200" cy="457200"/>
+          </a:xfrm>
+          <a:prstGeom prst="ellipse">
+            <a:avLst/>
+          </a:prstGeom>
+          <a:solidFill>
+            <a:schemeClr val="bg1"/>
+          </a:solidFill>
+          <a:ln>
+            <a:noFill/>
+          </a:ln>
+        </p:spPr>
+        <p:style>
+          <a:lnRef idx="2">
+            <a:schemeClr val="accent1">
+              <a:shade val="50000"/>
+            </a:schemeClr>
+          </a:lnRef>
+          <a:fillRef idx="1">
+            <a:schemeClr val="accent1"/>
+          </a:fillRef>
+          <a:effectRef idx="0">
+            <a:schemeClr val="accent1"/>
+          </a:effectRef>
+          <a:fontRef idx="minor">
+            <a:schemeClr val="lt1"/>
+          </a:fontRef>
+        </p:style>
+        <p:txBody>
+          <a:bodyPr rtlCol="0" anchor="ctr"/>
+          <a:lstStyle/>
+          <a:p>
+            <a:pPr algn="ctr"/>
+            <a:endParaRPr lang="pt-BR"/>
+          </a:p>
+        </p:txBody>
+      </p:sp>
+      <p:sp>
+        <p:nvSpPr>
+          <p:cNvPr id="23" name="Nuvem 22"/>
+          <p:cNvSpPr/>
+          <p:nvPr/>
+        </p:nvSpPr>
+        <p:spPr>
+          <a:xfrm>
+            <a:off x="3695328" y="312738"/>
+            <a:ext cx="5233108" cy="2044527"/>
+          </a:xfrm>
+          <a:prstGeom prst="cloud">
+            <a:avLst/>
+          </a:prstGeom>
+          <a:solidFill>
+            <a:schemeClr val="bg1"/>
+          </a:solidFill>
+          <a:ln>
+            <a:noFill/>
+          </a:ln>
+        </p:spPr>
+        <p:style>
+          <a:lnRef idx="2">
+            <a:schemeClr val="accent1">
+              <a:shade val="50000"/>
+            </a:schemeClr>
+          </a:lnRef>
+          <a:fillRef idx="1">
+            <a:schemeClr val="accent1"/>
+          </a:fillRef>
+          <a:effectRef idx="0">
+            <a:schemeClr val="accent1"/>
+          </a:effectRef>
+          <a:fontRef idx="minor">
+            <a:schemeClr val="lt1"/>
+          </a:fontRef>
+        </p:style>
+        <p:txBody>
+          <a:bodyPr rtlCol="0" anchor="ctr"/>
+          <a:lstStyle/>
+          <a:p>
+            <a:pPr algn="ctr"/>
+            <a:endParaRPr lang="pt-BR"/>
+          </a:p>
+        </p:txBody>
+      </p:sp>
+    </p:spTree>
+    <p:extLst>
+      <p:ext uri="{BB962C8B-B14F-4D97-AF65-F5344CB8AC3E}">
+        <p14:creationId xmlns:p14="http://schemas.microsoft.com/office/powerpoint/2010/main" val="3745161445"/>
+      </p:ext>
+    </p:extLst>
+  </p:cSld>
+  <p:clrMapOvr>
+    <a:masterClrMapping/>
+  </p:clrMapOvr>
 </p:sld>
 </file>
 

--- a/Historias/fundos.pptx
+++ b/Historias/fundos.pptx
@@ -4,12 +4,17 @@
   <p:sldMasterIdLst>
     <p:sldMasterId id="2147483648" r:id="rId1"/>
   </p:sldMasterIdLst>
+  <p:notesMasterIdLst>
+    <p:notesMasterId r:id="rId9"/>
+  </p:notesMasterIdLst>
   <p:sldIdLst>
     <p:sldId id="256" r:id="rId2"/>
     <p:sldId id="257" r:id="rId3"/>
     <p:sldId id="258" r:id="rId4"/>
     <p:sldId id="259" r:id="rId5"/>
     <p:sldId id="260" r:id="rId6"/>
+    <p:sldId id="262" r:id="rId7"/>
+    <p:sldId id="261" r:id="rId8"/>
   </p:sldIdLst>
   <p:sldSz cx="9144000" cy="6858000" type="screen4x3"/>
   <p:notesSz cx="6858000" cy="9144000"/>
@@ -111,6 +116,440 @@
 </p:presentation>
 </file>
 
+<file path=ppt/notesMasters/notesMaster1.xml><?xml version="1.0" encoding="utf-8"?>
+<p:notesMaster xmlns:a="http://schemas.openxmlformats.org/drawingml/2006/main" xmlns:r="http://schemas.openxmlformats.org/officeDocument/2006/relationships" xmlns:p="http://schemas.openxmlformats.org/presentationml/2006/main">
+  <p:cSld>
+    <p:bg>
+      <p:bgRef idx="1001">
+        <a:schemeClr val="bg1"/>
+      </p:bgRef>
+    </p:bg>
+    <p:spTree>
+      <p:nvGrpSpPr>
+        <p:cNvPr id="1" name=""/>
+        <p:cNvGrpSpPr/>
+        <p:nvPr/>
+      </p:nvGrpSpPr>
+      <p:grpSpPr>
+        <a:xfrm>
+          <a:off x="0" y="0"/>
+          <a:ext cx="0" cy="0"/>
+          <a:chOff x="0" y="0"/>
+          <a:chExt cx="0" cy="0"/>
+        </a:xfrm>
+      </p:grpSpPr>
+      <p:sp>
+        <p:nvSpPr>
+          <p:cNvPr id="2" name="Header Placeholder 1"/>
+          <p:cNvSpPr>
+            <a:spLocks noGrp="1"/>
+          </p:cNvSpPr>
+          <p:nvPr>
+            <p:ph type="hdr" sz="quarter"/>
+          </p:nvPr>
+        </p:nvSpPr>
+        <p:spPr>
+          <a:xfrm>
+            <a:off x="0" y="0"/>
+            <a:ext cx="2971800" cy="457200"/>
+          </a:xfrm>
+          <a:prstGeom prst="rect">
+            <a:avLst/>
+          </a:prstGeom>
+        </p:spPr>
+        <p:txBody>
+          <a:bodyPr vert="horz" lIns="91440" tIns="45720" rIns="91440" bIns="45720" rtlCol="0"/>
+          <a:lstStyle>
+            <a:lvl1pPr algn="l">
+              <a:defRPr sz="1200"/>
+            </a:lvl1pPr>
+          </a:lstStyle>
+          <a:p>
+            <a:endParaRPr lang="en-US"/>
+          </a:p>
+        </p:txBody>
+      </p:sp>
+      <p:sp>
+        <p:nvSpPr>
+          <p:cNvPr id="3" name="Date Placeholder 2"/>
+          <p:cNvSpPr>
+            <a:spLocks noGrp="1"/>
+          </p:cNvSpPr>
+          <p:nvPr>
+            <p:ph type="dt" idx="1"/>
+          </p:nvPr>
+        </p:nvSpPr>
+        <p:spPr>
+          <a:xfrm>
+            <a:off x="3884613" y="0"/>
+            <a:ext cx="2971800" cy="457200"/>
+          </a:xfrm>
+          <a:prstGeom prst="rect">
+            <a:avLst/>
+          </a:prstGeom>
+        </p:spPr>
+        <p:txBody>
+          <a:bodyPr vert="horz" lIns="91440" tIns="45720" rIns="91440" bIns="45720" rtlCol="0"/>
+          <a:lstStyle>
+            <a:lvl1pPr algn="r">
+              <a:defRPr sz="1200"/>
+            </a:lvl1pPr>
+          </a:lstStyle>
+          <a:p>
+            <a:fld id="{182EA953-C11E-0048-902C-C589A1651B0F}" type="datetimeFigureOut">
+              <a:rPr lang="en-US" smtClean="0"/>
+              <a:t>21/10/19</a:t>
+            </a:fld>
+            <a:endParaRPr lang="en-US"/>
+          </a:p>
+        </p:txBody>
+      </p:sp>
+      <p:sp>
+        <p:nvSpPr>
+          <p:cNvPr id="4" name="Slide Image Placeholder 3"/>
+          <p:cNvSpPr>
+            <a:spLocks noGrp="1" noRot="1" noChangeAspect="1"/>
+          </p:cNvSpPr>
+          <p:nvPr>
+            <p:ph type="sldImg" idx="2"/>
+          </p:nvPr>
+        </p:nvSpPr>
+        <p:spPr>
+          <a:xfrm>
+            <a:off x="1143000" y="685800"/>
+            <a:ext cx="4572000" cy="3429000"/>
+          </a:xfrm>
+          <a:prstGeom prst="rect">
+            <a:avLst/>
+          </a:prstGeom>
+          <a:noFill/>
+          <a:ln w="12700">
+            <a:solidFill>
+              <a:prstClr val="black"/>
+            </a:solidFill>
+          </a:ln>
+        </p:spPr>
+        <p:txBody>
+          <a:bodyPr vert="horz" lIns="91440" tIns="45720" rIns="91440" bIns="45720" rtlCol="0" anchor="ctr"/>
+          <a:lstStyle/>
+          <a:p>
+            <a:endParaRPr lang="en-US"/>
+          </a:p>
+        </p:txBody>
+      </p:sp>
+      <p:sp>
+        <p:nvSpPr>
+          <p:cNvPr id="5" name="Notes Placeholder 4"/>
+          <p:cNvSpPr>
+            <a:spLocks noGrp="1"/>
+          </p:cNvSpPr>
+          <p:nvPr>
+            <p:ph type="body" sz="quarter" idx="3"/>
+          </p:nvPr>
+        </p:nvSpPr>
+        <p:spPr>
+          <a:xfrm>
+            <a:off x="685800" y="4343400"/>
+            <a:ext cx="5486400" cy="4114800"/>
+          </a:xfrm>
+          <a:prstGeom prst="rect">
+            <a:avLst/>
+          </a:prstGeom>
+        </p:spPr>
+        <p:txBody>
+          <a:bodyPr vert="horz" lIns="91440" tIns="45720" rIns="91440" bIns="45720" rtlCol="0"/>
+          <a:lstStyle/>
+          <a:p>
+            <a:pPr lvl="0"/>
+            <a:r>
+              <a:rPr lang="x-none" smtClean="0"/>
+              <a:t>Click to edit Master text styles</a:t>
+            </a:r>
+          </a:p>
+          <a:p>
+            <a:pPr lvl="1"/>
+            <a:r>
+              <a:rPr lang="x-none" smtClean="0"/>
+              <a:t>Second level</a:t>
+            </a:r>
+          </a:p>
+          <a:p>
+            <a:pPr lvl="2"/>
+            <a:r>
+              <a:rPr lang="x-none" smtClean="0"/>
+              <a:t>Third level</a:t>
+            </a:r>
+          </a:p>
+          <a:p>
+            <a:pPr lvl="3"/>
+            <a:r>
+              <a:rPr lang="x-none" smtClean="0"/>
+              <a:t>Fourth level</a:t>
+            </a:r>
+          </a:p>
+          <a:p>
+            <a:pPr lvl="4"/>
+            <a:r>
+              <a:rPr lang="x-none" smtClean="0"/>
+              <a:t>Fifth level</a:t>
+            </a:r>
+            <a:endParaRPr lang="en-US"/>
+          </a:p>
+        </p:txBody>
+      </p:sp>
+      <p:sp>
+        <p:nvSpPr>
+          <p:cNvPr id="6" name="Footer Placeholder 5"/>
+          <p:cNvSpPr>
+            <a:spLocks noGrp="1"/>
+          </p:cNvSpPr>
+          <p:nvPr>
+            <p:ph type="ftr" sz="quarter" idx="4"/>
+          </p:nvPr>
+        </p:nvSpPr>
+        <p:spPr>
+          <a:xfrm>
+            <a:off x="0" y="8685213"/>
+            <a:ext cx="2971800" cy="457200"/>
+          </a:xfrm>
+          <a:prstGeom prst="rect">
+            <a:avLst/>
+          </a:prstGeom>
+        </p:spPr>
+        <p:txBody>
+          <a:bodyPr vert="horz" lIns="91440" tIns="45720" rIns="91440" bIns="45720" rtlCol="0" anchor="b"/>
+          <a:lstStyle>
+            <a:lvl1pPr algn="l">
+              <a:defRPr sz="1200"/>
+            </a:lvl1pPr>
+          </a:lstStyle>
+          <a:p>
+            <a:endParaRPr lang="en-US"/>
+          </a:p>
+        </p:txBody>
+      </p:sp>
+      <p:sp>
+        <p:nvSpPr>
+          <p:cNvPr id="7" name="Slide Number Placeholder 6"/>
+          <p:cNvSpPr>
+            <a:spLocks noGrp="1"/>
+          </p:cNvSpPr>
+          <p:nvPr>
+            <p:ph type="sldNum" sz="quarter" idx="5"/>
+          </p:nvPr>
+        </p:nvSpPr>
+        <p:spPr>
+          <a:xfrm>
+            <a:off x="3884613" y="8685213"/>
+            <a:ext cx="2971800" cy="457200"/>
+          </a:xfrm>
+          <a:prstGeom prst="rect">
+            <a:avLst/>
+          </a:prstGeom>
+        </p:spPr>
+        <p:txBody>
+          <a:bodyPr vert="horz" lIns="91440" tIns="45720" rIns="91440" bIns="45720" rtlCol="0" anchor="b"/>
+          <a:lstStyle>
+            <a:lvl1pPr algn="r">
+              <a:defRPr sz="1200"/>
+            </a:lvl1pPr>
+          </a:lstStyle>
+          <a:p>
+            <a:fld id="{ABFE75F9-D98C-B04F-92CD-C7E53BC30AF1}" type="slidenum">
+              <a:rPr lang="en-US" smtClean="0"/>
+              <a:t>‹#›</a:t>
+            </a:fld>
+            <a:endParaRPr lang="en-US"/>
+          </a:p>
+        </p:txBody>
+      </p:sp>
+    </p:spTree>
+    <p:extLst>
+      <p:ext uri="{BB962C8B-B14F-4D97-AF65-F5344CB8AC3E}">
+        <p14:creationId xmlns:p14="http://schemas.microsoft.com/office/powerpoint/2010/main" val="149249636"/>
+      </p:ext>
+    </p:extLst>
+  </p:cSld>
+  <p:clrMap bg1="lt1" tx1="dk1" bg2="lt2" tx2="dk2" accent1="accent1" accent2="accent2" accent3="accent3" accent4="accent4" accent5="accent5" accent6="accent6" hlink="hlink" folHlink="folHlink"/>
+  <p:notesStyle>
+    <a:lvl1pPr marL="0" algn="l" defTabSz="457200" rtl="0" eaLnBrk="1" latinLnBrk="0" hangingPunct="1">
+      <a:defRPr sz="1200" kern="1200">
+        <a:solidFill>
+          <a:schemeClr val="tx1"/>
+        </a:solidFill>
+        <a:latin typeface="+mn-lt"/>
+        <a:ea typeface="+mn-ea"/>
+        <a:cs typeface="+mn-cs"/>
+      </a:defRPr>
+    </a:lvl1pPr>
+    <a:lvl2pPr marL="457200" algn="l" defTabSz="457200" rtl="0" eaLnBrk="1" latinLnBrk="0" hangingPunct="1">
+      <a:defRPr sz="1200" kern="1200">
+        <a:solidFill>
+          <a:schemeClr val="tx1"/>
+        </a:solidFill>
+        <a:latin typeface="+mn-lt"/>
+        <a:ea typeface="+mn-ea"/>
+        <a:cs typeface="+mn-cs"/>
+      </a:defRPr>
+    </a:lvl2pPr>
+    <a:lvl3pPr marL="914400" algn="l" defTabSz="457200" rtl="0" eaLnBrk="1" latinLnBrk="0" hangingPunct="1">
+      <a:defRPr sz="1200" kern="1200">
+        <a:solidFill>
+          <a:schemeClr val="tx1"/>
+        </a:solidFill>
+        <a:latin typeface="+mn-lt"/>
+        <a:ea typeface="+mn-ea"/>
+        <a:cs typeface="+mn-cs"/>
+      </a:defRPr>
+    </a:lvl3pPr>
+    <a:lvl4pPr marL="1371600" algn="l" defTabSz="457200" rtl="0" eaLnBrk="1" latinLnBrk="0" hangingPunct="1">
+      <a:defRPr sz="1200" kern="1200">
+        <a:solidFill>
+          <a:schemeClr val="tx1"/>
+        </a:solidFill>
+        <a:latin typeface="+mn-lt"/>
+        <a:ea typeface="+mn-ea"/>
+        <a:cs typeface="+mn-cs"/>
+      </a:defRPr>
+    </a:lvl4pPr>
+    <a:lvl5pPr marL="1828800" algn="l" defTabSz="457200" rtl="0" eaLnBrk="1" latinLnBrk="0" hangingPunct="1">
+      <a:defRPr sz="1200" kern="1200">
+        <a:solidFill>
+          <a:schemeClr val="tx1"/>
+        </a:solidFill>
+        <a:latin typeface="+mn-lt"/>
+        <a:ea typeface="+mn-ea"/>
+        <a:cs typeface="+mn-cs"/>
+      </a:defRPr>
+    </a:lvl5pPr>
+    <a:lvl6pPr marL="2286000" algn="l" defTabSz="457200" rtl="0" eaLnBrk="1" latinLnBrk="0" hangingPunct="1">
+      <a:defRPr sz="1200" kern="1200">
+        <a:solidFill>
+          <a:schemeClr val="tx1"/>
+        </a:solidFill>
+        <a:latin typeface="+mn-lt"/>
+        <a:ea typeface="+mn-ea"/>
+        <a:cs typeface="+mn-cs"/>
+      </a:defRPr>
+    </a:lvl6pPr>
+    <a:lvl7pPr marL="2743200" algn="l" defTabSz="457200" rtl="0" eaLnBrk="1" latinLnBrk="0" hangingPunct="1">
+      <a:defRPr sz="1200" kern="1200">
+        <a:solidFill>
+          <a:schemeClr val="tx1"/>
+        </a:solidFill>
+        <a:latin typeface="+mn-lt"/>
+        <a:ea typeface="+mn-ea"/>
+        <a:cs typeface="+mn-cs"/>
+      </a:defRPr>
+    </a:lvl7pPr>
+    <a:lvl8pPr marL="3200400" algn="l" defTabSz="457200" rtl="0" eaLnBrk="1" latinLnBrk="0" hangingPunct="1">
+      <a:defRPr sz="1200" kern="1200">
+        <a:solidFill>
+          <a:schemeClr val="tx1"/>
+        </a:solidFill>
+        <a:latin typeface="+mn-lt"/>
+        <a:ea typeface="+mn-ea"/>
+        <a:cs typeface="+mn-cs"/>
+      </a:defRPr>
+    </a:lvl8pPr>
+    <a:lvl9pPr marL="3657600" algn="l" defTabSz="457200" rtl="0" eaLnBrk="1" latinLnBrk="0" hangingPunct="1">
+      <a:defRPr sz="1200" kern="1200">
+        <a:solidFill>
+          <a:schemeClr val="tx1"/>
+        </a:solidFill>
+        <a:latin typeface="+mn-lt"/>
+        <a:ea typeface="+mn-ea"/>
+        <a:cs typeface="+mn-cs"/>
+      </a:defRPr>
+    </a:lvl9pPr>
+  </p:notesStyle>
+</p:notesMaster>
+</file>
+
+<file path=ppt/notesSlides/notesSlide1.xml><?xml version="1.0" encoding="utf-8"?>
+<p:notes xmlns:a="http://schemas.openxmlformats.org/drawingml/2006/main" xmlns:r="http://schemas.openxmlformats.org/officeDocument/2006/relationships" xmlns:p="http://schemas.openxmlformats.org/presentationml/2006/main">
+  <p:cSld>
+    <p:spTree>
+      <p:nvGrpSpPr>
+        <p:cNvPr id="1" name=""/>
+        <p:cNvGrpSpPr/>
+        <p:nvPr/>
+      </p:nvGrpSpPr>
+      <p:grpSpPr>
+        <a:xfrm>
+          <a:off x="0" y="0"/>
+          <a:ext cx="0" cy="0"/>
+          <a:chOff x="0" y="0"/>
+          <a:chExt cx="0" cy="0"/>
+        </a:xfrm>
+      </p:grpSpPr>
+      <p:sp>
+        <p:nvSpPr>
+          <p:cNvPr id="2" name="Slide Image Placeholder 1"/>
+          <p:cNvSpPr>
+            <a:spLocks noGrp="1" noRot="1" noChangeAspect="1"/>
+          </p:cNvSpPr>
+          <p:nvPr>
+            <p:ph type="sldImg"/>
+          </p:nvPr>
+        </p:nvSpPr>
+        <p:spPr/>
+      </p:sp>
+      <p:sp>
+        <p:nvSpPr>
+          <p:cNvPr id="3" name="Notes Placeholder 2"/>
+          <p:cNvSpPr>
+            <a:spLocks noGrp="1"/>
+          </p:cNvSpPr>
+          <p:nvPr>
+            <p:ph type="body" idx="1"/>
+          </p:nvPr>
+        </p:nvSpPr>
+        <p:spPr/>
+        <p:txBody>
+          <a:bodyPr/>
+          <a:lstStyle/>
+          <a:p>
+            <a:endParaRPr lang="en-US" dirty="0"/>
+          </a:p>
+        </p:txBody>
+      </p:sp>
+      <p:sp>
+        <p:nvSpPr>
+          <p:cNvPr id="4" name="Slide Number Placeholder 3"/>
+          <p:cNvSpPr>
+            <a:spLocks noGrp="1"/>
+          </p:cNvSpPr>
+          <p:nvPr>
+            <p:ph type="sldNum" sz="quarter" idx="10"/>
+          </p:nvPr>
+        </p:nvSpPr>
+        <p:spPr/>
+        <p:txBody>
+          <a:bodyPr/>
+          <a:lstStyle/>
+          <a:p>
+            <a:fld id="{ABFE75F9-D98C-B04F-92CD-C7E53BC30AF1}" type="slidenum">
+              <a:rPr lang="en-US" smtClean="0"/>
+              <a:t>1</a:t>
+            </a:fld>
+            <a:endParaRPr lang="en-US"/>
+          </a:p>
+        </p:txBody>
+      </p:sp>
+    </p:spTree>
+    <p:extLst>
+      <p:ext uri="{BB962C8B-B14F-4D97-AF65-F5344CB8AC3E}">
+        <p14:creationId xmlns:p14="http://schemas.microsoft.com/office/powerpoint/2010/main" val="2574829711"/>
+      </p:ext>
+    </p:extLst>
+  </p:cSld>
+  <p:clrMapOvr>
+    <a:masterClrMapping/>
+  </p:clrMapOvr>
+</p:notes>
+</file>
+
 <file path=ppt/slideLayouts/slideLayout1.xml><?xml version="1.0" encoding="utf-8"?>
 <p:sldLayout xmlns:a="http://schemas.openxmlformats.org/drawingml/2006/main" xmlns:r="http://schemas.openxmlformats.org/officeDocument/2006/relationships" xmlns:p="http://schemas.openxmlformats.org/presentationml/2006/main" type="title" preserve="1">
   <p:cSld name="Slide de título">
@@ -292,7 +731,7 @@
           <a:p>
             <a:fld id="{53659E77-B8D2-4DE8-96D1-5952424874B9}" type="datetimeFigureOut">
               <a:rPr lang="pt-BR" smtClean="0"/>
-              <a:t>21/10/2019</a:t>
+              <a:t>21/10/19</a:t>
             </a:fld>
             <a:endParaRPr lang="pt-BR"/>
           </a:p>
@@ -334,7 +773,7 @@
           <a:p>
             <a:fld id="{B4C74A8E-BE9D-48C9-92BA-D7910CA7D119}" type="slidenum">
               <a:rPr lang="pt-BR" smtClean="0"/>
-              <a:t>‹nº›</a:t>
+              <a:t>‹#›</a:t>
             </a:fld>
             <a:endParaRPr lang="pt-BR"/>
           </a:p>
@@ -462,7 +901,7 @@
           <a:p>
             <a:fld id="{53659E77-B8D2-4DE8-96D1-5952424874B9}" type="datetimeFigureOut">
               <a:rPr lang="pt-BR" smtClean="0"/>
-              <a:t>21/10/2019</a:t>
+              <a:t>21/10/19</a:t>
             </a:fld>
             <a:endParaRPr lang="pt-BR"/>
           </a:p>
@@ -504,7 +943,7 @@
           <a:p>
             <a:fld id="{B4C74A8E-BE9D-48C9-92BA-D7910CA7D119}" type="slidenum">
               <a:rPr lang="pt-BR" smtClean="0"/>
-              <a:t>‹nº›</a:t>
+              <a:t>‹#›</a:t>
             </a:fld>
             <a:endParaRPr lang="pt-BR"/>
           </a:p>
@@ -642,7 +1081,7 @@
           <a:p>
             <a:fld id="{53659E77-B8D2-4DE8-96D1-5952424874B9}" type="datetimeFigureOut">
               <a:rPr lang="pt-BR" smtClean="0"/>
-              <a:t>21/10/2019</a:t>
+              <a:t>21/10/19</a:t>
             </a:fld>
             <a:endParaRPr lang="pt-BR"/>
           </a:p>
@@ -684,7 +1123,7 @@
           <a:p>
             <a:fld id="{B4C74A8E-BE9D-48C9-92BA-D7910CA7D119}" type="slidenum">
               <a:rPr lang="pt-BR" smtClean="0"/>
-              <a:t>‹nº›</a:t>
+              <a:t>‹#›</a:t>
             </a:fld>
             <a:endParaRPr lang="pt-BR"/>
           </a:p>
@@ -812,7 +1251,7 @@
           <a:p>
             <a:fld id="{53659E77-B8D2-4DE8-96D1-5952424874B9}" type="datetimeFigureOut">
               <a:rPr lang="pt-BR" smtClean="0"/>
-              <a:t>21/10/2019</a:t>
+              <a:t>21/10/19</a:t>
             </a:fld>
             <a:endParaRPr lang="pt-BR"/>
           </a:p>
@@ -854,7 +1293,7 @@
           <a:p>
             <a:fld id="{B4C74A8E-BE9D-48C9-92BA-D7910CA7D119}" type="slidenum">
               <a:rPr lang="pt-BR" smtClean="0"/>
-              <a:t>‹nº›</a:t>
+              <a:t>‹#›</a:t>
             </a:fld>
             <a:endParaRPr lang="pt-BR"/>
           </a:p>
@@ -1058,7 +1497,7 @@
           <a:p>
             <a:fld id="{53659E77-B8D2-4DE8-96D1-5952424874B9}" type="datetimeFigureOut">
               <a:rPr lang="pt-BR" smtClean="0"/>
-              <a:t>21/10/2019</a:t>
+              <a:t>21/10/19</a:t>
             </a:fld>
             <a:endParaRPr lang="pt-BR"/>
           </a:p>
@@ -1100,7 +1539,7 @@
           <a:p>
             <a:fld id="{B4C74A8E-BE9D-48C9-92BA-D7910CA7D119}" type="slidenum">
               <a:rPr lang="pt-BR" smtClean="0"/>
-              <a:t>‹nº›</a:t>
+              <a:t>‹#›</a:t>
             </a:fld>
             <a:endParaRPr lang="pt-BR"/>
           </a:p>
@@ -1346,7 +1785,7 @@
           <a:p>
             <a:fld id="{53659E77-B8D2-4DE8-96D1-5952424874B9}" type="datetimeFigureOut">
               <a:rPr lang="pt-BR" smtClean="0"/>
-              <a:t>21/10/2019</a:t>
+              <a:t>21/10/19</a:t>
             </a:fld>
             <a:endParaRPr lang="pt-BR"/>
           </a:p>
@@ -1388,7 +1827,7 @@
           <a:p>
             <a:fld id="{B4C74A8E-BE9D-48C9-92BA-D7910CA7D119}" type="slidenum">
               <a:rPr lang="pt-BR" smtClean="0"/>
-              <a:t>‹nº›</a:t>
+              <a:t>‹#›</a:t>
             </a:fld>
             <a:endParaRPr lang="pt-BR"/>
           </a:p>
@@ -1768,7 +2207,7 @@
           <a:p>
             <a:fld id="{53659E77-B8D2-4DE8-96D1-5952424874B9}" type="datetimeFigureOut">
               <a:rPr lang="pt-BR" smtClean="0"/>
-              <a:t>21/10/2019</a:t>
+              <a:t>21/10/19</a:t>
             </a:fld>
             <a:endParaRPr lang="pt-BR"/>
           </a:p>
@@ -1810,7 +2249,7 @@
           <a:p>
             <a:fld id="{B4C74A8E-BE9D-48C9-92BA-D7910CA7D119}" type="slidenum">
               <a:rPr lang="pt-BR" smtClean="0"/>
-              <a:t>‹nº›</a:t>
+              <a:t>‹#›</a:t>
             </a:fld>
             <a:endParaRPr lang="pt-BR"/>
           </a:p>
@@ -1886,7 +2325,7 @@
           <a:p>
             <a:fld id="{53659E77-B8D2-4DE8-96D1-5952424874B9}" type="datetimeFigureOut">
               <a:rPr lang="pt-BR" smtClean="0"/>
-              <a:t>21/10/2019</a:t>
+              <a:t>21/10/19</a:t>
             </a:fld>
             <a:endParaRPr lang="pt-BR"/>
           </a:p>
@@ -1928,7 +2367,7 @@
           <a:p>
             <a:fld id="{B4C74A8E-BE9D-48C9-92BA-D7910CA7D119}" type="slidenum">
               <a:rPr lang="pt-BR" smtClean="0"/>
-              <a:t>‹nº›</a:t>
+              <a:t>‹#›</a:t>
             </a:fld>
             <a:endParaRPr lang="pt-BR"/>
           </a:p>
@@ -1981,7 +2420,7 @@
           <a:p>
             <a:fld id="{53659E77-B8D2-4DE8-96D1-5952424874B9}" type="datetimeFigureOut">
               <a:rPr lang="pt-BR" smtClean="0"/>
-              <a:t>21/10/2019</a:t>
+              <a:t>21/10/19</a:t>
             </a:fld>
             <a:endParaRPr lang="pt-BR"/>
           </a:p>
@@ -2023,7 +2462,7 @@
           <a:p>
             <a:fld id="{B4C74A8E-BE9D-48C9-92BA-D7910CA7D119}" type="slidenum">
               <a:rPr lang="pt-BR" smtClean="0"/>
-              <a:t>‹nº›</a:t>
+              <a:t>‹#›</a:t>
             </a:fld>
             <a:endParaRPr lang="pt-BR"/>
           </a:p>
@@ -2258,7 +2697,7 @@
           <a:p>
             <a:fld id="{53659E77-B8D2-4DE8-96D1-5952424874B9}" type="datetimeFigureOut">
               <a:rPr lang="pt-BR" smtClean="0"/>
-              <a:t>21/10/2019</a:t>
+              <a:t>21/10/19</a:t>
             </a:fld>
             <a:endParaRPr lang="pt-BR"/>
           </a:p>
@@ -2300,7 +2739,7 @@
           <a:p>
             <a:fld id="{B4C74A8E-BE9D-48C9-92BA-D7910CA7D119}" type="slidenum">
               <a:rPr lang="pt-BR" smtClean="0"/>
-              <a:t>‹nº›</a:t>
+              <a:t>‹#›</a:t>
             </a:fld>
             <a:endParaRPr lang="pt-BR"/>
           </a:p>
@@ -2511,7 +2950,7 @@
           <a:p>
             <a:fld id="{53659E77-B8D2-4DE8-96D1-5952424874B9}" type="datetimeFigureOut">
               <a:rPr lang="pt-BR" smtClean="0"/>
-              <a:t>21/10/2019</a:t>
+              <a:t>21/10/19</a:t>
             </a:fld>
             <a:endParaRPr lang="pt-BR"/>
           </a:p>
@@ -2553,7 +2992,7 @@
           <a:p>
             <a:fld id="{B4C74A8E-BE9D-48C9-92BA-D7910CA7D119}" type="slidenum">
               <a:rPr lang="pt-BR" smtClean="0"/>
-              <a:t>‹nº›</a:t>
+              <a:t>‹#›</a:t>
             </a:fld>
             <a:endParaRPr lang="pt-BR"/>
           </a:p>
@@ -2730,7 +3169,7 @@
           <a:p>
             <a:fld id="{53659E77-B8D2-4DE8-96D1-5952424874B9}" type="datetimeFigureOut">
               <a:rPr lang="pt-BR" smtClean="0"/>
-              <a:t>21/10/2019</a:t>
+              <a:t>21/10/19</a:t>
             </a:fld>
             <a:endParaRPr lang="pt-BR"/>
           </a:p>
@@ -2808,7 +3247,7 @@
           <a:p>
             <a:fld id="{B4C74A8E-BE9D-48C9-92BA-D7910CA7D119}" type="slidenum">
               <a:rPr lang="pt-BR" smtClean="0"/>
-              <a:t>‹nº›</a:t>
+              <a:t>‹#›</a:t>
             </a:fld>
             <a:endParaRPr lang="pt-BR"/>
           </a:p>
@@ -3162,9 +3601,125 @@
             <a:off x="0" y="2186608"/>
             <a:ext cx="9144000" cy="4671392"/>
           </a:xfrm>
-          <a:prstGeom prst="rect">
+          <a:custGeom>
             <a:avLst/>
-          </a:prstGeom>
+            <a:gdLst>
+              <a:gd name="connsiteX0" fmla="*/ 0 w 9144000"/>
+              <a:gd name="connsiteY0" fmla="*/ 0 h 4671392"/>
+              <a:gd name="connsiteX1" fmla="*/ 9144000 w 9144000"/>
+              <a:gd name="connsiteY1" fmla="*/ 0 h 4671392"/>
+              <a:gd name="connsiteX2" fmla="*/ 9144000 w 9144000"/>
+              <a:gd name="connsiteY2" fmla="*/ 4671392 h 4671392"/>
+              <a:gd name="connsiteX3" fmla="*/ 0 w 9144000"/>
+              <a:gd name="connsiteY3" fmla="*/ 4671392 h 4671392"/>
+              <a:gd name="connsiteX4" fmla="*/ 0 w 9144000"/>
+              <a:gd name="connsiteY4" fmla="*/ 0 h 4671392"/>
+              <a:gd name="connsiteX0" fmla="*/ 0 w 9144000"/>
+              <a:gd name="connsiteY0" fmla="*/ 32 h 4671424"/>
+              <a:gd name="connsiteX1" fmla="*/ 2603500 w 9144000"/>
+              <a:gd name="connsiteY1" fmla="*/ 556624 h 4671424"/>
+              <a:gd name="connsiteX2" fmla="*/ 9144000 w 9144000"/>
+              <a:gd name="connsiteY2" fmla="*/ 32 h 4671424"/>
+              <a:gd name="connsiteX3" fmla="*/ 9144000 w 9144000"/>
+              <a:gd name="connsiteY3" fmla="*/ 4671424 h 4671424"/>
+              <a:gd name="connsiteX4" fmla="*/ 0 w 9144000"/>
+              <a:gd name="connsiteY4" fmla="*/ 4671424 h 4671424"/>
+              <a:gd name="connsiteX5" fmla="*/ 0 w 9144000"/>
+              <a:gd name="connsiteY5" fmla="*/ 32 h 4671424"/>
+              <a:gd name="connsiteX0" fmla="*/ 0 w 9144000"/>
+              <a:gd name="connsiteY0" fmla="*/ 32 h 4671424"/>
+              <a:gd name="connsiteX1" fmla="*/ 2603500 w 9144000"/>
+              <a:gd name="connsiteY1" fmla="*/ 556624 h 4671424"/>
+              <a:gd name="connsiteX2" fmla="*/ 5384800 w 9144000"/>
+              <a:gd name="connsiteY2" fmla="*/ 23224 h 4671424"/>
+              <a:gd name="connsiteX3" fmla="*/ 9144000 w 9144000"/>
+              <a:gd name="connsiteY3" fmla="*/ 32 h 4671424"/>
+              <a:gd name="connsiteX4" fmla="*/ 9144000 w 9144000"/>
+              <a:gd name="connsiteY4" fmla="*/ 4671424 h 4671424"/>
+              <a:gd name="connsiteX5" fmla="*/ 0 w 9144000"/>
+              <a:gd name="connsiteY5" fmla="*/ 4671424 h 4671424"/>
+              <a:gd name="connsiteX6" fmla="*/ 0 w 9144000"/>
+              <a:gd name="connsiteY6" fmla="*/ 32 h 4671424"/>
+              <a:gd name="connsiteX0" fmla="*/ 0 w 9144000"/>
+              <a:gd name="connsiteY0" fmla="*/ 508000 h 4671392"/>
+              <a:gd name="connsiteX1" fmla="*/ 2603500 w 9144000"/>
+              <a:gd name="connsiteY1" fmla="*/ 556592 h 4671392"/>
+              <a:gd name="connsiteX2" fmla="*/ 5384800 w 9144000"/>
+              <a:gd name="connsiteY2" fmla="*/ 23192 h 4671392"/>
+              <a:gd name="connsiteX3" fmla="*/ 9144000 w 9144000"/>
+              <a:gd name="connsiteY3" fmla="*/ 0 h 4671392"/>
+              <a:gd name="connsiteX4" fmla="*/ 9144000 w 9144000"/>
+              <a:gd name="connsiteY4" fmla="*/ 4671392 h 4671392"/>
+              <a:gd name="connsiteX5" fmla="*/ 0 w 9144000"/>
+              <a:gd name="connsiteY5" fmla="*/ 4671392 h 4671392"/>
+              <a:gd name="connsiteX6" fmla="*/ 0 w 9144000"/>
+              <a:gd name="connsiteY6" fmla="*/ 508000 h 4671392"/>
+            </a:gdLst>
+            <a:ahLst/>
+            <a:cxnLst>
+              <a:cxn ang="0">
+                <a:pos x="connsiteX0" y="connsiteY0"/>
+              </a:cxn>
+              <a:cxn ang="0">
+                <a:pos x="connsiteX1" y="connsiteY1"/>
+              </a:cxn>
+              <a:cxn ang="0">
+                <a:pos x="connsiteX2" y="connsiteY2"/>
+              </a:cxn>
+              <a:cxn ang="0">
+                <a:pos x="connsiteX3" y="connsiteY3"/>
+              </a:cxn>
+              <a:cxn ang="0">
+                <a:pos x="connsiteX4" y="connsiteY4"/>
+              </a:cxn>
+              <a:cxn ang="0">
+                <a:pos x="connsiteX5" y="connsiteY5"/>
+              </a:cxn>
+              <a:cxn ang="0">
+                <a:pos x="connsiteX6" y="connsiteY6"/>
+              </a:cxn>
+            </a:cxnLst>
+            <a:rect l="l" t="t" r="r" b="b"/>
+            <a:pathLst>
+              <a:path w="9144000" h="4671392">
+                <a:moveTo>
+                  <a:pt x="0" y="508000"/>
+                </a:moveTo>
+                <a:cubicBezTo>
+                  <a:pt x="833967" y="503031"/>
+                  <a:pt x="1769533" y="561561"/>
+                  <a:pt x="2603500" y="556592"/>
+                </a:cubicBezTo>
+                <a:cubicBezTo>
+                  <a:pt x="3526367" y="467692"/>
+                  <a:pt x="4461933" y="112092"/>
+                  <a:pt x="5384800" y="23192"/>
+                </a:cubicBezTo>
+                <a:lnTo>
+                  <a:pt x="9144000" y="0"/>
+                </a:lnTo>
+                <a:lnTo>
+                  <a:pt x="9144000" y="4671392"/>
+                </a:lnTo>
+                <a:lnTo>
+                  <a:pt x="0" y="4671392"/>
+                </a:lnTo>
+                <a:lnTo>
+                  <a:pt x="0" y="508000"/>
+                </a:lnTo>
+                <a:close/>
+              </a:path>
+            </a:pathLst>
+          </a:custGeom>
+          <a:solidFill>
+            <a:schemeClr val="accent3">
+              <a:lumMod val="60000"/>
+              <a:lumOff val="40000"/>
+            </a:schemeClr>
+          </a:solidFill>
+          <a:ln>
+            <a:noFill/>
+          </a:ln>
         </p:spPr>
         <p:style>
           <a:lnRef idx="2">
@@ -3200,7 +3755,7 @@
           <p:nvPr/>
         </p:nvPicPr>
         <p:blipFill>
-          <a:blip r:embed="rId2">
+          <a:blip r:embed="rId3">
             <a:extLst>
               <a:ext uri="{28A0092B-C50C-407E-A947-70E740481C1C}">
                 <a14:useLocalDpi xmlns:a14="http://schemas.microsoft.com/office/drawing/2010/main" val="0"/>
@@ -3214,7 +3769,7 @@
         </p:blipFill>
         <p:spPr bwMode="auto">
           <a:xfrm>
-            <a:off x="-2964692" y="-243408"/>
+            <a:off x="-2556792" y="-171400"/>
             <a:ext cx="2286000" cy="2286000"/>
           </a:xfrm>
           <a:prstGeom prst="rect">
@@ -3225,14 +3780,14 @@
             <a:noFill/>
           </a:ln>
           <a:extLst>
-            <a:ext uri="{909E8E84-426E-40DD-AFC4-6F175D3DCCD1}">
+            <a:ext uri="{909E8E84-426E-40dd-AFC4-6F175D3DCCD1}">
               <a14:hiddenFill xmlns:a14="http://schemas.microsoft.com/office/drawing/2010/main">
                 <a:solidFill>
                   <a:schemeClr val="accent1"/>
                 </a:solidFill>
               </a14:hiddenFill>
             </a:ext>
-            <a:ext uri="{91240B29-F687-4F45-9708-019B960494DF}">
+            <a:ext uri="{91240B29-F687-4f45-9708-019B960494DF}">
               <a14:hiddenLine xmlns:a14="http://schemas.microsoft.com/office/drawing/2010/main" w="9525">
                 <a:solidFill>
                   <a:schemeClr val="tx1"/>
@@ -3293,8 +3848,3419 @@
         </p:nvSpPr>
         <p:spPr>
           <a:xfrm>
-            <a:off x="467544" y="188640"/>
-            <a:ext cx="2016224" cy="3168352"/>
+            <a:off x="467544" y="476672"/>
+            <a:ext cx="2016227" cy="3168352"/>
+          </a:xfrm>
+          <a:custGeom>
+            <a:avLst/>
+            <a:gdLst>
+              <a:gd name="connsiteX0" fmla="*/ 0 w 2016224"/>
+              <a:gd name="connsiteY0" fmla="*/ 0 h 3168352"/>
+              <a:gd name="connsiteX1" fmla="*/ 2016224 w 2016224"/>
+              <a:gd name="connsiteY1" fmla="*/ 0 h 3168352"/>
+              <a:gd name="connsiteX2" fmla="*/ 2016224 w 2016224"/>
+              <a:gd name="connsiteY2" fmla="*/ 3168352 h 3168352"/>
+              <a:gd name="connsiteX3" fmla="*/ 0 w 2016224"/>
+              <a:gd name="connsiteY3" fmla="*/ 3168352 h 3168352"/>
+              <a:gd name="connsiteX4" fmla="*/ 0 w 2016224"/>
+              <a:gd name="connsiteY4" fmla="*/ 0 h 3168352"/>
+              <a:gd name="connsiteX0" fmla="*/ 0 w 2016224"/>
+              <a:gd name="connsiteY0" fmla="*/ 0 h 3168352"/>
+              <a:gd name="connsiteX1" fmla="*/ 2016224 w 2016224"/>
+              <a:gd name="connsiteY1" fmla="*/ 0 h 3168352"/>
+              <a:gd name="connsiteX2" fmla="*/ 2016224 w 2016224"/>
+              <a:gd name="connsiteY2" fmla="*/ 3168352 h 3168352"/>
+              <a:gd name="connsiteX3" fmla="*/ 0 w 2016224"/>
+              <a:gd name="connsiteY3" fmla="*/ 3168352 h 3168352"/>
+              <a:gd name="connsiteX4" fmla="*/ 0 w 2016224"/>
+              <a:gd name="connsiteY4" fmla="*/ 0 h 3168352"/>
+              <a:gd name="connsiteX0" fmla="*/ 0 w 2016224"/>
+              <a:gd name="connsiteY0" fmla="*/ 0 h 3168352"/>
+              <a:gd name="connsiteX1" fmla="*/ 2016224 w 2016224"/>
+              <a:gd name="connsiteY1" fmla="*/ 0 h 3168352"/>
+              <a:gd name="connsiteX2" fmla="*/ 2016224 w 2016224"/>
+              <a:gd name="connsiteY2" fmla="*/ 3168352 h 3168352"/>
+              <a:gd name="connsiteX3" fmla="*/ 0 w 2016224"/>
+              <a:gd name="connsiteY3" fmla="*/ 3168352 h 3168352"/>
+              <a:gd name="connsiteX4" fmla="*/ 0 w 2016224"/>
+              <a:gd name="connsiteY4" fmla="*/ 0 h 3168352"/>
+              <a:gd name="connsiteX0" fmla="*/ 0 w 2021656"/>
+              <a:gd name="connsiteY0" fmla="*/ 0 h 3168352"/>
+              <a:gd name="connsiteX1" fmla="*/ 2016224 w 2021656"/>
+              <a:gd name="connsiteY1" fmla="*/ 0 h 3168352"/>
+              <a:gd name="connsiteX2" fmla="*/ 2021656 w 2021656"/>
+              <a:gd name="connsiteY2" fmla="*/ 1373460 h 3168352"/>
+              <a:gd name="connsiteX3" fmla="*/ 2016224 w 2021656"/>
+              <a:gd name="connsiteY3" fmla="*/ 3168352 h 3168352"/>
+              <a:gd name="connsiteX4" fmla="*/ 0 w 2021656"/>
+              <a:gd name="connsiteY4" fmla="*/ 3168352 h 3168352"/>
+              <a:gd name="connsiteX5" fmla="*/ 0 w 2021656"/>
+              <a:gd name="connsiteY5" fmla="*/ 0 h 3168352"/>
+              <a:gd name="connsiteX0" fmla="*/ 0 w 2016227"/>
+              <a:gd name="connsiteY0" fmla="*/ 0 h 3168352"/>
+              <a:gd name="connsiteX1" fmla="*/ 2016224 w 2016227"/>
+              <a:gd name="connsiteY1" fmla="*/ 0 h 3168352"/>
+              <a:gd name="connsiteX2" fmla="*/ 1348556 w 2016227"/>
+              <a:gd name="connsiteY2" fmla="*/ 1398860 h 3168352"/>
+              <a:gd name="connsiteX3" fmla="*/ 2016224 w 2016227"/>
+              <a:gd name="connsiteY3" fmla="*/ 3168352 h 3168352"/>
+              <a:gd name="connsiteX4" fmla="*/ 0 w 2016227"/>
+              <a:gd name="connsiteY4" fmla="*/ 3168352 h 3168352"/>
+              <a:gd name="connsiteX5" fmla="*/ 0 w 2016227"/>
+              <a:gd name="connsiteY5" fmla="*/ 0 h 3168352"/>
+            </a:gdLst>
+            <a:ahLst/>
+            <a:cxnLst>
+              <a:cxn ang="0">
+                <a:pos x="connsiteX0" y="connsiteY0"/>
+              </a:cxn>
+              <a:cxn ang="0">
+                <a:pos x="connsiteX1" y="connsiteY1"/>
+              </a:cxn>
+              <a:cxn ang="0">
+                <a:pos x="connsiteX2" y="connsiteY2"/>
+              </a:cxn>
+              <a:cxn ang="0">
+                <a:pos x="connsiteX3" y="connsiteY3"/>
+              </a:cxn>
+              <a:cxn ang="0">
+                <a:pos x="connsiteX4" y="connsiteY4"/>
+              </a:cxn>
+              <a:cxn ang="0">
+                <a:pos x="connsiteX5" y="connsiteY5"/>
+              </a:cxn>
+            </a:cxnLst>
+            <a:rect l="l" t="t" r="r" b="b"/>
+            <a:pathLst>
+              <a:path w="2016227" h="3168352">
+                <a:moveTo>
+                  <a:pt x="0" y="0"/>
+                </a:moveTo>
+                <a:lnTo>
+                  <a:pt x="2016224" y="0"/>
+                </a:lnTo>
+                <a:cubicBezTo>
+                  <a:pt x="2018035" y="517087"/>
+                  <a:pt x="1346745" y="881773"/>
+                  <a:pt x="1348556" y="1398860"/>
+                </a:cubicBezTo>
+                <a:cubicBezTo>
+                  <a:pt x="1346745" y="1997157"/>
+                  <a:pt x="2018035" y="2570055"/>
+                  <a:pt x="2016224" y="3168352"/>
+                </a:cubicBezTo>
+                <a:lnTo>
+                  <a:pt x="0" y="3168352"/>
+                </a:lnTo>
+                <a:cubicBezTo>
+                  <a:pt x="0" y="2112235"/>
+                  <a:pt x="1155700" y="1462517"/>
+                  <a:pt x="0" y="0"/>
+                </a:cubicBezTo>
+                <a:close/>
+              </a:path>
+            </a:pathLst>
+          </a:custGeom>
+          <a:solidFill>
+            <a:schemeClr val="bg2">
+              <a:lumMod val="50000"/>
+            </a:schemeClr>
+          </a:solidFill>
+          <a:ln>
+            <a:noFill/>
+          </a:ln>
+        </p:spPr>
+        <p:style>
+          <a:lnRef idx="2">
+            <a:schemeClr val="accent1">
+              <a:shade val="50000"/>
+            </a:schemeClr>
+          </a:lnRef>
+          <a:fillRef idx="1">
+            <a:schemeClr val="accent1"/>
+          </a:fillRef>
+          <a:effectRef idx="0">
+            <a:schemeClr val="accent1"/>
+          </a:effectRef>
+          <a:fontRef idx="minor">
+            <a:schemeClr val="lt1"/>
+          </a:fontRef>
+        </p:style>
+        <p:txBody>
+          <a:bodyPr rtlCol="0" anchor="ctr"/>
+          <a:lstStyle/>
+          <a:p>
+            <a:pPr algn="ctr"/>
+            <a:endParaRPr lang="pt-BR"/>
+          </a:p>
+        </p:txBody>
+      </p:sp>
+      <p:sp>
+        <p:nvSpPr>
+          <p:cNvPr id="12" name="Forma livre 11"/>
+          <p:cNvSpPr/>
+          <p:nvPr/>
+        </p:nvSpPr>
+        <p:spPr>
+          <a:xfrm>
+            <a:off x="4067944" y="2132856"/>
+            <a:ext cx="5076056" cy="3328807"/>
+          </a:xfrm>
+          <a:custGeom>
+            <a:avLst/>
+            <a:gdLst>
+              <a:gd name="connsiteX0" fmla="*/ 741344 w 5553008"/>
+              <a:gd name="connsiteY0" fmla="*/ 382816 h 3313485"/>
+              <a:gd name="connsiteX1" fmla="*/ 301506 w 5553008"/>
+              <a:gd name="connsiteY1" fmla="*/ 683758 h 3313485"/>
+              <a:gd name="connsiteX2" fmla="*/ 208908 w 5553008"/>
+              <a:gd name="connsiteY2" fmla="*/ 1077297 h 3313485"/>
+              <a:gd name="connsiteX3" fmla="*/ 564 w 5553008"/>
+              <a:gd name="connsiteY3" fmla="*/ 1621307 h 3313485"/>
+              <a:gd name="connsiteX4" fmla="*/ 278356 w 5553008"/>
+              <a:gd name="connsiteY4" fmla="*/ 2292639 h 3313485"/>
+              <a:gd name="connsiteX5" fmla="*/ 417253 w 5553008"/>
+              <a:gd name="connsiteY5" fmla="*/ 2825074 h 3313485"/>
+              <a:gd name="connsiteX6" fmla="*/ 1447399 w 5553008"/>
+              <a:gd name="connsiteY6" fmla="*/ 2906097 h 3313485"/>
+              <a:gd name="connsiteX7" fmla="*/ 2165030 w 5553008"/>
+              <a:gd name="connsiteY7" fmla="*/ 3299636 h 3313485"/>
+              <a:gd name="connsiteX8" fmla="*/ 2871085 w 5553008"/>
+              <a:gd name="connsiteY8" fmla="*/ 3079717 h 3313485"/>
+              <a:gd name="connsiteX9" fmla="*/ 4167450 w 5553008"/>
+              <a:gd name="connsiteY9" fmla="*/ 3299636 h 3313485"/>
+              <a:gd name="connsiteX10" fmla="*/ 5440665 w 5553008"/>
+              <a:gd name="connsiteY10" fmla="*/ 2593581 h 3313485"/>
+              <a:gd name="connsiteX11" fmla="*/ 5429090 w 5553008"/>
+              <a:gd name="connsiteY11" fmla="*/ 1540284 h 3313485"/>
+              <a:gd name="connsiteX12" fmla="*/ 4908230 w 5553008"/>
+              <a:gd name="connsiteY12" fmla="*/ 857378 h 3313485"/>
+              <a:gd name="connsiteX13" fmla="*/ 4908230 w 5553008"/>
+              <a:gd name="connsiteY13" fmla="*/ 463839 h 3313485"/>
+              <a:gd name="connsiteX14" fmla="*/ 4040128 w 5553008"/>
+              <a:gd name="connsiteY14" fmla="*/ 336517 h 3313485"/>
+              <a:gd name="connsiteX15" fmla="*/ 2986832 w 5553008"/>
+              <a:gd name="connsiteY15" fmla="*/ 851 h 3313485"/>
+              <a:gd name="connsiteX16" fmla="*/ 1574721 w 5553008"/>
+              <a:gd name="connsiteY16" fmla="*/ 243920 h 3313485"/>
+              <a:gd name="connsiteX17" fmla="*/ 741344 w 5553008"/>
+              <a:gd name="connsiteY17" fmla="*/ 382816 h 3313485"/>
+              <a:gd name="connsiteX0" fmla="*/ 741344 w 5553008"/>
+              <a:gd name="connsiteY0" fmla="*/ 382816 h 3313485"/>
+              <a:gd name="connsiteX1" fmla="*/ 301506 w 5553008"/>
+              <a:gd name="connsiteY1" fmla="*/ 683758 h 3313485"/>
+              <a:gd name="connsiteX2" fmla="*/ 208908 w 5553008"/>
+              <a:gd name="connsiteY2" fmla="*/ 1077297 h 3313485"/>
+              <a:gd name="connsiteX3" fmla="*/ 564 w 5553008"/>
+              <a:gd name="connsiteY3" fmla="*/ 1621307 h 3313485"/>
+              <a:gd name="connsiteX4" fmla="*/ 278356 w 5553008"/>
+              <a:gd name="connsiteY4" fmla="*/ 2292639 h 3313485"/>
+              <a:gd name="connsiteX5" fmla="*/ 417253 w 5553008"/>
+              <a:gd name="connsiteY5" fmla="*/ 2825074 h 3313485"/>
+              <a:gd name="connsiteX6" fmla="*/ 1447399 w 5553008"/>
+              <a:gd name="connsiteY6" fmla="*/ 2906097 h 3313485"/>
+              <a:gd name="connsiteX7" fmla="*/ 2165030 w 5553008"/>
+              <a:gd name="connsiteY7" fmla="*/ 3299636 h 3313485"/>
+              <a:gd name="connsiteX8" fmla="*/ 2871085 w 5553008"/>
+              <a:gd name="connsiteY8" fmla="*/ 3079717 h 3313485"/>
+              <a:gd name="connsiteX9" fmla="*/ 4167450 w 5553008"/>
+              <a:gd name="connsiteY9" fmla="*/ 3299636 h 3313485"/>
+              <a:gd name="connsiteX10" fmla="*/ 5440665 w 5553008"/>
+              <a:gd name="connsiteY10" fmla="*/ 2593581 h 3313485"/>
+              <a:gd name="connsiteX11" fmla="*/ 5429090 w 5553008"/>
+              <a:gd name="connsiteY11" fmla="*/ 1540284 h 3313485"/>
+              <a:gd name="connsiteX12" fmla="*/ 4908230 w 5553008"/>
+              <a:gd name="connsiteY12" fmla="*/ 857378 h 3313485"/>
+              <a:gd name="connsiteX13" fmla="*/ 4908230 w 5553008"/>
+              <a:gd name="connsiteY13" fmla="*/ 463839 h 3313485"/>
+              <a:gd name="connsiteX14" fmla="*/ 3913505 w 5553008"/>
+              <a:gd name="connsiteY14" fmla="*/ 486279 h 3313485"/>
+              <a:gd name="connsiteX15" fmla="*/ 2986832 w 5553008"/>
+              <a:gd name="connsiteY15" fmla="*/ 851 h 3313485"/>
+              <a:gd name="connsiteX16" fmla="*/ 1574721 w 5553008"/>
+              <a:gd name="connsiteY16" fmla="*/ 243920 h 3313485"/>
+              <a:gd name="connsiteX17" fmla="*/ 741344 w 5553008"/>
+              <a:gd name="connsiteY17" fmla="*/ 382816 h 3313485"/>
+              <a:gd name="connsiteX0" fmla="*/ 741344 w 5553008"/>
+              <a:gd name="connsiteY0" fmla="*/ 382447 h 3313116"/>
+              <a:gd name="connsiteX1" fmla="*/ 301506 w 5553008"/>
+              <a:gd name="connsiteY1" fmla="*/ 683389 h 3313116"/>
+              <a:gd name="connsiteX2" fmla="*/ 208908 w 5553008"/>
+              <a:gd name="connsiteY2" fmla="*/ 1076928 h 3313116"/>
+              <a:gd name="connsiteX3" fmla="*/ 564 w 5553008"/>
+              <a:gd name="connsiteY3" fmla="*/ 1620938 h 3313116"/>
+              <a:gd name="connsiteX4" fmla="*/ 278356 w 5553008"/>
+              <a:gd name="connsiteY4" fmla="*/ 2292270 h 3313116"/>
+              <a:gd name="connsiteX5" fmla="*/ 417253 w 5553008"/>
+              <a:gd name="connsiteY5" fmla="*/ 2824705 h 3313116"/>
+              <a:gd name="connsiteX6" fmla="*/ 1447399 w 5553008"/>
+              <a:gd name="connsiteY6" fmla="*/ 2905728 h 3313116"/>
+              <a:gd name="connsiteX7" fmla="*/ 2165030 w 5553008"/>
+              <a:gd name="connsiteY7" fmla="*/ 3299267 h 3313116"/>
+              <a:gd name="connsiteX8" fmla="*/ 2871085 w 5553008"/>
+              <a:gd name="connsiteY8" fmla="*/ 3079348 h 3313116"/>
+              <a:gd name="connsiteX9" fmla="*/ 4167450 w 5553008"/>
+              <a:gd name="connsiteY9" fmla="*/ 3299267 h 3313116"/>
+              <a:gd name="connsiteX10" fmla="*/ 5440665 w 5553008"/>
+              <a:gd name="connsiteY10" fmla="*/ 2593212 h 3313116"/>
+              <a:gd name="connsiteX11" fmla="*/ 5429090 w 5553008"/>
+              <a:gd name="connsiteY11" fmla="*/ 1539915 h 3313116"/>
+              <a:gd name="connsiteX12" fmla="*/ 4908230 w 5553008"/>
+              <a:gd name="connsiteY12" fmla="*/ 857009 h 3313116"/>
+              <a:gd name="connsiteX13" fmla="*/ 4908230 w 5553008"/>
+              <a:gd name="connsiteY13" fmla="*/ 463470 h 3313116"/>
+              <a:gd name="connsiteX14" fmla="*/ 3913505 w 5553008"/>
+              <a:gd name="connsiteY14" fmla="*/ 485910 h 3313116"/>
+              <a:gd name="connsiteX15" fmla="*/ 2986832 w 5553008"/>
+              <a:gd name="connsiteY15" fmla="*/ 482 h 3313116"/>
+              <a:gd name="connsiteX16" fmla="*/ 1979913 w 5553008"/>
+              <a:gd name="connsiteY16" fmla="*/ 404833 h 3313116"/>
+              <a:gd name="connsiteX17" fmla="*/ 741344 w 5553008"/>
+              <a:gd name="connsiteY17" fmla="*/ 382447 h 3313116"/>
+            </a:gdLst>
+            <a:ahLst/>
+            <a:cxnLst>
+              <a:cxn ang="0">
+                <a:pos x="connsiteX0" y="connsiteY0"/>
+              </a:cxn>
+              <a:cxn ang="0">
+                <a:pos x="connsiteX1" y="connsiteY1"/>
+              </a:cxn>
+              <a:cxn ang="0">
+                <a:pos x="connsiteX2" y="connsiteY2"/>
+              </a:cxn>
+              <a:cxn ang="0">
+                <a:pos x="connsiteX3" y="connsiteY3"/>
+              </a:cxn>
+              <a:cxn ang="0">
+                <a:pos x="connsiteX4" y="connsiteY4"/>
+              </a:cxn>
+              <a:cxn ang="0">
+                <a:pos x="connsiteX5" y="connsiteY5"/>
+              </a:cxn>
+              <a:cxn ang="0">
+                <a:pos x="connsiteX6" y="connsiteY6"/>
+              </a:cxn>
+              <a:cxn ang="0">
+                <a:pos x="connsiteX7" y="connsiteY7"/>
+              </a:cxn>
+              <a:cxn ang="0">
+                <a:pos x="connsiteX8" y="connsiteY8"/>
+              </a:cxn>
+              <a:cxn ang="0">
+                <a:pos x="connsiteX9" y="connsiteY9"/>
+              </a:cxn>
+              <a:cxn ang="0">
+                <a:pos x="connsiteX10" y="connsiteY10"/>
+              </a:cxn>
+              <a:cxn ang="0">
+                <a:pos x="connsiteX11" y="connsiteY11"/>
+              </a:cxn>
+              <a:cxn ang="0">
+                <a:pos x="connsiteX12" y="connsiteY12"/>
+              </a:cxn>
+              <a:cxn ang="0">
+                <a:pos x="connsiteX13" y="connsiteY13"/>
+              </a:cxn>
+              <a:cxn ang="0">
+                <a:pos x="connsiteX14" y="connsiteY14"/>
+              </a:cxn>
+              <a:cxn ang="0">
+                <a:pos x="connsiteX15" y="connsiteY15"/>
+              </a:cxn>
+              <a:cxn ang="0">
+                <a:pos x="connsiteX16" y="connsiteY16"/>
+              </a:cxn>
+              <a:cxn ang="0">
+                <a:pos x="connsiteX17" y="connsiteY17"/>
+              </a:cxn>
+            </a:cxnLst>
+            <a:rect l="l" t="t" r="r" b="b"/>
+            <a:pathLst>
+              <a:path w="5553008" h="3313116">
+                <a:moveTo>
+                  <a:pt x="741344" y="382447"/>
+                </a:moveTo>
+                <a:cubicBezTo>
+                  <a:pt x="461610" y="428873"/>
+                  <a:pt x="390245" y="567642"/>
+                  <a:pt x="301506" y="683389"/>
+                </a:cubicBezTo>
+                <a:cubicBezTo>
+                  <a:pt x="212767" y="799136"/>
+                  <a:pt x="259065" y="920670"/>
+                  <a:pt x="208908" y="1076928"/>
+                </a:cubicBezTo>
+                <a:cubicBezTo>
+                  <a:pt x="158751" y="1233186"/>
+                  <a:pt x="-11011" y="1418381"/>
+                  <a:pt x="564" y="1620938"/>
+                </a:cubicBezTo>
+                <a:cubicBezTo>
+                  <a:pt x="12139" y="1823495"/>
+                  <a:pt x="208908" y="2091642"/>
+                  <a:pt x="278356" y="2292270"/>
+                </a:cubicBezTo>
+                <a:cubicBezTo>
+                  <a:pt x="347804" y="2492898"/>
+                  <a:pt x="222412" y="2722462"/>
+                  <a:pt x="417253" y="2824705"/>
+                </a:cubicBezTo>
+                <a:cubicBezTo>
+                  <a:pt x="612094" y="2926948"/>
+                  <a:pt x="1156103" y="2826634"/>
+                  <a:pt x="1447399" y="2905728"/>
+                </a:cubicBezTo>
+                <a:cubicBezTo>
+                  <a:pt x="1738695" y="2984822"/>
+                  <a:pt x="1927749" y="3270330"/>
+                  <a:pt x="2165030" y="3299267"/>
+                </a:cubicBezTo>
+                <a:cubicBezTo>
+                  <a:pt x="2402311" y="3328204"/>
+                  <a:pt x="2537348" y="3079348"/>
+                  <a:pt x="2871085" y="3079348"/>
+                </a:cubicBezTo>
+                <a:cubicBezTo>
+                  <a:pt x="3204822" y="3079348"/>
+                  <a:pt x="3739187" y="3380290"/>
+                  <a:pt x="4167450" y="3299267"/>
+                </a:cubicBezTo>
+                <a:cubicBezTo>
+                  <a:pt x="4595713" y="3218244"/>
+                  <a:pt x="5230392" y="2886437"/>
+                  <a:pt x="5440665" y="2593212"/>
+                </a:cubicBezTo>
+                <a:cubicBezTo>
+                  <a:pt x="5650938" y="2299987"/>
+                  <a:pt x="5517829" y="1829282"/>
+                  <a:pt x="5429090" y="1539915"/>
+                </a:cubicBezTo>
+                <a:cubicBezTo>
+                  <a:pt x="5340351" y="1250548"/>
+                  <a:pt x="4995040" y="1036417"/>
+                  <a:pt x="4908230" y="857009"/>
+                </a:cubicBezTo>
+                <a:cubicBezTo>
+                  <a:pt x="4821420" y="677602"/>
+                  <a:pt x="5074018" y="525320"/>
+                  <a:pt x="4908230" y="463470"/>
+                </a:cubicBezTo>
+                <a:cubicBezTo>
+                  <a:pt x="4742443" y="401620"/>
+                  <a:pt x="4233738" y="563075"/>
+                  <a:pt x="3913505" y="485910"/>
+                </a:cubicBezTo>
+                <a:cubicBezTo>
+                  <a:pt x="3593272" y="408745"/>
+                  <a:pt x="3397733" y="15915"/>
+                  <a:pt x="2986832" y="482"/>
+                </a:cubicBezTo>
+                <a:cubicBezTo>
+                  <a:pt x="2575931" y="-14951"/>
+                  <a:pt x="2356090" y="345030"/>
+                  <a:pt x="1979913" y="404833"/>
+                </a:cubicBezTo>
+                <a:cubicBezTo>
+                  <a:pt x="1603736" y="464636"/>
+                  <a:pt x="1021078" y="336021"/>
+                  <a:pt x="741344" y="382447"/>
+                </a:cubicBezTo>
+                <a:close/>
+              </a:path>
+            </a:pathLst>
+          </a:custGeom>
+          <a:solidFill>
+            <a:srgbClr val="00B0F0"/>
+          </a:solidFill>
+          <a:ln>
+            <a:noFill/>
+          </a:ln>
+        </p:spPr>
+        <p:style>
+          <a:lnRef idx="2">
+            <a:schemeClr val="accent1">
+              <a:shade val="50000"/>
+            </a:schemeClr>
+          </a:lnRef>
+          <a:fillRef idx="1">
+            <a:schemeClr val="accent1"/>
+          </a:fillRef>
+          <a:effectRef idx="0">
+            <a:schemeClr val="accent1"/>
+          </a:effectRef>
+          <a:fontRef idx="minor">
+            <a:schemeClr val="lt1"/>
+          </a:fontRef>
+        </p:style>
+        <p:txBody>
+          <a:bodyPr rtlCol="0" anchor="ctr"/>
+          <a:lstStyle/>
+          <a:p>
+            <a:pPr algn="ctr"/>
+            <a:endParaRPr lang="pt-BR"/>
+          </a:p>
+        </p:txBody>
+      </p:sp>
+      <p:sp>
+        <p:nvSpPr>
+          <p:cNvPr id="18" name="Elipse 17"/>
+          <p:cNvSpPr/>
+          <p:nvPr/>
+        </p:nvSpPr>
+        <p:spPr>
+          <a:xfrm rot="1205386">
+            <a:off x="2715812" y="3912820"/>
+            <a:ext cx="772883" cy="915015"/>
+          </a:xfrm>
+          <a:prstGeom prst="ellipse">
+            <a:avLst/>
+          </a:prstGeom>
+          <a:solidFill>
+            <a:schemeClr val="bg2"/>
+          </a:solidFill>
+          <a:ln>
+            <a:noFill/>
+          </a:ln>
+        </p:spPr>
+        <p:style>
+          <a:lnRef idx="2">
+            <a:schemeClr val="accent1">
+              <a:shade val="50000"/>
+            </a:schemeClr>
+          </a:lnRef>
+          <a:fillRef idx="1">
+            <a:schemeClr val="accent1"/>
+          </a:fillRef>
+          <a:effectRef idx="0">
+            <a:schemeClr val="accent1"/>
+          </a:effectRef>
+          <a:fontRef idx="minor">
+            <a:schemeClr val="lt1"/>
+          </a:fontRef>
+        </p:style>
+        <p:txBody>
+          <a:bodyPr rtlCol="0" anchor="ctr"/>
+          <a:lstStyle/>
+          <a:p>
+            <a:pPr algn="ctr"/>
+            <a:endParaRPr lang="pt-BR"/>
+          </a:p>
+        </p:txBody>
+      </p:sp>
+      <p:sp>
+        <p:nvSpPr>
+          <p:cNvPr id="22" name="Elipse 21"/>
+          <p:cNvSpPr/>
+          <p:nvPr/>
+        </p:nvSpPr>
+        <p:spPr>
+          <a:xfrm>
+            <a:off x="1763688" y="4653136"/>
+            <a:ext cx="772883" cy="915015"/>
+          </a:xfrm>
+          <a:prstGeom prst="ellipse">
+            <a:avLst/>
+          </a:prstGeom>
+          <a:solidFill>
+            <a:schemeClr val="bg2"/>
+          </a:solidFill>
+          <a:ln>
+            <a:noFill/>
+          </a:ln>
+        </p:spPr>
+        <p:style>
+          <a:lnRef idx="2">
+            <a:schemeClr val="accent1">
+              <a:shade val="50000"/>
+            </a:schemeClr>
+          </a:lnRef>
+          <a:fillRef idx="1">
+            <a:schemeClr val="accent1"/>
+          </a:fillRef>
+          <a:effectRef idx="0">
+            <a:schemeClr val="accent1"/>
+          </a:effectRef>
+          <a:fontRef idx="minor">
+            <a:schemeClr val="lt1"/>
+          </a:fontRef>
+        </p:style>
+        <p:txBody>
+          <a:bodyPr rtlCol="0" anchor="ctr"/>
+          <a:lstStyle/>
+          <a:p>
+            <a:pPr algn="ctr"/>
+            <a:endParaRPr lang="pt-BR"/>
+          </a:p>
+        </p:txBody>
+      </p:sp>
+      <p:sp>
+        <p:nvSpPr>
+          <p:cNvPr id="23" name="Elipse 22"/>
+          <p:cNvSpPr/>
+          <p:nvPr/>
+        </p:nvSpPr>
+        <p:spPr>
+          <a:xfrm rot="17524477">
+            <a:off x="3484281" y="3282278"/>
+            <a:ext cx="772883" cy="915015"/>
+          </a:xfrm>
+          <a:prstGeom prst="ellipse">
+            <a:avLst/>
+          </a:prstGeom>
+          <a:solidFill>
+            <a:schemeClr val="bg2"/>
+          </a:solidFill>
+          <a:ln>
+            <a:noFill/>
+          </a:ln>
+        </p:spPr>
+        <p:style>
+          <a:lnRef idx="2">
+            <a:schemeClr val="accent1">
+              <a:shade val="50000"/>
+            </a:schemeClr>
+          </a:lnRef>
+          <a:fillRef idx="1">
+            <a:schemeClr val="accent1"/>
+          </a:fillRef>
+          <a:effectRef idx="0">
+            <a:schemeClr val="accent1"/>
+          </a:effectRef>
+          <a:fontRef idx="minor">
+            <a:schemeClr val="lt1"/>
+          </a:fontRef>
+        </p:style>
+        <p:txBody>
+          <a:bodyPr rtlCol="0" anchor="ctr"/>
+          <a:lstStyle/>
+          <a:p>
+            <a:pPr algn="ctr"/>
+            <a:endParaRPr lang="pt-BR"/>
+          </a:p>
+        </p:txBody>
+      </p:sp>
+      <p:sp>
+        <p:nvSpPr>
+          <p:cNvPr id="24" name="Elipse 23"/>
+          <p:cNvSpPr/>
+          <p:nvPr/>
+        </p:nvSpPr>
+        <p:spPr>
+          <a:xfrm>
+            <a:off x="1043608" y="5301208"/>
+            <a:ext cx="772883" cy="915015"/>
+          </a:xfrm>
+          <a:prstGeom prst="ellipse">
+            <a:avLst/>
+          </a:prstGeom>
+          <a:solidFill>
+            <a:schemeClr val="bg2"/>
+          </a:solidFill>
+          <a:ln>
+            <a:noFill/>
+          </a:ln>
+        </p:spPr>
+        <p:style>
+          <a:lnRef idx="2">
+            <a:schemeClr val="accent1">
+              <a:shade val="50000"/>
+            </a:schemeClr>
+          </a:lnRef>
+          <a:fillRef idx="1">
+            <a:schemeClr val="accent1"/>
+          </a:fillRef>
+          <a:effectRef idx="0">
+            <a:schemeClr val="accent1"/>
+          </a:effectRef>
+          <a:fontRef idx="minor">
+            <a:schemeClr val="lt1"/>
+          </a:fontRef>
+        </p:style>
+        <p:txBody>
+          <a:bodyPr rtlCol="0" anchor="ctr"/>
+          <a:lstStyle/>
+          <a:p>
+            <a:pPr algn="ctr"/>
+            <a:endParaRPr lang="pt-BR"/>
+          </a:p>
+        </p:txBody>
+      </p:sp>
+      <p:sp>
+        <p:nvSpPr>
+          <p:cNvPr id="25" name="Elipse 24"/>
+          <p:cNvSpPr/>
+          <p:nvPr/>
+        </p:nvSpPr>
+        <p:spPr>
+          <a:xfrm rot="21091810">
+            <a:off x="1034771" y="4777073"/>
+            <a:ext cx="772883" cy="915015"/>
+          </a:xfrm>
+          <a:prstGeom prst="ellipse">
+            <a:avLst/>
+          </a:prstGeom>
+          <a:solidFill>
+            <a:schemeClr val="bg2"/>
+          </a:solidFill>
+          <a:ln>
+            <a:noFill/>
+          </a:ln>
+        </p:spPr>
+        <p:style>
+          <a:lnRef idx="2">
+            <a:schemeClr val="accent1">
+              <a:shade val="50000"/>
+            </a:schemeClr>
+          </a:lnRef>
+          <a:fillRef idx="1">
+            <a:schemeClr val="accent1"/>
+          </a:fillRef>
+          <a:effectRef idx="0">
+            <a:schemeClr val="accent1"/>
+          </a:effectRef>
+          <a:fontRef idx="minor">
+            <a:schemeClr val="lt1"/>
+          </a:fontRef>
+        </p:style>
+        <p:txBody>
+          <a:bodyPr rtlCol="0" anchor="ctr"/>
+          <a:lstStyle/>
+          <a:p>
+            <a:pPr algn="ctr"/>
+            <a:endParaRPr lang="pt-BR"/>
+          </a:p>
+        </p:txBody>
+      </p:sp>
+      <p:sp>
+        <p:nvSpPr>
+          <p:cNvPr id="4" name="Cloud 3"/>
+          <p:cNvSpPr/>
+          <p:nvPr/>
+        </p:nvSpPr>
+        <p:spPr>
+          <a:xfrm>
+            <a:off x="7452320" y="2132856"/>
+            <a:ext cx="1368152" cy="864096"/>
+          </a:xfrm>
+          <a:prstGeom prst="cloud">
+            <a:avLst/>
+          </a:prstGeom>
+          <a:solidFill>
+            <a:schemeClr val="accent3">
+              <a:lumMod val="75000"/>
+            </a:schemeClr>
+          </a:solidFill>
+          <a:ln>
+            <a:noFill/>
+          </a:ln>
+          <a:effectLst/>
+        </p:spPr>
+        <p:style>
+          <a:lnRef idx="1">
+            <a:schemeClr val="accent1"/>
+          </a:lnRef>
+          <a:fillRef idx="3">
+            <a:schemeClr val="accent1"/>
+          </a:fillRef>
+          <a:effectRef idx="2">
+            <a:schemeClr val="accent1"/>
+          </a:effectRef>
+          <a:fontRef idx="minor">
+            <a:schemeClr val="lt1"/>
+          </a:fontRef>
+        </p:style>
+        <p:txBody>
+          <a:bodyPr rtlCol="0" anchor="ctr"/>
+          <a:lstStyle/>
+          <a:p>
+            <a:pPr algn="ctr"/>
+            <a:endParaRPr lang="en-US"/>
+          </a:p>
+        </p:txBody>
+      </p:sp>
+      <p:sp>
+        <p:nvSpPr>
+          <p:cNvPr id="21" name="Cloud 20"/>
+          <p:cNvSpPr/>
+          <p:nvPr/>
+        </p:nvSpPr>
+        <p:spPr>
+          <a:xfrm>
+            <a:off x="6156176" y="1700808"/>
+            <a:ext cx="1368152" cy="864096"/>
+          </a:xfrm>
+          <a:prstGeom prst="cloud">
+            <a:avLst/>
+          </a:prstGeom>
+          <a:solidFill>
+            <a:srgbClr val="4F6228"/>
+          </a:solidFill>
+          <a:ln>
+            <a:noFill/>
+          </a:ln>
+          <a:effectLst/>
+        </p:spPr>
+        <p:style>
+          <a:lnRef idx="1">
+            <a:schemeClr val="accent1"/>
+          </a:lnRef>
+          <a:fillRef idx="3">
+            <a:schemeClr val="accent1"/>
+          </a:fillRef>
+          <a:effectRef idx="2">
+            <a:schemeClr val="accent1"/>
+          </a:effectRef>
+          <a:fontRef idx="minor">
+            <a:schemeClr val="lt1"/>
+          </a:fontRef>
+        </p:style>
+        <p:txBody>
+          <a:bodyPr rtlCol="0" anchor="ctr"/>
+          <a:lstStyle/>
+          <a:p>
+            <a:pPr algn="ctr"/>
+            <a:endParaRPr lang="en-US"/>
+          </a:p>
+        </p:txBody>
+      </p:sp>
+      <p:sp>
+        <p:nvSpPr>
+          <p:cNvPr id="27" name="Cloud 26"/>
+          <p:cNvSpPr/>
+          <p:nvPr/>
+        </p:nvSpPr>
+        <p:spPr>
+          <a:xfrm>
+            <a:off x="7775848" y="2348880"/>
+            <a:ext cx="1368152" cy="864096"/>
+          </a:xfrm>
+          <a:prstGeom prst="cloud">
+            <a:avLst/>
+          </a:prstGeom>
+          <a:solidFill>
+            <a:schemeClr val="accent3">
+              <a:lumMod val="75000"/>
+            </a:schemeClr>
+          </a:solidFill>
+          <a:ln>
+            <a:noFill/>
+          </a:ln>
+          <a:effectLst/>
+        </p:spPr>
+        <p:style>
+          <a:lnRef idx="1">
+            <a:schemeClr val="accent1"/>
+          </a:lnRef>
+          <a:fillRef idx="3">
+            <a:schemeClr val="accent1"/>
+          </a:fillRef>
+          <a:effectRef idx="2">
+            <a:schemeClr val="accent1"/>
+          </a:effectRef>
+          <a:fontRef idx="minor">
+            <a:schemeClr val="lt1"/>
+          </a:fontRef>
+        </p:style>
+        <p:txBody>
+          <a:bodyPr rtlCol="0" anchor="ctr"/>
+          <a:lstStyle/>
+          <a:p>
+            <a:pPr algn="ctr"/>
+            <a:endParaRPr lang="en-US"/>
+          </a:p>
+        </p:txBody>
+      </p:sp>
+      <p:sp>
+        <p:nvSpPr>
+          <p:cNvPr id="28" name="Cloud 27"/>
+          <p:cNvSpPr/>
+          <p:nvPr/>
+        </p:nvSpPr>
+        <p:spPr>
+          <a:xfrm>
+            <a:off x="6876256" y="1556792"/>
+            <a:ext cx="1368152" cy="864096"/>
+          </a:xfrm>
+          <a:prstGeom prst="cloud">
+            <a:avLst/>
+          </a:prstGeom>
+          <a:solidFill>
+            <a:schemeClr val="accent3">
+              <a:lumMod val="75000"/>
+            </a:schemeClr>
+          </a:solidFill>
+          <a:ln>
+            <a:noFill/>
+          </a:ln>
+          <a:effectLst/>
+        </p:spPr>
+        <p:style>
+          <a:lnRef idx="1">
+            <a:schemeClr val="accent1"/>
+          </a:lnRef>
+          <a:fillRef idx="3">
+            <a:schemeClr val="accent1"/>
+          </a:fillRef>
+          <a:effectRef idx="2">
+            <a:schemeClr val="accent1"/>
+          </a:effectRef>
+          <a:fontRef idx="minor">
+            <a:schemeClr val="lt1"/>
+          </a:fontRef>
+        </p:style>
+        <p:txBody>
+          <a:bodyPr rtlCol="0" anchor="ctr"/>
+          <a:lstStyle/>
+          <a:p>
+            <a:pPr algn="ctr"/>
+            <a:endParaRPr lang="en-US"/>
+          </a:p>
+        </p:txBody>
+      </p:sp>
+      <p:sp>
+        <p:nvSpPr>
+          <p:cNvPr id="29" name="Cloud 28"/>
+          <p:cNvSpPr/>
+          <p:nvPr/>
+        </p:nvSpPr>
+        <p:spPr>
+          <a:xfrm>
+            <a:off x="7308304" y="1772816"/>
+            <a:ext cx="1368152" cy="864096"/>
+          </a:xfrm>
+          <a:prstGeom prst="cloud">
+            <a:avLst/>
+          </a:prstGeom>
+          <a:solidFill>
+            <a:schemeClr val="accent3">
+              <a:lumMod val="50000"/>
+            </a:schemeClr>
+          </a:solidFill>
+          <a:ln>
+            <a:noFill/>
+          </a:ln>
+          <a:effectLst/>
+        </p:spPr>
+        <p:style>
+          <a:lnRef idx="1">
+            <a:schemeClr val="accent1"/>
+          </a:lnRef>
+          <a:fillRef idx="3">
+            <a:schemeClr val="accent1"/>
+          </a:fillRef>
+          <a:effectRef idx="2">
+            <a:schemeClr val="accent1"/>
+          </a:effectRef>
+          <a:fontRef idx="minor">
+            <a:schemeClr val="lt1"/>
+          </a:fontRef>
+        </p:style>
+        <p:txBody>
+          <a:bodyPr rtlCol="0" anchor="ctr"/>
+          <a:lstStyle/>
+          <a:p>
+            <a:pPr algn="ctr"/>
+            <a:endParaRPr lang="en-US"/>
+          </a:p>
+        </p:txBody>
+      </p:sp>
+      <p:sp>
+        <p:nvSpPr>
+          <p:cNvPr id="30" name="Cloud 29"/>
+          <p:cNvSpPr/>
+          <p:nvPr/>
+        </p:nvSpPr>
+        <p:spPr>
+          <a:xfrm rot="1759682">
+            <a:off x="6352127" y="2052507"/>
+            <a:ext cx="1368152" cy="864096"/>
+          </a:xfrm>
+          <a:prstGeom prst="cloud">
+            <a:avLst/>
+          </a:prstGeom>
+          <a:solidFill>
+            <a:srgbClr val="77933C"/>
+          </a:solidFill>
+          <a:ln>
+            <a:noFill/>
+          </a:ln>
+          <a:effectLst/>
+        </p:spPr>
+        <p:style>
+          <a:lnRef idx="1">
+            <a:schemeClr val="accent1"/>
+          </a:lnRef>
+          <a:fillRef idx="3">
+            <a:schemeClr val="accent1"/>
+          </a:fillRef>
+          <a:effectRef idx="2">
+            <a:schemeClr val="accent1"/>
+          </a:effectRef>
+          <a:fontRef idx="minor">
+            <a:schemeClr val="lt1"/>
+          </a:fontRef>
+        </p:style>
+        <p:txBody>
+          <a:bodyPr rtlCol="0" anchor="ctr"/>
+          <a:lstStyle/>
+          <a:p>
+            <a:pPr algn="ctr"/>
+            <a:endParaRPr lang="en-US"/>
+          </a:p>
+        </p:txBody>
+      </p:sp>
+      <p:sp>
+        <p:nvSpPr>
+          <p:cNvPr id="5" name="Cloud 4"/>
+          <p:cNvSpPr/>
+          <p:nvPr/>
+        </p:nvSpPr>
+        <p:spPr>
+          <a:xfrm>
+            <a:off x="4283968" y="5400104"/>
+            <a:ext cx="2088232" cy="1484784"/>
+          </a:xfrm>
+          <a:prstGeom prst="cloud">
+            <a:avLst/>
+          </a:prstGeom>
+          <a:solidFill>
+            <a:srgbClr val="77933C"/>
+          </a:solidFill>
+          <a:ln>
+            <a:noFill/>
+          </a:ln>
+        </p:spPr>
+        <p:style>
+          <a:lnRef idx="1">
+            <a:schemeClr val="accent1"/>
+          </a:lnRef>
+          <a:fillRef idx="3">
+            <a:schemeClr val="accent1"/>
+          </a:fillRef>
+          <a:effectRef idx="2">
+            <a:schemeClr val="accent1"/>
+          </a:effectRef>
+          <a:fontRef idx="minor">
+            <a:schemeClr val="lt1"/>
+          </a:fontRef>
+        </p:style>
+        <p:txBody>
+          <a:bodyPr rtlCol="0" anchor="ctr"/>
+          <a:lstStyle/>
+          <a:p>
+            <a:pPr algn="ctr"/>
+            <a:endParaRPr lang="en-US"/>
+          </a:p>
+        </p:txBody>
+      </p:sp>
+      <p:sp>
+        <p:nvSpPr>
+          <p:cNvPr id="31" name="Cloud 30"/>
+          <p:cNvSpPr/>
+          <p:nvPr/>
+        </p:nvSpPr>
+        <p:spPr>
+          <a:xfrm>
+            <a:off x="5148064" y="5345832"/>
+            <a:ext cx="1872208" cy="1611560"/>
+          </a:xfrm>
+          <a:prstGeom prst="cloud">
+            <a:avLst/>
+          </a:prstGeom>
+          <a:solidFill>
+            <a:schemeClr val="accent3">
+              <a:lumMod val="50000"/>
+            </a:schemeClr>
+          </a:solidFill>
+          <a:ln>
+            <a:noFill/>
+          </a:ln>
+        </p:spPr>
+        <p:style>
+          <a:lnRef idx="1">
+            <a:schemeClr val="accent1"/>
+          </a:lnRef>
+          <a:fillRef idx="3">
+            <a:schemeClr val="accent1"/>
+          </a:fillRef>
+          <a:effectRef idx="2">
+            <a:schemeClr val="accent1"/>
+          </a:effectRef>
+          <a:fontRef idx="minor">
+            <a:schemeClr val="lt1"/>
+          </a:fontRef>
+        </p:style>
+        <p:txBody>
+          <a:bodyPr rtlCol="0" anchor="ctr"/>
+          <a:lstStyle/>
+          <a:p>
+            <a:pPr algn="ctr"/>
+            <a:endParaRPr lang="en-US"/>
+          </a:p>
+        </p:txBody>
+      </p:sp>
+      <p:sp>
+        <p:nvSpPr>
+          <p:cNvPr id="32" name="Cloud 31"/>
+          <p:cNvSpPr/>
+          <p:nvPr/>
+        </p:nvSpPr>
+        <p:spPr>
+          <a:xfrm rot="766459">
+            <a:off x="6084501" y="4883093"/>
+            <a:ext cx="2900607" cy="1512168"/>
+          </a:xfrm>
+          <a:prstGeom prst="cloud">
+            <a:avLst/>
+          </a:prstGeom>
+          <a:solidFill>
+            <a:srgbClr val="77933C"/>
+          </a:solidFill>
+          <a:ln>
+            <a:noFill/>
+          </a:ln>
+        </p:spPr>
+        <p:style>
+          <a:lnRef idx="1">
+            <a:schemeClr val="accent1"/>
+          </a:lnRef>
+          <a:fillRef idx="3">
+            <a:schemeClr val="accent1"/>
+          </a:fillRef>
+          <a:effectRef idx="2">
+            <a:schemeClr val="accent1"/>
+          </a:effectRef>
+          <a:fontRef idx="minor">
+            <a:schemeClr val="lt1"/>
+          </a:fontRef>
+        </p:style>
+        <p:txBody>
+          <a:bodyPr rtlCol="0" anchor="ctr"/>
+          <a:lstStyle/>
+          <a:p>
+            <a:pPr algn="ctr"/>
+            <a:endParaRPr lang="en-US" dirty="0"/>
+          </a:p>
+        </p:txBody>
+      </p:sp>
+      <p:sp>
+        <p:nvSpPr>
+          <p:cNvPr id="33" name="Cloud 32"/>
+          <p:cNvSpPr/>
+          <p:nvPr/>
+        </p:nvSpPr>
+        <p:spPr>
+          <a:xfrm rot="1827472">
+            <a:off x="6939156" y="5066907"/>
+            <a:ext cx="1512168" cy="1512168"/>
+          </a:xfrm>
+          <a:prstGeom prst="cloud">
+            <a:avLst/>
+          </a:prstGeom>
+          <a:solidFill>
+            <a:srgbClr val="4F6228"/>
+          </a:solidFill>
+          <a:ln>
+            <a:noFill/>
+          </a:ln>
+        </p:spPr>
+        <p:style>
+          <a:lnRef idx="1">
+            <a:schemeClr val="accent1"/>
+          </a:lnRef>
+          <a:fillRef idx="3">
+            <a:schemeClr val="accent1"/>
+          </a:fillRef>
+          <a:effectRef idx="2">
+            <a:schemeClr val="accent1"/>
+          </a:effectRef>
+          <a:fontRef idx="minor">
+            <a:schemeClr val="lt1"/>
+          </a:fontRef>
+        </p:style>
+        <p:txBody>
+          <a:bodyPr rtlCol="0" anchor="ctr"/>
+          <a:lstStyle/>
+          <a:p>
+            <a:pPr algn="ctr"/>
+            <a:endParaRPr lang="en-US" dirty="0"/>
+          </a:p>
+        </p:txBody>
+      </p:sp>
+      <p:sp>
+        <p:nvSpPr>
+          <p:cNvPr id="34" name="Cloud 33"/>
+          <p:cNvSpPr/>
+          <p:nvPr/>
+        </p:nvSpPr>
+        <p:spPr>
+          <a:xfrm rot="766459">
+            <a:off x="5935206" y="5605609"/>
+            <a:ext cx="2271317" cy="1512168"/>
+          </a:xfrm>
+          <a:prstGeom prst="cloud">
+            <a:avLst/>
+          </a:prstGeom>
+          <a:solidFill>
+            <a:srgbClr val="77933C"/>
+          </a:solidFill>
+          <a:ln>
+            <a:noFill/>
+          </a:ln>
+        </p:spPr>
+        <p:style>
+          <a:lnRef idx="1">
+            <a:schemeClr val="accent1"/>
+          </a:lnRef>
+          <a:fillRef idx="3">
+            <a:schemeClr val="accent1"/>
+          </a:fillRef>
+          <a:effectRef idx="2">
+            <a:schemeClr val="accent1"/>
+          </a:effectRef>
+          <a:fontRef idx="minor">
+            <a:schemeClr val="lt1"/>
+          </a:fontRef>
+        </p:style>
+        <p:txBody>
+          <a:bodyPr rtlCol="0" anchor="ctr"/>
+          <a:lstStyle/>
+          <a:p>
+            <a:pPr algn="ctr"/>
+            <a:endParaRPr lang="en-US" dirty="0"/>
+          </a:p>
+        </p:txBody>
+      </p:sp>
+      <p:sp>
+        <p:nvSpPr>
+          <p:cNvPr id="35" name="Cloud 34"/>
+          <p:cNvSpPr/>
+          <p:nvPr/>
+        </p:nvSpPr>
+        <p:spPr>
+          <a:xfrm rot="766459">
+            <a:off x="7816808" y="5305655"/>
+            <a:ext cx="1512168" cy="1512168"/>
+          </a:xfrm>
+          <a:prstGeom prst="cloud">
+            <a:avLst/>
+          </a:prstGeom>
+          <a:solidFill>
+            <a:srgbClr val="77933C"/>
+          </a:solidFill>
+          <a:ln>
+            <a:noFill/>
+          </a:ln>
+        </p:spPr>
+        <p:style>
+          <a:lnRef idx="1">
+            <a:schemeClr val="accent1"/>
+          </a:lnRef>
+          <a:fillRef idx="3">
+            <a:schemeClr val="accent1"/>
+          </a:fillRef>
+          <a:effectRef idx="2">
+            <a:schemeClr val="accent1"/>
+          </a:effectRef>
+          <a:fontRef idx="minor">
+            <a:schemeClr val="lt1"/>
+          </a:fontRef>
+        </p:style>
+        <p:txBody>
+          <a:bodyPr rtlCol="0" anchor="ctr"/>
+          <a:lstStyle/>
+          <a:p>
+            <a:pPr algn="ctr"/>
+            <a:endParaRPr lang="en-US" dirty="0"/>
+          </a:p>
+        </p:txBody>
+      </p:sp>
+      <p:sp>
+        <p:nvSpPr>
+          <p:cNvPr id="36" name="Cloud 35"/>
+          <p:cNvSpPr/>
+          <p:nvPr/>
+        </p:nvSpPr>
+        <p:spPr>
+          <a:xfrm rot="2162561">
+            <a:off x="7752461" y="5673356"/>
+            <a:ext cx="1512168" cy="1512168"/>
+          </a:xfrm>
+          <a:prstGeom prst="cloud">
+            <a:avLst/>
+          </a:prstGeom>
+          <a:solidFill>
+            <a:srgbClr val="4F6228"/>
+          </a:solidFill>
+          <a:ln>
+            <a:noFill/>
+          </a:ln>
+        </p:spPr>
+        <p:style>
+          <a:lnRef idx="1">
+            <a:schemeClr val="accent1"/>
+          </a:lnRef>
+          <a:fillRef idx="3">
+            <a:schemeClr val="accent1"/>
+          </a:fillRef>
+          <a:effectRef idx="2">
+            <a:schemeClr val="accent1"/>
+          </a:effectRef>
+          <a:fontRef idx="minor">
+            <a:schemeClr val="lt1"/>
+          </a:fontRef>
+        </p:style>
+        <p:txBody>
+          <a:bodyPr rtlCol="0" anchor="ctr"/>
+          <a:lstStyle/>
+          <a:p>
+            <a:pPr algn="ctr"/>
+            <a:endParaRPr lang="en-US" dirty="0"/>
+          </a:p>
+        </p:txBody>
+      </p:sp>
+      <p:sp>
+        <p:nvSpPr>
+          <p:cNvPr id="9" name="Cloud 8"/>
+          <p:cNvSpPr/>
+          <p:nvPr/>
+        </p:nvSpPr>
+        <p:spPr>
+          <a:xfrm>
+            <a:off x="1691680" y="260648"/>
+            <a:ext cx="1152128" cy="1008112"/>
+          </a:xfrm>
+          <a:prstGeom prst="cloud">
+            <a:avLst/>
+          </a:prstGeom>
+          <a:solidFill>
+            <a:schemeClr val="accent3">
+              <a:lumMod val="50000"/>
+            </a:schemeClr>
+          </a:solidFill>
+          <a:ln>
+            <a:noFill/>
+          </a:ln>
+        </p:spPr>
+        <p:style>
+          <a:lnRef idx="1">
+            <a:schemeClr val="accent1"/>
+          </a:lnRef>
+          <a:fillRef idx="3">
+            <a:schemeClr val="accent1"/>
+          </a:fillRef>
+          <a:effectRef idx="2">
+            <a:schemeClr val="accent1"/>
+          </a:effectRef>
+          <a:fontRef idx="minor">
+            <a:schemeClr val="lt1"/>
+          </a:fontRef>
+        </p:style>
+        <p:txBody>
+          <a:bodyPr rtlCol="0" anchor="ctr"/>
+          <a:lstStyle/>
+          <a:p>
+            <a:pPr algn="ctr"/>
+            <a:endParaRPr lang="en-US"/>
+          </a:p>
+        </p:txBody>
+      </p:sp>
+      <p:sp>
+        <p:nvSpPr>
+          <p:cNvPr id="37" name="Cloud 36"/>
+          <p:cNvSpPr/>
+          <p:nvPr/>
+        </p:nvSpPr>
+        <p:spPr>
+          <a:xfrm>
+            <a:off x="-22820" y="-531440"/>
+            <a:ext cx="1930524" cy="1728192"/>
+          </a:xfrm>
+          <a:prstGeom prst="cloud">
+            <a:avLst/>
+          </a:prstGeom>
+          <a:solidFill>
+            <a:srgbClr val="77933C"/>
+          </a:solidFill>
+          <a:ln>
+            <a:noFill/>
+          </a:ln>
+        </p:spPr>
+        <p:style>
+          <a:lnRef idx="1">
+            <a:schemeClr val="accent1"/>
+          </a:lnRef>
+          <a:fillRef idx="3">
+            <a:schemeClr val="accent1"/>
+          </a:fillRef>
+          <a:effectRef idx="2">
+            <a:schemeClr val="accent1"/>
+          </a:effectRef>
+          <a:fontRef idx="minor">
+            <a:schemeClr val="lt1"/>
+          </a:fontRef>
+        </p:style>
+        <p:txBody>
+          <a:bodyPr rtlCol="0" anchor="ctr"/>
+          <a:lstStyle/>
+          <a:p>
+            <a:pPr algn="ctr"/>
+            <a:endParaRPr lang="en-US"/>
+          </a:p>
+        </p:txBody>
+      </p:sp>
+      <p:sp>
+        <p:nvSpPr>
+          <p:cNvPr id="39" name="Cloud 38"/>
+          <p:cNvSpPr/>
+          <p:nvPr/>
+        </p:nvSpPr>
+        <p:spPr>
+          <a:xfrm rot="3216240">
+            <a:off x="1693139" y="-607879"/>
+            <a:ext cx="1336922" cy="1215758"/>
+          </a:xfrm>
+          <a:prstGeom prst="cloud">
+            <a:avLst/>
+          </a:prstGeom>
+          <a:solidFill>
+            <a:schemeClr val="accent3">
+              <a:lumMod val="75000"/>
+            </a:schemeClr>
+          </a:solidFill>
+          <a:ln>
+            <a:noFill/>
+          </a:ln>
+        </p:spPr>
+        <p:style>
+          <a:lnRef idx="1">
+            <a:schemeClr val="accent1"/>
+          </a:lnRef>
+          <a:fillRef idx="3">
+            <a:schemeClr val="accent1"/>
+          </a:fillRef>
+          <a:effectRef idx="2">
+            <a:schemeClr val="accent1"/>
+          </a:effectRef>
+          <a:fontRef idx="minor">
+            <a:schemeClr val="lt1"/>
+          </a:fontRef>
+        </p:style>
+        <p:txBody>
+          <a:bodyPr rtlCol="0" anchor="ctr"/>
+          <a:lstStyle/>
+          <a:p>
+            <a:pPr algn="ctr"/>
+            <a:endParaRPr lang="en-US"/>
+          </a:p>
+        </p:txBody>
+      </p:sp>
+      <p:sp>
+        <p:nvSpPr>
+          <p:cNvPr id="40" name="Cloud 39"/>
+          <p:cNvSpPr/>
+          <p:nvPr/>
+        </p:nvSpPr>
+        <p:spPr>
+          <a:xfrm>
+            <a:off x="216240" y="2808192"/>
+            <a:ext cx="1152128" cy="1008112"/>
+          </a:xfrm>
+          <a:prstGeom prst="cloud">
+            <a:avLst/>
+          </a:prstGeom>
+          <a:solidFill>
+            <a:schemeClr val="accent3">
+              <a:lumMod val="50000"/>
+            </a:schemeClr>
+          </a:solidFill>
+          <a:ln>
+            <a:noFill/>
+          </a:ln>
+        </p:spPr>
+        <p:style>
+          <a:lnRef idx="1">
+            <a:schemeClr val="accent1"/>
+          </a:lnRef>
+          <a:fillRef idx="3">
+            <a:schemeClr val="accent1"/>
+          </a:fillRef>
+          <a:effectRef idx="2">
+            <a:schemeClr val="accent1"/>
+          </a:effectRef>
+          <a:fontRef idx="minor">
+            <a:schemeClr val="lt1"/>
+          </a:fontRef>
+        </p:style>
+        <p:txBody>
+          <a:bodyPr rtlCol="0" anchor="ctr"/>
+          <a:lstStyle/>
+          <a:p>
+            <a:pPr algn="ctr"/>
+            <a:endParaRPr lang="en-US"/>
+          </a:p>
+        </p:txBody>
+      </p:sp>
+      <p:sp>
+        <p:nvSpPr>
+          <p:cNvPr id="38" name="Cloud 37"/>
+          <p:cNvSpPr/>
+          <p:nvPr/>
+        </p:nvSpPr>
+        <p:spPr>
+          <a:xfrm rot="1337987">
+            <a:off x="532876" y="-852193"/>
+            <a:ext cx="2037269" cy="1951417"/>
+          </a:xfrm>
+          <a:prstGeom prst="cloud">
+            <a:avLst/>
+          </a:prstGeom>
+          <a:solidFill>
+            <a:schemeClr val="accent3">
+              <a:lumMod val="75000"/>
+            </a:schemeClr>
+          </a:solidFill>
+          <a:ln>
+            <a:noFill/>
+          </a:ln>
+        </p:spPr>
+        <p:style>
+          <a:lnRef idx="1">
+            <a:schemeClr val="accent1"/>
+          </a:lnRef>
+          <a:fillRef idx="3">
+            <a:schemeClr val="accent1"/>
+          </a:fillRef>
+          <a:effectRef idx="2">
+            <a:schemeClr val="accent1"/>
+          </a:effectRef>
+          <a:fontRef idx="minor">
+            <a:schemeClr val="lt1"/>
+          </a:fontRef>
+        </p:style>
+        <p:txBody>
+          <a:bodyPr rtlCol="0" anchor="ctr"/>
+          <a:lstStyle/>
+          <a:p>
+            <a:pPr algn="ctr"/>
+            <a:endParaRPr lang="en-US"/>
+          </a:p>
+        </p:txBody>
+      </p:sp>
+      <p:grpSp>
+        <p:nvGrpSpPr>
+          <p:cNvPr id="49" name="Group 48"/>
+          <p:cNvGrpSpPr/>
+          <p:nvPr/>
+        </p:nvGrpSpPr>
+        <p:grpSpPr>
+          <a:xfrm flipH="1">
+            <a:off x="4788024" y="2348880"/>
+            <a:ext cx="2327014" cy="2226877"/>
+            <a:chOff x="-591587" y="332656"/>
+            <a:chExt cx="4358657" cy="4171093"/>
+          </a:xfrm>
+        </p:grpSpPr>
+        <p:sp>
+          <p:nvSpPr>
+            <p:cNvPr id="11" name="Oval 10"/>
+            <p:cNvSpPr/>
+            <p:nvPr/>
+          </p:nvSpPr>
+          <p:spPr>
+            <a:xfrm>
+              <a:off x="1979712" y="332656"/>
+              <a:ext cx="1152128" cy="864096"/>
+            </a:xfrm>
+            <a:prstGeom prst="ellipse">
+              <a:avLst/>
+            </a:prstGeom>
+            <a:solidFill>
+              <a:srgbClr val="E6E600"/>
+            </a:solidFill>
+            <a:ln>
+              <a:noFill/>
+            </a:ln>
+            <a:effectLst/>
+          </p:spPr>
+          <p:style>
+            <a:lnRef idx="1">
+              <a:schemeClr val="accent1"/>
+            </a:lnRef>
+            <a:fillRef idx="3">
+              <a:schemeClr val="accent1"/>
+            </a:fillRef>
+            <a:effectRef idx="2">
+              <a:schemeClr val="accent1"/>
+            </a:effectRef>
+            <a:fontRef idx="minor">
+              <a:schemeClr val="lt1"/>
+            </a:fontRef>
+          </p:style>
+          <p:txBody>
+            <a:bodyPr rtlCol="0" anchor="ctr"/>
+            <a:lstStyle/>
+            <a:p>
+              <a:pPr algn="ctr"/>
+              <a:endParaRPr lang="en-US"/>
+            </a:p>
+          </p:txBody>
+        </p:sp>
+        <p:sp>
+          <p:nvSpPr>
+            <p:cNvPr id="15" name="Oval 14"/>
+            <p:cNvSpPr/>
+            <p:nvPr/>
+          </p:nvSpPr>
+          <p:spPr>
+            <a:xfrm>
+              <a:off x="1887754" y="548679"/>
+              <a:ext cx="918204" cy="2319783"/>
+            </a:xfrm>
+            <a:custGeom>
+              <a:avLst/>
+              <a:gdLst>
+                <a:gd name="connsiteX0" fmla="*/ 0 w 936104"/>
+                <a:gd name="connsiteY0" fmla="*/ 1044116 h 2088232"/>
+                <a:gd name="connsiteX1" fmla="*/ 468052 w 936104"/>
+                <a:gd name="connsiteY1" fmla="*/ 0 h 2088232"/>
+                <a:gd name="connsiteX2" fmla="*/ 936104 w 936104"/>
+                <a:gd name="connsiteY2" fmla="*/ 1044116 h 2088232"/>
+                <a:gd name="connsiteX3" fmla="*/ 468052 w 936104"/>
+                <a:gd name="connsiteY3" fmla="*/ 2088232 h 2088232"/>
+                <a:gd name="connsiteX4" fmla="*/ 0 w 936104"/>
+                <a:gd name="connsiteY4" fmla="*/ 1044116 h 2088232"/>
+                <a:gd name="connsiteX0" fmla="*/ 1012 w 937116"/>
+                <a:gd name="connsiteY0" fmla="*/ 1044116 h 2104321"/>
+                <a:gd name="connsiteX1" fmla="*/ 469064 w 937116"/>
+                <a:gd name="connsiteY1" fmla="*/ 0 h 2104321"/>
+                <a:gd name="connsiteX2" fmla="*/ 937116 w 937116"/>
+                <a:gd name="connsiteY2" fmla="*/ 1044116 h 2104321"/>
+                <a:gd name="connsiteX3" fmla="*/ 469064 w 937116"/>
+                <a:gd name="connsiteY3" fmla="*/ 2088232 h 2104321"/>
+                <a:gd name="connsiteX4" fmla="*/ 577768 w 937116"/>
+                <a:gd name="connsiteY4" fmla="*/ 1634544 h 2104321"/>
+                <a:gd name="connsiteX5" fmla="*/ 1012 w 937116"/>
+                <a:gd name="connsiteY5" fmla="*/ 1044116 h 2104321"/>
+                <a:gd name="connsiteX0" fmla="*/ 1012 w 937116"/>
+                <a:gd name="connsiteY0" fmla="*/ 1044116 h 2104321"/>
+                <a:gd name="connsiteX1" fmla="*/ 469064 w 937116"/>
+                <a:gd name="connsiteY1" fmla="*/ 0 h 2104321"/>
+                <a:gd name="connsiteX2" fmla="*/ 937116 w 937116"/>
+                <a:gd name="connsiteY2" fmla="*/ 1044116 h 2104321"/>
+                <a:gd name="connsiteX3" fmla="*/ 615998 w 937116"/>
+                <a:gd name="connsiteY3" fmla="*/ 2088232 h 2104321"/>
+                <a:gd name="connsiteX4" fmla="*/ 577768 w 937116"/>
+                <a:gd name="connsiteY4" fmla="*/ 1634544 h 2104321"/>
+                <a:gd name="connsiteX5" fmla="*/ 1012 w 937116"/>
+                <a:gd name="connsiteY5" fmla="*/ 1044116 h 2104321"/>
+                <a:gd name="connsiteX0" fmla="*/ 2604 w 938708"/>
+                <a:gd name="connsiteY0" fmla="*/ 1044116 h 2102382"/>
+                <a:gd name="connsiteX1" fmla="*/ 470656 w 938708"/>
+                <a:gd name="connsiteY1" fmla="*/ 0 h 2102382"/>
+                <a:gd name="connsiteX2" fmla="*/ 938708 w 938708"/>
+                <a:gd name="connsiteY2" fmla="*/ 1044116 h 2102382"/>
+                <a:gd name="connsiteX3" fmla="*/ 617590 w 938708"/>
+                <a:gd name="connsiteY3" fmla="*/ 2088232 h 2102382"/>
+                <a:gd name="connsiteX4" fmla="*/ 579360 w 938708"/>
+                <a:gd name="connsiteY4" fmla="*/ 1634544 h 2102382"/>
+                <a:gd name="connsiteX5" fmla="*/ 652827 w 938708"/>
+                <a:gd name="connsiteY5" fmla="*/ 2064891 h 2102382"/>
+                <a:gd name="connsiteX6" fmla="*/ 2604 w 938708"/>
+                <a:gd name="connsiteY6" fmla="*/ 1044116 h 2102382"/>
+                <a:gd name="connsiteX0" fmla="*/ 7705 w 607961"/>
+                <a:gd name="connsiteY0" fmla="*/ 1044116 h 2102382"/>
+                <a:gd name="connsiteX1" fmla="*/ 139909 w 607961"/>
+                <a:gd name="connsiteY1" fmla="*/ 0 h 2102382"/>
+                <a:gd name="connsiteX2" fmla="*/ 607961 w 607961"/>
+                <a:gd name="connsiteY2" fmla="*/ 1044116 h 2102382"/>
+                <a:gd name="connsiteX3" fmla="*/ 286843 w 607961"/>
+                <a:gd name="connsiteY3" fmla="*/ 2088232 h 2102382"/>
+                <a:gd name="connsiteX4" fmla="*/ 248613 w 607961"/>
+                <a:gd name="connsiteY4" fmla="*/ 1634544 h 2102382"/>
+                <a:gd name="connsiteX5" fmla="*/ 322080 w 607961"/>
+                <a:gd name="connsiteY5" fmla="*/ 2064891 h 2102382"/>
+                <a:gd name="connsiteX6" fmla="*/ 7705 w 607961"/>
+                <a:gd name="connsiteY6" fmla="*/ 1044116 h 2102382"/>
+                <a:gd name="connsiteX0" fmla="*/ 3314 w 750504"/>
+                <a:gd name="connsiteY0" fmla="*/ 1044116 h 2102382"/>
+                <a:gd name="connsiteX1" fmla="*/ 282452 w 750504"/>
+                <a:gd name="connsiteY1" fmla="*/ 0 h 2102382"/>
+                <a:gd name="connsiteX2" fmla="*/ 750504 w 750504"/>
+                <a:gd name="connsiteY2" fmla="*/ 1044116 h 2102382"/>
+                <a:gd name="connsiteX3" fmla="*/ 429386 w 750504"/>
+                <a:gd name="connsiteY3" fmla="*/ 2088232 h 2102382"/>
+                <a:gd name="connsiteX4" fmla="*/ 391156 w 750504"/>
+                <a:gd name="connsiteY4" fmla="*/ 1634544 h 2102382"/>
+                <a:gd name="connsiteX5" fmla="*/ 464623 w 750504"/>
+                <a:gd name="connsiteY5" fmla="*/ 2064891 h 2102382"/>
+                <a:gd name="connsiteX6" fmla="*/ 3314 w 750504"/>
+                <a:gd name="connsiteY6" fmla="*/ 1044116 h 2102382"/>
+                <a:gd name="connsiteX0" fmla="*/ 64848 w 812038"/>
+                <a:gd name="connsiteY0" fmla="*/ 1072685 h 2130951"/>
+                <a:gd name="connsiteX1" fmla="*/ 32880 w 812038"/>
+                <a:gd name="connsiteY1" fmla="*/ 361576 h 2130951"/>
+                <a:gd name="connsiteX2" fmla="*/ 343986 w 812038"/>
+                <a:gd name="connsiteY2" fmla="*/ 28569 h 2130951"/>
+                <a:gd name="connsiteX3" fmla="*/ 812038 w 812038"/>
+                <a:gd name="connsiteY3" fmla="*/ 1072685 h 2130951"/>
+                <a:gd name="connsiteX4" fmla="*/ 490920 w 812038"/>
+                <a:gd name="connsiteY4" fmla="*/ 2116801 h 2130951"/>
+                <a:gd name="connsiteX5" fmla="*/ 452690 w 812038"/>
+                <a:gd name="connsiteY5" fmla="*/ 1663113 h 2130951"/>
+                <a:gd name="connsiteX6" fmla="*/ 526157 w 812038"/>
+                <a:gd name="connsiteY6" fmla="*/ 2093460 h 2130951"/>
+                <a:gd name="connsiteX7" fmla="*/ 64848 w 812038"/>
+                <a:gd name="connsiteY7" fmla="*/ 1072685 h 2130951"/>
+                <a:gd name="connsiteX0" fmla="*/ 64848 w 812038"/>
+                <a:gd name="connsiteY0" fmla="*/ 1072685 h 2349894"/>
+                <a:gd name="connsiteX1" fmla="*/ 32880 w 812038"/>
+                <a:gd name="connsiteY1" fmla="*/ 361576 h 2349894"/>
+                <a:gd name="connsiteX2" fmla="*/ 343986 w 812038"/>
+                <a:gd name="connsiteY2" fmla="*/ 28569 h 2349894"/>
+                <a:gd name="connsiteX3" fmla="*/ 812038 w 812038"/>
+                <a:gd name="connsiteY3" fmla="*/ 1072685 h 2349894"/>
+                <a:gd name="connsiteX4" fmla="*/ 490920 w 812038"/>
+                <a:gd name="connsiteY4" fmla="*/ 2116801 h 2349894"/>
+                <a:gd name="connsiteX5" fmla="*/ 589129 w 812038"/>
+                <a:gd name="connsiteY5" fmla="*/ 2303385 h 2349894"/>
+                <a:gd name="connsiteX6" fmla="*/ 526157 w 812038"/>
+                <a:gd name="connsiteY6" fmla="*/ 2093460 h 2349894"/>
+                <a:gd name="connsiteX7" fmla="*/ 64848 w 812038"/>
+                <a:gd name="connsiteY7" fmla="*/ 1072685 h 2349894"/>
+                <a:gd name="connsiteX0" fmla="*/ 64848 w 597368"/>
+                <a:gd name="connsiteY0" fmla="*/ 1075760 h 2351427"/>
+                <a:gd name="connsiteX1" fmla="*/ 32880 w 597368"/>
+                <a:gd name="connsiteY1" fmla="*/ 364651 h 2351427"/>
+                <a:gd name="connsiteX2" fmla="*/ 343986 w 597368"/>
+                <a:gd name="connsiteY2" fmla="*/ 31644 h 2351427"/>
+                <a:gd name="connsiteX3" fmla="*/ 581142 w 597368"/>
+                <a:gd name="connsiteY3" fmla="*/ 1128242 h 2351427"/>
+                <a:gd name="connsiteX4" fmla="*/ 490920 w 597368"/>
+                <a:gd name="connsiteY4" fmla="*/ 2119876 h 2351427"/>
+                <a:gd name="connsiteX5" fmla="*/ 589129 w 597368"/>
+                <a:gd name="connsiteY5" fmla="*/ 2306460 h 2351427"/>
+                <a:gd name="connsiteX6" fmla="*/ 526157 w 597368"/>
+                <a:gd name="connsiteY6" fmla="*/ 2096535 h 2351427"/>
+                <a:gd name="connsiteX7" fmla="*/ 64848 w 597368"/>
+                <a:gd name="connsiteY7" fmla="*/ 1075760 h 2351427"/>
+                <a:gd name="connsiteX0" fmla="*/ 64848 w 917420"/>
+                <a:gd name="connsiteY0" fmla="*/ 1044116 h 2319783"/>
+                <a:gd name="connsiteX1" fmla="*/ 32880 w 917420"/>
+                <a:gd name="connsiteY1" fmla="*/ 333007 h 2319783"/>
+                <a:gd name="connsiteX2" fmla="*/ 343986 w 917420"/>
+                <a:gd name="connsiteY2" fmla="*/ 0 h 2319783"/>
+                <a:gd name="connsiteX3" fmla="*/ 914482 w 917420"/>
+                <a:gd name="connsiteY3" fmla="*/ 333008 h 2319783"/>
+                <a:gd name="connsiteX4" fmla="*/ 581142 w 917420"/>
+                <a:gd name="connsiteY4" fmla="*/ 1096598 h 2319783"/>
+                <a:gd name="connsiteX5" fmla="*/ 490920 w 917420"/>
+                <a:gd name="connsiteY5" fmla="*/ 2088232 h 2319783"/>
+                <a:gd name="connsiteX6" fmla="*/ 589129 w 917420"/>
+                <a:gd name="connsiteY6" fmla="*/ 2274816 h 2319783"/>
+                <a:gd name="connsiteX7" fmla="*/ 526157 w 917420"/>
+                <a:gd name="connsiteY7" fmla="*/ 2064891 h 2319783"/>
+                <a:gd name="connsiteX8" fmla="*/ 64848 w 917420"/>
+                <a:gd name="connsiteY8" fmla="*/ 1044116 h 2319783"/>
+                <a:gd name="connsiteX0" fmla="*/ 64848 w 918204"/>
+                <a:gd name="connsiteY0" fmla="*/ 1044116 h 2319783"/>
+                <a:gd name="connsiteX1" fmla="*/ 32880 w 918204"/>
+                <a:gd name="connsiteY1" fmla="*/ 333007 h 2319783"/>
+                <a:gd name="connsiteX2" fmla="*/ 343986 w 918204"/>
+                <a:gd name="connsiteY2" fmla="*/ 0 h 2319783"/>
+                <a:gd name="connsiteX3" fmla="*/ 914482 w 918204"/>
+                <a:gd name="connsiteY3" fmla="*/ 333008 h 2319783"/>
+                <a:gd name="connsiteX4" fmla="*/ 665104 w 918204"/>
+                <a:gd name="connsiteY4" fmla="*/ 1096598 h 2319783"/>
+                <a:gd name="connsiteX5" fmla="*/ 490920 w 918204"/>
+                <a:gd name="connsiteY5" fmla="*/ 2088232 h 2319783"/>
+                <a:gd name="connsiteX6" fmla="*/ 589129 w 918204"/>
+                <a:gd name="connsiteY6" fmla="*/ 2274816 h 2319783"/>
+                <a:gd name="connsiteX7" fmla="*/ 526157 w 918204"/>
+                <a:gd name="connsiteY7" fmla="*/ 2064891 h 2319783"/>
+                <a:gd name="connsiteX8" fmla="*/ 64848 w 918204"/>
+                <a:gd name="connsiteY8" fmla="*/ 1044116 h 2319783"/>
+              </a:gdLst>
+              <a:ahLst/>
+              <a:cxnLst>
+                <a:cxn ang="0">
+                  <a:pos x="connsiteX0" y="connsiteY0"/>
+                </a:cxn>
+                <a:cxn ang="0">
+                  <a:pos x="connsiteX1" y="connsiteY1"/>
+                </a:cxn>
+                <a:cxn ang="0">
+                  <a:pos x="connsiteX2" y="connsiteY2"/>
+                </a:cxn>
+                <a:cxn ang="0">
+                  <a:pos x="connsiteX3" y="connsiteY3"/>
+                </a:cxn>
+                <a:cxn ang="0">
+                  <a:pos x="connsiteX4" y="connsiteY4"/>
+                </a:cxn>
+                <a:cxn ang="0">
+                  <a:pos x="connsiteX5" y="connsiteY5"/>
+                </a:cxn>
+                <a:cxn ang="0">
+                  <a:pos x="connsiteX6" y="connsiteY6"/>
+                </a:cxn>
+                <a:cxn ang="0">
+                  <a:pos x="connsiteX7" y="connsiteY7"/>
+                </a:cxn>
+                <a:cxn ang="0">
+                  <a:pos x="connsiteX8" y="connsiteY8"/>
+                </a:cxn>
+              </a:cxnLst>
+              <a:rect l="l" t="t" r="r" b="b"/>
+              <a:pathLst>
+                <a:path w="918204" h="2319783">
+                  <a:moveTo>
+                    <a:pt x="64848" y="1044116"/>
+                  </a:moveTo>
+                  <a:cubicBezTo>
+                    <a:pt x="-17365" y="755469"/>
+                    <a:pt x="-13643" y="507026"/>
+                    <a:pt x="32880" y="333007"/>
+                  </a:cubicBezTo>
+                  <a:cubicBezTo>
+                    <a:pt x="79403" y="158988"/>
+                    <a:pt x="197052" y="0"/>
+                    <a:pt x="343986" y="0"/>
+                  </a:cubicBezTo>
+                  <a:cubicBezTo>
+                    <a:pt x="490920" y="0"/>
+                    <a:pt x="874956" y="150242"/>
+                    <a:pt x="914482" y="333008"/>
+                  </a:cubicBezTo>
+                  <a:cubicBezTo>
+                    <a:pt x="954008" y="515774"/>
+                    <a:pt x="665729" y="816306"/>
+                    <a:pt x="665104" y="1096598"/>
+                  </a:cubicBezTo>
+                  <a:cubicBezTo>
+                    <a:pt x="664479" y="1376890"/>
+                    <a:pt x="503582" y="1891862"/>
+                    <a:pt x="490920" y="2088232"/>
+                  </a:cubicBezTo>
+                  <a:cubicBezTo>
+                    <a:pt x="478258" y="2284602"/>
+                    <a:pt x="632234" y="2383669"/>
+                    <a:pt x="589129" y="2274816"/>
+                  </a:cubicBezTo>
+                  <a:cubicBezTo>
+                    <a:pt x="546024" y="2165963"/>
+                    <a:pt x="622283" y="2163296"/>
+                    <a:pt x="526157" y="2064891"/>
+                  </a:cubicBezTo>
+                  <a:cubicBezTo>
+                    <a:pt x="430031" y="1966486"/>
+                    <a:pt x="147061" y="1332763"/>
+                    <a:pt x="64848" y="1044116"/>
+                  </a:cubicBezTo>
+                  <a:close/>
+                </a:path>
+              </a:pathLst>
+            </a:custGeom>
+            <a:solidFill>
+              <a:srgbClr val="E6E600"/>
+            </a:solidFill>
+            <a:ln>
+              <a:noFill/>
+            </a:ln>
+            <a:effectLst/>
+          </p:spPr>
+          <p:style>
+            <a:lnRef idx="1">
+              <a:schemeClr val="accent1"/>
+            </a:lnRef>
+            <a:fillRef idx="3">
+              <a:schemeClr val="accent1"/>
+            </a:fillRef>
+            <a:effectRef idx="2">
+              <a:schemeClr val="accent1"/>
+            </a:effectRef>
+            <a:fontRef idx="minor">
+              <a:schemeClr val="lt1"/>
+            </a:fontRef>
+          </p:style>
+          <p:txBody>
+            <a:bodyPr rtlCol="0" anchor="ctr"/>
+            <a:lstStyle/>
+            <a:p>
+              <a:pPr algn="ctr"/>
+              <a:endParaRPr lang="en-US"/>
+            </a:p>
+          </p:txBody>
+        </p:sp>
+        <p:sp>
+          <p:nvSpPr>
+            <p:cNvPr id="42" name="Oval 41"/>
+            <p:cNvSpPr/>
+            <p:nvPr/>
+          </p:nvSpPr>
+          <p:spPr>
+            <a:xfrm rot="3362425">
+              <a:off x="1137001" y="2057056"/>
+              <a:ext cx="1929916" cy="2764092"/>
+            </a:xfrm>
+            <a:custGeom>
+              <a:avLst/>
+              <a:gdLst>
+                <a:gd name="connsiteX0" fmla="*/ 0 w 1871288"/>
+                <a:gd name="connsiteY0" fmla="*/ 1369788 h 2739576"/>
+                <a:gd name="connsiteX1" fmla="*/ 935644 w 1871288"/>
+                <a:gd name="connsiteY1" fmla="*/ 0 h 2739576"/>
+                <a:gd name="connsiteX2" fmla="*/ 1871288 w 1871288"/>
+                <a:gd name="connsiteY2" fmla="*/ 1369788 h 2739576"/>
+                <a:gd name="connsiteX3" fmla="*/ 935644 w 1871288"/>
+                <a:gd name="connsiteY3" fmla="*/ 2739576 h 2739576"/>
+                <a:gd name="connsiteX4" fmla="*/ 0 w 1871288"/>
+                <a:gd name="connsiteY4" fmla="*/ 1369788 h 2739576"/>
+                <a:gd name="connsiteX0" fmla="*/ 70799 w 1942087"/>
+                <a:gd name="connsiteY0" fmla="*/ 1369788 h 2777747"/>
+                <a:gd name="connsiteX1" fmla="*/ 1006443 w 1942087"/>
+                <a:gd name="connsiteY1" fmla="*/ 0 h 2777747"/>
+                <a:gd name="connsiteX2" fmla="*/ 1942087 w 1942087"/>
+                <a:gd name="connsiteY2" fmla="*/ 1369788 h 2777747"/>
+                <a:gd name="connsiteX3" fmla="*/ 1006443 w 1942087"/>
+                <a:gd name="connsiteY3" fmla="*/ 2739576 h 2777747"/>
+                <a:gd name="connsiteX4" fmla="*/ 171010 w 1942087"/>
+                <a:gd name="connsiteY4" fmla="*/ 2307858 h 2777747"/>
+                <a:gd name="connsiteX5" fmla="*/ 70799 w 1942087"/>
+                <a:gd name="connsiteY5" fmla="*/ 1369788 h 2777747"/>
+                <a:gd name="connsiteX0" fmla="*/ 248467 w 1826243"/>
+                <a:gd name="connsiteY0" fmla="*/ 1479271 h 2778130"/>
+                <a:gd name="connsiteX1" fmla="*/ 890599 w 1826243"/>
+                <a:gd name="connsiteY1" fmla="*/ 383 h 2778130"/>
+                <a:gd name="connsiteX2" fmla="*/ 1826243 w 1826243"/>
+                <a:gd name="connsiteY2" fmla="*/ 1370171 h 2778130"/>
+                <a:gd name="connsiteX3" fmla="*/ 890599 w 1826243"/>
+                <a:gd name="connsiteY3" fmla="*/ 2739959 h 2778130"/>
+                <a:gd name="connsiteX4" fmla="*/ 55166 w 1826243"/>
+                <a:gd name="connsiteY4" fmla="*/ 2308241 h 2778130"/>
+                <a:gd name="connsiteX5" fmla="*/ 248467 w 1826243"/>
+                <a:gd name="connsiteY5" fmla="*/ 1479271 h 2778130"/>
+                <a:gd name="connsiteX0" fmla="*/ 74985 w 1932410"/>
+                <a:gd name="connsiteY0" fmla="*/ 1519010 h 2778443"/>
+                <a:gd name="connsiteX1" fmla="*/ 996766 w 1932410"/>
+                <a:gd name="connsiteY1" fmla="*/ 696 h 2778443"/>
+                <a:gd name="connsiteX2" fmla="*/ 1932410 w 1932410"/>
+                <a:gd name="connsiteY2" fmla="*/ 1370484 h 2778443"/>
+                <a:gd name="connsiteX3" fmla="*/ 996766 w 1932410"/>
+                <a:gd name="connsiteY3" fmla="*/ 2740272 h 2778443"/>
+                <a:gd name="connsiteX4" fmla="*/ 161333 w 1932410"/>
+                <a:gd name="connsiteY4" fmla="*/ 2308554 h 2778443"/>
+                <a:gd name="connsiteX5" fmla="*/ 74985 w 1932410"/>
+                <a:gd name="connsiteY5" fmla="*/ 1519010 h 2778443"/>
+                <a:gd name="connsiteX0" fmla="*/ 35173 w 1892598"/>
+                <a:gd name="connsiteY0" fmla="*/ 1524009 h 2783442"/>
+                <a:gd name="connsiteX1" fmla="*/ 407517 w 1892598"/>
+                <a:gd name="connsiteY1" fmla="*/ 911820 h 2783442"/>
+                <a:gd name="connsiteX2" fmla="*/ 956954 w 1892598"/>
+                <a:gd name="connsiteY2" fmla="*/ 5695 h 2783442"/>
+                <a:gd name="connsiteX3" fmla="*/ 1892598 w 1892598"/>
+                <a:gd name="connsiteY3" fmla="*/ 1375483 h 2783442"/>
+                <a:gd name="connsiteX4" fmla="*/ 956954 w 1892598"/>
+                <a:gd name="connsiteY4" fmla="*/ 2745271 h 2783442"/>
+                <a:gd name="connsiteX5" fmla="*/ 121521 w 1892598"/>
+                <a:gd name="connsiteY5" fmla="*/ 2313553 h 2783442"/>
+                <a:gd name="connsiteX6" fmla="*/ 35173 w 1892598"/>
+                <a:gd name="connsiteY6" fmla="*/ 1524009 h 2783442"/>
+                <a:gd name="connsiteX0" fmla="*/ 35173 w 1892598"/>
+                <a:gd name="connsiteY0" fmla="*/ 1523995 h 2783428"/>
+                <a:gd name="connsiteX1" fmla="*/ 407517 w 1892598"/>
+                <a:gd name="connsiteY1" fmla="*/ 911806 h 2783428"/>
+                <a:gd name="connsiteX2" fmla="*/ 956954 w 1892598"/>
+                <a:gd name="connsiteY2" fmla="*/ 5681 h 2783428"/>
+                <a:gd name="connsiteX3" fmla="*/ 1892598 w 1892598"/>
+                <a:gd name="connsiteY3" fmla="*/ 1375469 h 2783428"/>
+                <a:gd name="connsiteX4" fmla="*/ 956954 w 1892598"/>
+                <a:gd name="connsiteY4" fmla="*/ 2745257 h 2783428"/>
+                <a:gd name="connsiteX5" fmla="*/ 121521 w 1892598"/>
+                <a:gd name="connsiteY5" fmla="*/ 2313539 h 2783428"/>
+                <a:gd name="connsiteX6" fmla="*/ 35173 w 1892598"/>
+                <a:gd name="connsiteY6" fmla="*/ 1523995 h 2783428"/>
+                <a:gd name="connsiteX0" fmla="*/ 35173 w 1921469"/>
+                <a:gd name="connsiteY0" fmla="*/ 1532114 h 2791547"/>
+                <a:gd name="connsiteX1" fmla="*/ 407517 w 1921469"/>
+                <a:gd name="connsiteY1" fmla="*/ 919925 h 2791547"/>
+                <a:gd name="connsiteX2" fmla="*/ 956954 w 1921469"/>
+                <a:gd name="connsiteY2" fmla="*/ 13800 h 2791547"/>
+                <a:gd name="connsiteX3" fmla="*/ 1690619 w 1921469"/>
+                <a:gd name="connsiteY3" fmla="*/ 442795 h 2791547"/>
+                <a:gd name="connsiteX4" fmla="*/ 1892598 w 1921469"/>
+                <a:gd name="connsiteY4" fmla="*/ 1383588 h 2791547"/>
+                <a:gd name="connsiteX5" fmla="*/ 956954 w 1921469"/>
+                <a:gd name="connsiteY5" fmla="*/ 2753376 h 2791547"/>
+                <a:gd name="connsiteX6" fmla="*/ 121521 w 1921469"/>
+                <a:gd name="connsiteY6" fmla="*/ 2321658 h 2791547"/>
+                <a:gd name="connsiteX7" fmla="*/ 35173 w 1921469"/>
+                <a:gd name="connsiteY7" fmla="*/ 1532114 h 2791547"/>
+                <a:gd name="connsiteX0" fmla="*/ 35173 w 1895723"/>
+                <a:gd name="connsiteY0" fmla="*/ 1532114 h 2757583"/>
+                <a:gd name="connsiteX1" fmla="*/ 407517 w 1895723"/>
+                <a:gd name="connsiteY1" fmla="*/ 919925 h 2757583"/>
+                <a:gd name="connsiteX2" fmla="*/ 956954 w 1895723"/>
+                <a:gd name="connsiteY2" fmla="*/ 13800 h 2757583"/>
+                <a:gd name="connsiteX3" fmla="*/ 1690619 w 1895723"/>
+                <a:gd name="connsiteY3" fmla="*/ 442795 h 2757583"/>
+                <a:gd name="connsiteX4" fmla="*/ 1892598 w 1895723"/>
+                <a:gd name="connsiteY4" fmla="*/ 1383588 h 2757583"/>
+                <a:gd name="connsiteX5" fmla="*/ 1654980 w 1895723"/>
+                <a:gd name="connsiteY5" fmla="*/ 2468669 h 2757583"/>
+                <a:gd name="connsiteX6" fmla="*/ 956954 w 1895723"/>
+                <a:gd name="connsiteY6" fmla="*/ 2753376 h 2757583"/>
+                <a:gd name="connsiteX7" fmla="*/ 121521 w 1895723"/>
+                <a:gd name="connsiteY7" fmla="*/ 2321658 h 2757583"/>
+                <a:gd name="connsiteX8" fmla="*/ 35173 w 1895723"/>
+                <a:gd name="connsiteY8" fmla="*/ 1532114 h 2757583"/>
+                <a:gd name="connsiteX0" fmla="*/ 71232 w 1931782"/>
+                <a:gd name="connsiteY0" fmla="*/ 1532114 h 2777401"/>
+                <a:gd name="connsiteX1" fmla="*/ 443576 w 1931782"/>
+                <a:gd name="connsiteY1" fmla="*/ 919925 h 2777401"/>
+                <a:gd name="connsiteX2" fmla="*/ 993013 w 1931782"/>
+                <a:gd name="connsiteY2" fmla="*/ 13800 h 2777401"/>
+                <a:gd name="connsiteX3" fmla="*/ 1726678 w 1931782"/>
+                <a:gd name="connsiteY3" fmla="*/ 442795 h 2777401"/>
+                <a:gd name="connsiteX4" fmla="*/ 1928657 w 1931782"/>
+                <a:gd name="connsiteY4" fmla="*/ 1383588 h 2777401"/>
+                <a:gd name="connsiteX5" fmla="*/ 1691039 w 1931782"/>
+                <a:gd name="connsiteY5" fmla="*/ 2468669 h 2777401"/>
+                <a:gd name="connsiteX6" fmla="*/ 993013 w 1931782"/>
+                <a:gd name="connsiteY6" fmla="*/ 2753376 h 2777401"/>
+                <a:gd name="connsiteX7" fmla="*/ 92208 w 1931782"/>
+                <a:gd name="connsiteY7" fmla="*/ 2606623 h 2777401"/>
+                <a:gd name="connsiteX8" fmla="*/ 71232 w 1931782"/>
+                <a:gd name="connsiteY8" fmla="*/ 1532114 h 2777401"/>
+                <a:gd name="connsiteX0" fmla="*/ 69366 w 1929916"/>
+                <a:gd name="connsiteY0" fmla="*/ 1531046 h 2776333"/>
+                <a:gd name="connsiteX1" fmla="*/ 406886 w 1929916"/>
+                <a:gd name="connsiteY1" fmla="*/ 895402 h 2776333"/>
+                <a:gd name="connsiteX2" fmla="*/ 991147 w 1929916"/>
+                <a:gd name="connsiteY2" fmla="*/ 12732 h 2776333"/>
+                <a:gd name="connsiteX3" fmla="*/ 1724812 w 1929916"/>
+                <a:gd name="connsiteY3" fmla="*/ 441727 h 2776333"/>
+                <a:gd name="connsiteX4" fmla="*/ 1926791 w 1929916"/>
+                <a:gd name="connsiteY4" fmla="*/ 1382520 h 2776333"/>
+                <a:gd name="connsiteX5" fmla="*/ 1689173 w 1929916"/>
+                <a:gd name="connsiteY5" fmla="*/ 2467601 h 2776333"/>
+                <a:gd name="connsiteX6" fmla="*/ 991147 w 1929916"/>
+                <a:gd name="connsiteY6" fmla="*/ 2752308 h 2776333"/>
+                <a:gd name="connsiteX7" fmla="*/ 90342 w 1929916"/>
+                <a:gd name="connsiteY7" fmla="*/ 2605555 h 2776333"/>
+                <a:gd name="connsiteX8" fmla="*/ 69366 w 1929916"/>
+                <a:gd name="connsiteY8" fmla="*/ 1531046 h 2776333"/>
+                <a:gd name="connsiteX0" fmla="*/ 69366 w 1929916"/>
+                <a:gd name="connsiteY0" fmla="*/ 1518805 h 2764092"/>
+                <a:gd name="connsiteX1" fmla="*/ 406886 w 1929916"/>
+                <a:gd name="connsiteY1" fmla="*/ 883161 h 2764092"/>
+                <a:gd name="connsiteX2" fmla="*/ 319102 w 1929916"/>
+                <a:gd name="connsiteY2" fmla="*/ 355859 h 2764092"/>
+                <a:gd name="connsiteX3" fmla="*/ 991147 w 1929916"/>
+                <a:gd name="connsiteY3" fmla="*/ 491 h 2764092"/>
+                <a:gd name="connsiteX4" fmla="*/ 1724812 w 1929916"/>
+                <a:gd name="connsiteY4" fmla="*/ 429486 h 2764092"/>
+                <a:gd name="connsiteX5" fmla="*/ 1926791 w 1929916"/>
+                <a:gd name="connsiteY5" fmla="*/ 1370279 h 2764092"/>
+                <a:gd name="connsiteX6" fmla="*/ 1689173 w 1929916"/>
+                <a:gd name="connsiteY6" fmla="*/ 2455360 h 2764092"/>
+                <a:gd name="connsiteX7" fmla="*/ 991147 w 1929916"/>
+                <a:gd name="connsiteY7" fmla="*/ 2740067 h 2764092"/>
+                <a:gd name="connsiteX8" fmla="*/ 90342 w 1929916"/>
+                <a:gd name="connsiteY8" fmla="*/ 2593314 h 2764092"/>
+                <a:gd name="connsiteX9" fmla="*/ 69366 w 1929916"/>
+                <a:gd name="connsiteY9" fmla="*/ 1518805 h 2764092"/>
+              </a:gdLst>
+              <a:ahLst/>
+              <a:cxnLst>
+                <a:cxn ang="0">
+                  <a:pos x="connsiteX0" y="connsiteY0"/>
+                </a:cxn>
+                <a:cxn ang="0">
+                  <a:pos x="connsiteX1" y="connsiteY1"/>
+                </a:cxn>
+                <a:cxn ang="0">
+                  <a:pos x="connsiteX2" y="connsiteY2"/>
+                </a:cxn>
+                <a:cxn ang="0">
+                  <a:pos x="connsiteX3" y="connsiteY3"/>
+                </a:cxn>
+                <a:cxn ang="0">
+                  <a:pos x="connsiteX4" y="connsiteY4"/>
+                </a:cxn>
+                <a:cxn ang="0">
+                  <a:pos x="connsiteX5" y="connsiteY5"/>
+                </a:cxn>
+                <a:cxn ang="0">
+                  <a:pos x="connsiteX6" y="connsiteY6"/>
+                </a:cxn>
+                <a:cxn ang="0">
+                  <a:pos x="connsiteX7" y="connsiteY7"/>
+                </a:cxn>
+                <a:cxn ang="0">
+                  <a:pos x="connsiteX8" y="connsiteY8"/>
+                </a:cxn>
+                <a:cxn ang="0">
+                  <a:pos x="connsiteX9" y="connsiteY9"/>
+                </a:cxn>
+              </a:cxnLst>
+              <a:rect l="l" t="t" r="r" b="b"/>
+              <a:pathLst>
+                <a:path w="1929916" h="2764092">
+                  <a:moveTo>
+                    <a:pt x="69366" y="1518805"/>
+                  </a:moveTo>
+                  <a:cubicBezTo>
+                    <a:pt x="122123" y="1233780"/>
+                    <a:pt x="253256" y="1136213"/>
+                    <a:pt x="406886" y="883161"/>
+                  </a:cubicBezTo>
+                  <a:cubicBezTo>
+                    <a:pt x="483836" y="708911"/>
+                    <a:pt x="221725" y="502971"/>
+                    <a:pt x="319102" y="355859"/>
+                  </a:cubicBezTo>
+                  <a:cubicBezTo>
+                    <a:pt x="416479" y="208747"/>
+                    <a:pt x="756862" y="-11780"/>
+                    <a:pt x="991147" y="491"/>
+                  </a:cubicBezTo>
+                  <a:cubicBezTo>
+                    <a:pt x="1225432" y="12762"/>
+                    <a:pt x="1568871" y="201188"/>
+                    <a:pt x="1724812" y="429486"/>
+                  </a:cubicBezTo>
+                  <a:cubicBezTo>
+                    <a:pt x="1880753" y="657784"/>
+                    <a:pt x="1945466" y="1110805"/>
+                    <a:pt x="1926791" y="1370279"/>
+                  </a:cubicBezTo>
+                  <a:cubicBezTo>
+                    <a:pt x="1908116" y="1629753"/>
+                    <a:pt x="1845114" y="2227062"/>
+                    <a:pt x="1689173" y="2455360"/>
+                  </a:cubicBezTo>
+                  <a:cubicBezTo>
+                    <a:pt x="1533232" y="2683658"/>
+                    <a:pt x="1257619" y="2717075"/>
+                    <a:pt x="991147" y="2740067"/>
+                  </a:cubicBezTo>
+                  <a:cubicBezTo>
+                    <a:pt x="724675" y="2763059"/>
+                    <a:pt x="246283" y="2821612"/>
+                    <a:pt x="90342" y="2593314"/>
+                  </a:cubicBezTo>
+                  <a:cubicBezTo>
+                    <a:pt x="-65599" y="2365016"/>
+                    <a:pt x="16609" y="1803830"/>
+                    <a:pt x="69366" y="1518805"/>
+                  </a:cubicBezTo>
+                  <a:close/>
+                </a:path>
+              </a:pathLst>
+            </a:custGeom>
+            <a:solidFill>
+              <a:srgbClr val="E6E600"/>
+            </a:solidFill>
+            <a:ln>
+              <a:noFill/>
+            </a:ln>
+            <a:effectLst/>
+          </p:spPr>
+          <p:style>
+            <a:lnRef idx="1">
+              <a:schemeClr val="accent1"/>
+            </a:lnRef>
+            <a:fillRef idx="3">
+              <a:schemeClr val="accent1"/>
+            </a:fillRef>
+            <a:effectRef idx="2">
+              <a:schemeClr val="accent1"/>
+            </a:effectRef>
+            <a:fontRef idx="minor">
+              <a:schemeClr val="lt1"/>
+            </a:fontRef>
+          </p:style>
+          <p:txBody>
+            <a:bodyPr rtlCol="0" anchor="ctr"/>
+            <a:lstStyle/>
+            <a:p>
+              <a:pPr algn="ctr"/>
+              <a:endParaRPr lang="en-US"/>
+            </a:p>
+          </p:txBody>
+        </p:sp>
+        <p:sp>
+          <p:nvSpPr>
+            <p:cNvPr id="43" name="Oval 42"/>
+            <p:cNvSpPr/>
+            <p:nvPr/>
+          </p:nvSpPr>
+          <p:spPr>
+            <a:xfrm rot="3362425">
+              <a:off x="1629318" y="1851598"/>
+              <a:ext cx="2126034" cy="769328"/>
+            </a:xfrm>
+            <a:custGeom>
+              <a:avLst/>
+              <a:gdLst>
+                <a:gd name="connsiteX0" fmla="*/ 0 w 1871288"/>
+                <a:gd name="connsiteY0" fmla="*/ 310649 h 621297"/>
+                <a:gd name="connsiteX1" fmla="*/ 935644 w 1871288"/>
+                <a:gd name="connsiteY1" fmla="*/ 0 h 621297"/>
+                <a:gd name="connsiteX2" fmla="*/ 1871288 w 1871288"/>
+                <a:gd name="connsiteY2" fmla="*/ 310649 h 621297"/>
+                <a:gd name="connsiteX3" fmla="*/ 935644 w 1871288"/>
+                <a:gd name="connsiteY3" fmla="*/ 621298 h 621297"/>
+                <a:gd name="connsiteX4" fmla="*/ 0 w 1871288"/>
+                <a:gd name="connsiteY4" fmla="*/ 310649 h 621297"/>
+                <a:gd name="connsiteX0" fmla="*/ 0 w 1896479"/>
+                <a:gd name="connsiteY0" fmla="*/ 328907 h 639556"/>
+                <a:gd name="connsiteX1" fmla="*/ 935644 w 1896479"/>
+                <a:gd name="connsiteY1" fmla="*/ 18258 h 639556"/>
+                <a:gd name="connsiteX2" fmla="*/ 1616787 w 1896479"/>
+                <a:gd name="connsiteY2" fmla="*/ 67881 h 639556"/>
+                <a:gd name="connsiteX3" fmla="*/ 1871288 w 1896479"/>
+                <a:gd name="connsiteY3" fmla="*/ 328907 h 639556"/>
+                <a:gd name="connsiteX4" fmla="*/ 935644 w 1896479"/>
+                <a:gd name="connsiteY4" fmla="*/ 639556 h 639556"/>
+                <a:gd name="connsiteX5" fmla="*/ 0 w 1896479"/>
+                <a:gd name="connsiteY5" fmla="*/ 328907 h 639556"/>
+                <a:gd name="connsiteX0" fmla="*/ 204839 w 2101318"/>
+                <a:gd name="connsiteY0" fmla="*/ 326944 h 637593"/>
+                <a:gd name="connsiteX1" fmla="*/ 75149 w 2101318"/>
+                <a:gd name="connsiteY1" fmla="*/ 28516 h 637593"/>
+                <a:gd name="connsiteX2" fmla="*/ 1140483 w 2101318"/>
+                <a:gd name="connsiteY2" fmla="*/ 16295 h 637593"/>
+                <a:gd name="connsiteX3" fmla="*/ 1821626 w 2101318"/>
+                <a:gd name="connsiteY3" fmla="*/ 65918 h 637593"/>
+                <a:gd name="connsiteX4" fmla="*/ 2076127 w 2101318"/>
+                <a:gd name="connsiteY4" fmla="*/ 326944 h 637593"/>
+                <a:gd name="connsiteX5" fmla="*/ 1140483 w 2101318"/>
+                <a:gd name="connsiteY5" fmla="*/ 637593 h 637593"/>
+                <a:gd name="connsiteX6" fmla="*/ 204839 w 2101318"/>
+                <a:gd name="connsiteY6" fmla="*/ 326944 h 637593"/>
+                <a:gd name="connsiteX0" fmla="*/ 204839 w 2101318"/>
+                <a:gd name="connsiteY0" fmla="*/ 310797 h 621446"/>
+                <a:gd name="connsiteX1" fmla="*/ 75149 w 2101318"/>
+                <a:gd name="connsiteY1" fmla="*/ 12369 h 621446"/>
+                <a:gd name="connsiteX2" fmla="*/ 1140483 w 2101318"/>
+                <a:gd name="connsiteY2" fmla="*/ 148 h 621446"/>
+                <a:gd name="connsiteX3" fmla="*/ 1821626 w 2101318"/>
+                <a:gd name="connsiteY3" fmla="*/ 49771 h 621446"/>
+                <a:gd name="connsiteX4" fmla="*/ 2076127 w 2101318"/>
+                <a:gd name="connsiteY4" fmla="*/ 310797 h 621446"/>
+                <a:gd name="connsiteX5" fmla="*/ 1140483 w 2101318"/>
+                <a:gd name="connsiteY5" fmla="*/ 621446 h 621446"/>
+                <a:gd name="connsiteX6" fmla="*/ 204839 w 2101318"/>
+                <a:gd name="connsiteY6" fmla="*/ 310797 h 621446"/>
+                <a:gd name="connsiteX0" fmla="*/ 229555 w 2126034"/>
+                <a:gd name="connsiteY0" fmla="*/ 458679 h 769328"/>
+                <a:gd name="connsiteX1" fmla="*/ 68590 w 2126034"/>
+                <a:gd name="connsiteY1" fmla="*/ 0 h 769328"/>
+                <a:gd name="connsiteX2" fmla="*/ 1165199 w 2126034"/>
+                <a:gd name="connsiteY2" fmla="*/ 148030 h 769328"/>
+                <a:gd name="connsiteX3" fmla="*/ 1846342 w 2126034"/>
+                <a:gd name="connsiteY3" fmla="*/ 197653 h 769328"/>
+                <a:gd name="connsiteX4" fmla="*/ 2100843 w 2126034"/>
+                <a:gd name="connsiteY4" fmla="*/ 458679 h 769328"/>
+                <a:gd name="connsiteX5" fmla="*/ 1165199 w 2126034"/>
+                <a:gd name="connsiteY5" fmla="*/ 769328 h 769328"/>
+                <a:gd name="connsiteX6" fmla="*/ 229555 w 2126034"/>
+                <a:gd name="connsiteY6" fmla="*/ 458679 h 769328"/>
+              </a:gdLst>
+              <a:ahLst/>
+              <a:cxnLst>
+                <a:cxn ang="0">
+                  <a:pos x="connsiteX0" y="connsiteY0"/>
+                </a:cxn>
+                <a:cxn ang="0">
+                  <a:pos x="connsiteX1" y="connsiteY1"/>
+                </a:cxn>
+                <a:cxn ang="0">
+                  <a:pos x="connsiteX2" y="connsiteY2"/>
+                </a:cxn>
+                <a:cxn ang="0">
+                  <a:pos x="connsiteX3" y="connsiteY3"/>
+                </a:cxn>
+                <a:cxn ang="0">
+                  <a:pos x="connsiteX4" y="connsiteY4"/>
+                </a:cxn>
+                <a:cxn ang="0">
+                  <a:pos x="connsiteX5" y="connsiteY5"/>
+                </a:cxn>
+                <a:cxn ang="0">
+                  <a:pos x="connsiteX6" y="connsiteY6"/>
+                </a:cxn>
+              </a:cxnLst>
+              <a:rect l="l" t="t" r="r" b="b"/>
+              <a:pathLst>
+                <a:path w="2126034" h="769328">
+                  <a:moveTo>
+                    <a:pt x="229555" y="458679"/>
+                  </a:moveTo>
+                  <a:cubicBezTo>
+                    <a:pt x="46787" y="330458"/>
+                    <a:pt x="-87351" y="51775"/>
+                    <a:pt x="68590" y="0"/>
+                  </a:cubicBezTo>
+                  <a:cubicBezTo>
+                    <a:pt x="223473" y="175277"/>
+                    <a:pt x="868907" y="115088"/>
+                    <a:pt x="1165199" y="148030"/>
+                  </a:cubicBezTo>
+                  <a:cubicBezTo>
+                    <a:pt x="1461491" y="180972"/>
+                    <a:pt x="1690401" y="145878"/>
+                    <a:pt x="1846342" y="197653"/>
+                  </a:cubicBezTo>
+                  <a:cubicBezTo>
+                    <a:pt x="2002283" y="249428"/>
+                    <a:pt x="2195919" y="365738"/>
+                    <a:pt x="2100843" y="458679"/>
+                  </a:cubicBezTo>
+                  <a:cubicBezTo>
+                    <a:pt x="2005767" y="551620"/>
+                    <a:pt x="1681941" y="769328"/>
+                    <a:pt x="1165199" y="769328"/>
+                  </a:cubicBezTo>
+                  <a:cubicBezTo>
+                    <a:pt x="648457" y="769328"/>
+                    <a:pt x="412323" y="586900"/>
+                    <a:pt x="229555" y="458679"/>
+                  </a:cubicBezTo>
+                  <a:close/>
+                </a:path>
+              </a:pathLst>
+            </a:custGeom>
+            <a:solidFill>
+              <a:srgbClr val="E6E600"/>
+            </a:solidFill>
+            <a:ln>
+              <a:noFill/>
+            </a:ln>
+            <a:effectLst/>
+          </p:spPr>
+          <p:style>
+            <a:lnRef idx="1">
+              <a:schemeClr val="accent1"/>
+            </a:lnRef>
+            <a:fillRef idx="3">
+              <a:schemeClr val="accent1"/>
+            </a:fillRef>
+            <a:effectRef idx="2">
+              <a:schemeClr val="accent1"/>
+            </a:effectRef>
+            <a:fontRef idx="minor">
+              <a:schemeClr val="lt1"/>
+            </a:fontRef>
+          </p:style>
+          <p:txBody>
+            <a:bodyPr rtlCol="0" anchor="ctr"/>
+            <a:lstStyle/>
+            <a:p>
+              <a:pPr algn="ctr"/>
+              <a:endParaRPr lang="en-US"/>
+            </a:p>
+          </p:txBody>
+        </p:sp>
+        <p:sp>
+          <p:nvSpPr>
+            <p:cNvPr id="44" name="Oval 43"/>
+            <p:cNvSpPr/>
+            <p:nvPr/>
+          </p:nvSpPr>
+          <p:spPr>
+            <a:xfrm rot="7022536">
+              <a:off x="209108" y="2772944"/>
+              <a:ext cx="1102905" cy="2358705"/>
+            </a:xfrm>
+            <a:prstGeom prst="ellipse">
+              <a:avLst/>
+            </a:prstGeom>
+            <a:solidFill>
+              <a:srgbClr val="E6E600"/>
+            </a:solidFill>
+            <a:ln>
+              <a:noFill/>
+            </a:ln>
+            <a:effectLst/>
+          </p:spPr>
+          <p:style>
+            <a:lnRef idx="1">
+              <a:schemeClr val="accent1"/>
+            </a:lnRef>
+            <a:fillRef idx="3">
+              <a:schemeClr val="accent1"/>
+            </a:fillRef>
+            <a:effectRef idx="2">
+              <a:schemeClr val="accent1"/>
+            </a:effectRef>
+            <a:fontRef idx="minor">
+              <a:schemeClr val="lt1"/>
+            </a:fontRef>
+          </p:style>
+          <p:txBody>
+            <a:bodyPr rtlCol="0" anchor="ctr"/>
+            <a:lstStyle/>
+            <a:p>
+              <a:pPr algn="ctr"/>
+              <a:endParaRPr lang="en-US"/>
+            </a:p>
+          </p:txBody>
+        </p:sp>
+        <p:sp>
+          <p:nvSpPr>
+            <p:cNvPr id="45" name="Oval 44"/>
+            <p:cNvSpPr/>
+            <p:nvPr/>
+          </p:nvSpPr>
+          <p:spPr>
+            <a:xfrm rot="7114515">
+              <a:off x="-388077" y="2518261"/>
+              <a:ext cx="1137701" cy="1544722"/>
+            </a:xfrm>
+            <a:custGeom>
+              <a:avLst/>
+              <a:gdLst>
+                <a:gd name="connsiteX0" fmla="*/ 0 w 1102905"/>
+                <a:gd name="connsiteY0" fmla="*/ 1179353 h 2358705"/>
+                <a:gd name="connsiteX1" fmla="*/ 551453 w 1102905"/>
+                <a:gd name="connsiteY1" fmla="*/ 0 h 2358705"/>
+                <a:gd name="connsiteX2" fmla="*/ 1102906 w 1102905"/>
+                <a:gd name="connsiteY2" fmla="*/ 1179353 h 2358705"/>
+                <a:gd name="connsiteX3" fmla="*/ 551453 w 1102905"/>
+                <a:gd name="connsiteY3" fmla="*/ 2358706 h 2358705"/>
+                <a:gd name="connsiteX4" fmla="*/ 0 w 1102905"/>
+                <a:gd name="connsiteY4" fmla="*/ 1179353 h 2358705"/>
+                <a:gd name="connsiteX0" fmla="*/ 21 w 1102927"/>
+                <a:gd name="connsiteY0" fmla="*/ 1179353 h 2189855"/>
+                <a:gd name="connsiteX1" fmla="*/ 551474 w 1102927"/>
+                <a:gd name="connsiteY1" fmla="*/ 0 h 2189855"/>
+                <a:gd name="connsiteX2" fmla="*/ 1102927 w 1102927"/>
+                <a:gd name="connsiteY2" fmla="*/ 1179353 h 2189855"/>
+                <a:gd name="connsiteX3" fmla="*/ 535992 w 1102927"/>
+                <a:gd name="connsiteY3" fmla="*/ 2189855 h 2189855"/>
+                <a:gd name="connsiteX4" fmla="*/ 21 w 1102927"/>
+                <a:gd name="connsiteY4" fmla="*/ 1179353 h 2189855"/>
+                <a:gd name="connsiteX0" fmla="*/ 2861 w 1105767"/>
+                <a:gd name="connsiteY0" fmla="*/ 1179353 h 2354226"/>
+                <a:gd name="connsiteX1" fmla="*/ 554314 w 1105767"/>
+                <a:gd name="connsiteY1" fmla="*/ 0 h 2354226"/>
+                <a:gd name="connsiteX2" fmla="*/ 1105767 w 1105767"/>
+                <a:gd name="connsiteY2" fmla="*/ 1179353 h 2354226"/>
+                <a:gd name="connsiteX3" fmla="*/ 538832 w 1105767"/>
+                <a:gd name="connsiteY3" fmla="*/ 2189855 h 2354226"/>
+                <a:gd name="connsiteX4" fmla="*/ 346629 w 1105767"/>
+                <a:gd name="connsiteY4" fmla="*/ 2251473 h 2354226"/>
+                <a:gd name="connsiteX5" fmla="*/ 2861 w 1105767"/>
+                <a:gd name="connsiteY5" fmla="*/ 1179353 h 2354226"/>
+                <a:gd name="connsiteX0" fmla="*/ 2861 w 1106016"/>
+                <a:gd name="connsiteY0" fmla="*/ 1179353 h 2313685"/>
+                <a:gd name="connsiteX1" fmla="*/ 554314 w 1106016"/>
+                <a:gd name="connsiteY1" fmla="*/ 0 h 2313685"/>
+                <a:gd name="connsiteX2" fmla="*/ 1105767 w 1106016"/>
+                <a:gd name="connsiteY2" fmla="*/ 1179353 h 2313685"/>
+                <a:gd name="connsiteX3" fmla="*/ 642184 w 1106016"/>
+                <a:gd name="connsiteY3" fmla="*/ 2230226 h 2313685"/>
+                <a:gd name="connsiteX4" fmla="*/ 538832 w 1106016"/>
+                <a:gd name="connsiteY4" fmla="*/ 2189855 h 2313685"/>
+                <a:gd name="connsiteX5" fmla="*/ 346629 w 1106016"/>
+                <a:gd name="connsiteY5" fmla="*/ 2251473 h 2313685"/>
+                <a:gd name="connsiteX6" fmla="*/ 2861 w 1106016"/>
+                <a:gd name="connsiteY6" fmla="*/ 1179353 h 2313685"/>
+                <a:gd name="connsiteX0" fmla="*/ 2861 w 1106067"/>
+                <a:gd name="connsiteY0" fmla="*/ 1179353 h 2313685"/>
+                <a:gd name="connsiteX1" fmla="*/ 554314 w 1106067"/>
+                <a:gd name="connsiteY1" fmla="*/ 0 h 2313685"/>
+                <a:gd name="connsiteX2" fmla="*/ 1105767 w 1106067"/>
+                <a:gd name="connsiteY2" fmla="*/ 1179353 h 2313685"/>
+                <a:gd name="connsiteX3" fmla="*/ 642184 w 1106067"/>
+                <a:gd name="connsiteY3" fmla="*/ 2230226 h 2313685"/>
+                <a:gd name="connsiteX4" fmla="*/ 538832 w 1106067"/>
+                <a:gd name="connsiteY4" fmla="*/ 2189855 h 2313685"/>
+                <a:gd name="connsiteX5" fmla="*/ 346629 w 1106067"/>
+                <a:gd name="connsiteY5" fmla="*/ 2251473 h 2313685"/>
+                <a:gd name="connsiteX6" fmla="*/ 2861 w 1106067"/>
+                <a:gd name="connsiteY6" fmla="*/ 1179353 h 2313685"/>
+                <a:gd name="connsiteX0" fmla="*/ 2861 w 1106160"/>
+                <a:gd name="connsiteY0" fmla="*/ 1179353 h 2363407"/>
+                <a:gd name="connsiteX1" fmla="*/ 554314 w 1106160"/>
+                <a:gd name="connsiteY1" fmla="*/ 0 h 2363407"/>
+                <a:gd name="connsiteX2" fmla="*/ 1105767 w 1106160"/>
+                <a:gd name="connsiteY2" fmla="*/ 1179353 h 2363407"/>
+                <a:gd name="connsiteX3" fmla="*/ 717947 w 1106160"/>
+                <a:gd name="connsiteY3" fmla="*/ 2309388 h 2363407"/>
+                <a:gd name="connsiteX4" fmla="*/ 538832 w 1106160"/>
+                <a:gd name="connsiteY4" fmla="*/ 2189855 h 2363407"/>
+                <a:gd name="connsiteX5" fmla="*/ 346629 w 1106160"/>
+                <a:gd name="connsiteY5" fmla="*/ 2251473 h 2363407"/>
+                <a:gd name="connsiteX6" fmla="*/ 2861 w 1106160"/>
+                <a:gd name="connsiteY6" fmla="*/ 1179353 h 2363407"/>
+                <a:gd name="connsiteX0" fmla="*/ 2861 w 1118751"/>
+                <a:gd name="connsiteY0" fmla="*/ 1179353 h 2389629"/>
+                <a:gd name="connsiteX1" fmla="*/ 554314 w 1118751"/>
+                <a:gd name="connsiteY1" fmla="*/ 0 h 2389629"/>
+                <a:gd name="connsiteX2" fmla="*/ 1105767 w 1118751"/>
+                <a:gd name="connsiteY2" fmla="*/ 1179353 h 2389629"/>
+                <a:gd name="connsiteX3" fmla="*/ 976107 w 1118751"/>
+                <a:gd name="connsiteY3" fmla="*/ 2307227 h 2389629"/>
+                <a:gd name="connsiteX4" fmla="*/ 717947 w 1118751"/>
+                <a:gd name="connsiteY4" fmla="*/ 2309388 h 2389629"/>
+                <a:gd name="connsiteX5" fmla="*/ 538832 w 1118751"/>
+                <a:gd name="connsiteY5" fmla="*/ 2189855 h 2389629"/>
+                <a:gd name="connsiteX6" fmla="*/ 346629 w 1118751"/>
+                <a:gd name="connsiteY6" fmla="*/ 2251473 h 2389629"/>
+                <a:gd name="connsiteX7" fmla="*/ 2861 w 1118751"/>
+                <a:gd name="connsiteY7" fmla="*/ 1179353 h 2389629"/>
+                <a:gd name="connsiteX0" fmla="*/ 2861 w 1117562"/>
+                <a:gd name="connsiteY0" fmla="*/ 1179353 h 2364838"/>
+                <a:gd name="connsiteX1" fmla="*/ 554314 w 1117562"/>
+                <a:gd name="connsiteY1" fmla="*/ 0 h 2364838"/>
+                <a:gd name="connsiteX2" fmla="*/ 1105767 w 1117562"/>
+                <a:gd name="connsiteY2" fmla="*/ 1179353 h 2364838"/>
+                <a:gd name="connsiteX3" fmla="*/ 976107 w 1117562"/>
+                <a:gd name="connsiteY3" fmla="*/ 2307227 h 2364838"/>
+                <a:gd name="connsiteX4" fmla="*/ 800918 w 1117562"/>
+                <a:gd name="connsiteY4" fmla="*/ 2125631 h 2364838"/>
+                <a:gd name="connsiteX5" fmla="*/ 717947 w 1117562"/>
+                <a:gd name="connsiteY5" fmla="*/ 2309388 h 2364838"/>
+                <a:gd name="connsiteX6" fmla="*/ 538832 w 1117562"/>
+                <a:gd name="connsiteY6" fmla="*/ 2189855 h 2364838"/>
+                <a:gd name="connsiteX7" fmla="*/ 346629 w 1117562"/>
+                <a:gd name="connsiteY7" fmla="*/ 2251473 h 2364838"/>
+                <a:gd name="connsiteX8" fmla="*/ 2861 w 1117562"/>
+                <a:gd name="connsiteY8" fmla="*/ 1179353 h 2364838"/>
+                <a:gd name="connsiteX0" fmla="*/ 5314 w 973452"/>
+                <a:gd name="connsiteY0" fmla="*/ 1190558 h 2364842"/>
+                <a:gd name="connsiteX1" fmla="*/ 410204 w 973452"/>
+                <a:gd name="connsiteY1" fmla="*/ 4 h 2364842"/>
+                <a:gd name="connsiteX2" fmla="*/ 961657 w 973452"/>
+                <a:gd name="connsiteY2" fmla="*/ 1179357 h 2364842"/>
+                <a:gd name="connsiteX3" fmla="*/ 831997 w 973452"/>
+                <a:gd name="connsiteY3" fmla="*/ 2307231 h 2364842"/>
+                <a:gd name="connsiteX4" fmla="*/ 656808 w 973452"/>
+                <a:gd name="connsiteY4" fmla="*/ 2125635 h 2364842"/>
+                <a:gd name="connsiteX5" fmla="*/ 573837 w 973452"/>
+                <a:gd name="connsiteY5" fmla="*/ 2309392 h 2364842"/>
+                <a:gd name="connsiteX6" fmla="*/ 394722 w 973452"/>
+                <a:gd name="connsiteY6" fmla="*/ 2189859 h 2364842"/>
+                <a:gd name="connsiteX7" fmla="*/ 202519 w 973452"/>
+                <a:gd name="connsiteY7" fmla="*/ 2251477 h 2364842"/>
+                <a:gd name="connsiteX8" fmla="*/ 5314 w 973452"/>
+                <a:gd name="connsiteY8" fmla="*/ 1190558 h 2364842"/>
+                <a:gd name="connsiteX0" fmla="*/ 718343 w 1686481"/>
+                <a:gd name="connsiteY0" fmla="*/ 1660973 h 2835257"/>
+                <a:gd name="connsiteX1" fmla="*/ 5044 w 1686481"/>
+                <a:gd name="connsiteY1" fmla="*/ 58918 h 2835257"/>
+                <a:gd name="connsiteX2" fmla="*/ 1123233 w 1686481"/>
+                <a:gd name="connsiteY2" fmla="*/ 470419 h 2835257"/>
+                <a:gd name="connsiteX3" fmla="*/ 1674686 w 1686481"/>
+                <a:gd name="connsiteY3" fmla="*/ 1649772 h 2835257"/>
+                <a:gd name="connsiteX4" fmla="*/ 1545026 w 1686481"/>
+                <a:gd name="connsiteY4" fmla="*/ 2777646 h 2835257"/>
+                <a:gd name="connsiteX5" fmla="*/ 1369837 w 1686481"/>
+                <a:gd name="connsiteY5" fmla="*/ 2596050 h 2835257"/>
+                <a:gd name="connsiteX6" fmla="*/ 1286866 w 1686481"/>
+                <a:gd name="connsiteY6" fmla="*/ 2779807 h 2835257"/>
+                <a:gd name="connsiteX7" fmla="*/ 1107751 w 1686481"/>
+                <a:gd name="connsiteY7" fmla="*/ 2660274 h 2835257"/>
+                <a:gd name="connsiteX8" fmla="*/ 915548 w 1686481"/>
+                <a:gd name="connsiteY8" fmla="*/ 2721892 h 2835257"/>
+                <a:gd name="connsiteX9" fmla="*/ 718343 w 1686481"/>
+                <a:gd name="connsiteY9" fmla="*/ 1660973 h 2835257"/>
+                <a:gd name="connsiteX0" fmla="*/ 637028 w 1687173"/>
+                <a:gd name="connsiteY0" fmla="*/ 1717967 h 2835259"/>
+                <a:gd name="connsiteX1" fmla="*/ 5736 w 1687173"/>
+                <a:gd name="connsiteY1" fmla="*/ 58920 h 2835259"/>
+                <a:gd name="connsiteX2" fmla="*/ 1123925 w 1687173"/>
+                <a:gd name="connsiteY2" fmla="*/ 470421 h 2835259"/>
+                <a:gd name="connsiteX3" fmla="*/ 1675378 w 1687173"/>
+                <a:gd name="connsiteY3" fmla="*/ 1649774 h 2835259"/>
+                <a:gd name="connsiteX4" fmla="*/ 1545718 w 1687173"/>
+                <a:gd name="connsiteY4" fmla="*/ 2777648 h 2835259"/>
+                <a:gd name="connsiteX5" fmla="*/ 1370529 w 1687173"/>
+                <a:gd name="connsiteY5" fmla="*/ 2596052 h 2835259"/>
+                <a:gd name="connsiteX6" fmla="*/ 1287558 w 1687173"/>
+                <a:gd name="connsiteY6" fmla="*/ 2779809 h 2835259"/>
+                <a:gd name="connsiteX7" fmla="*/ 1108443 w 1687173"/>
+                <a:gd name="connsiteY7" fmla="*/ 2660276 h 2835259"/>
+                <a:gd name="connsiteX8" fmla="*/ 916240 w 1687173"/>
+                <a:gd name="connsiteY8" fmla="*/ 2721894 h 2835259"/>
+                <a:gd name="connsiteX9" fmla="*/ 637028 w 1687173"/>
+                <a:gd name="connsiteY9" fmla="*/ 1717967 h 2835259"/>
+                <a:gd name="connsiteX0" fmla="*/ 636837 w 1686982"/>
+                <a:gd name="connsiteY0" fmla="*/ 1717967 h 2922494"/>
+                <a:gd name="connsiteX1" fmla="*/ 5545 w 1686982"/>
+                <a:gd name="connsiteY1" fmla="*/ 58920 h 2922494"/>
+                <a:gd name="connsiteX2" fmla="*/ 1123734 w 1686982"/>
+                <a:gd name="connsiteY2" fmla="*/ 470421 h 2922494"/>
+                <a:gd name="connsiteX3" fmla="*/ 1675187 w 1686982"/>
+                <a:gd name="connsiteY3" fmla="*/ 1649774 h 2922494"/>
+                <a:gd name="connsiteX4" fmla="*/ 1545527 w 1686982"/>
+                <a:gd name="connsiteY4" fmla="*/ 2777648 h 2922494"/>
+                <a:gd name="connsiteX5" fmla="*/ 1370338 w 1686982"/>
+                <a:gd name="connsiteY5" fmla="*/ 2596052 h 2922494"/>
+                <a:gd name="connsiteX6" fmla="*/ 1287367 w 1686982"/>
+                <a:gd name="connsiteY6" fmla="*/ 2779809 h 2922494"/>
+                <a:gd name="connsiteX7" fmla="*/ 1108252 w 1686982"/>
+                <a:gd name="connsiteY7" fmla="*/ 2660276 h 2922494"/>
+                <a:gd name="connsiteX8" fmla="*/ 788033 w 1686982"/>
+                <a:gd name="connsiteY8" fmla="*/ 2878689 h 2922494"/>
+                <a:gd name="connsiteX9" fmla="*/ 636837 w 1686982"/>
+                <a:gd name="connsiteY9" fmla="*/ 1717967 h 2922494"/>
+              </a:gdLst>
+              <a:ahLst/>
+              <a:cxnLst>
+                <a:cxn ang="0">
+                  <a:pos x="connsiteX0" y="connsiteY0"/>
+                </a:cxn>
+                <a:cxn ang="0">
+                  <a:pos x="connsiteX1" y="connsiteY1"/>
+                </a:cxn>
+                <a:cxn ang="0">
+                  <a:pos x="connsiteX2" y="connsiteY2"/>
+                </a:cxn>
+                <a:cxn ang="0">
+                  <a:pos x="connsiteX3" y="connsiteY3"/>
+                </a:cxn>
+                <a:cxn ang="0">
+                  <a:pos x="connsiteX4" y="connsiteY4"/>
+                </a:cxn>
+                <a:cxn ang="0">
+                  <a:pos x="connsiteX5" y="connsiteY5"/>
+                </a:cxn>
+                <a:cxn ang="0">
+                  <a:pos x="connsiteX6" y="connsiteY6"/>
+                </a:cxn>
+                <a:cxn ang="0">
+                  <a:pos x="connsiteX7" y="connsiteY7"/>
+                </a:cxn>
+                <a:cxn ang="0">
+                  <a:pos x="connsiteX8" y="connsiteY8"/>
+                </a:cxn>
+                <a:cxn ang="0">
+                  <a:pos x="connsiteX9" y="connsiteY9"/>
+                </a:cxn>
+              </a:cxnLst>
+              <a:rect l="l" t="t" r="r" b="b"/>
+              <a:pathLst>
+                <a:path w="1686982" h="2922494">
+                  <a:moveTo>
+                    <a:pt x="636837" y="1717967"/>
+                  </a:moveTo>
+                  <a:cubicBezTo>
+                    <a:pt x="506422" y="1248006"/>
+                    <a:pt x="-61937" y="257346"/>
+                    <a:pt x="5545" y="58920"/>
+                  </a:cubicBezTo>
+                  <a:cubicBezTo>
+                    <a:pt x="73027" y="-139506"/>
+                    <a:pt x="845460" y="205279"/>
+                    <a:pt x="1123734" y="470421"/>
+                  </a:cubicBezTo>
+                  <a:cubicBezTo>
+                    <a:pt x="1402008" y="735563"/>
+                    <a:pt x="1623115" y="1293247"/>
+                    <a:pt x="1675187" y="1649774"/>
+                  </a:cubicBezTo>
+                  <a:cubicBezTo>
+                    <a:pt x="1727259" y="2006301"/>
+                    <a:pt x="1592862" y="2578501"/>
+                    <a:pt x="1545527" y="2777648"/>
+                  </a:cubicBezTo>
+                  <a:cubicBezTo>
+                    <a:pt x="1498192" y="2976795"/>
+                    <a:pt x="1413365" y="2595692"/>
+                    <a:pt x="1370338" y="2596052"/>
+                  </a:cubicBezTo>
+                  <a:cubicBezTo>
+                    <a:pt x="1327311" y="2596412"/>
+                    <a:pt x="1334521" y="2810539"/>
+                    <a:pt x="1287367" y="2779809"/>
+                  </a:cubicBezTo>
+                  <a:cubicBezTo>
+                    <a:pt x="1192878" y="2948226"/>
+                    <a:pt x="1191474" y="2643796"/>
+                    <a:pt x="1108252" y="2660276"/>
+                  </a:cubicBezTo>
+                  <a:cubicBezTo>
+                    <a:pt x="1025030" y="2676756"/>
+                    <a:pt x="877361" y="3047106"/>
+                    <a:pt x="788033" y="2878689"/>
+                  </a:cubicBezTo>
+                  <a:cubicBezTo>
+                    <a:pt x="698705" y="2710272"/>
+                    <a:pt x="767252" y="2187928"/>
+                    <a:pt x="636837" y="1717967"/>
+                  </a:cubicBezTo>
+                  <a:close/>
+                </a:path>
+              </a:pathLst>
+            </a:custGeom>
+            <a:solidFill>
+              <a:srgbClr val="E6E600"/>
+            </a:solidFill>
+            <a:ln>
+              <a:noFill/>
+            </a:ln>
+            <a:effectLst/>
+          </p:spPr>
+          <p:style>
+            <a:lnRef idx="1">
+              <a:schemeClr val="accent1"/>
+            </a:lnRef>
+            <a:fillRef idx="3">
+              <a:schemeClr val="accent1"/>
+            </a:fillRef>
+            <a:effectRef idx="2">
+              <a:schemeClr val="accent1"/>
+            </a:effectRef>
+            <a:fontRef idx="minor">
+              <a:schemeClr val="lt1"/>
+            </a:fontRef>
+          </p:style>
+          <p:txBody>
+            <a:bodyPr rtlCol="0" anchor="ctr"/>
+            <a:lstStyle/>
+            <a:p>
+              <a:pPr algn="ctr"/>
+              <a:endParaRPr lang="en-US"/>
+            </a:p>
+          </p:txBody>
+        </p:sp>
+        <p:sp>
+          <p:nvSpPr>
+            <p:cNvPr id="20" name="Oval 19"/>
+            <p:cNvSpPr/>
+            <p:nvPr/>
+          </p:nvSpPr>
+          <p:spPr>
+            <a:xfrm rot="1056608">
+              <a:off x="2875862" y="743325"/>
+              <a:ext cx="891208" cy="376876"/>
+            </a:xfrm>
+            <a:custGeom>
+              <a:avLst/>
+              <a:gdLst>
+                <a:gd name="connsiteX0" fmla="*/ 0 w 792088"/>
+                <a:gd name="connsiteY0" fmla="*/ 180020 h 360040"/>
+                <a:gd name="connsiteX1" fmla="*/ 396044 w 792088"/>
+                <a:gd name="connsiteY1" fmla="*/ 0 h 360040"/>
+                <a:gd name="connsiteX2" fmla="*/ 792088 w 792088"/>
+                <a:gd name="connsiteY2" fmla="*/ 180020 h 360040"/>
+                <a:gd name="connsiteX3" fmla="*/ 396044 w 792088"/>
+                <a:gd name="connsiteY3" fmla="*/ 360040 h 360040"/>
+                <a:gd name="connsiteX4" fmla="*/ 0 w 792088"/>
+                <a:gd name="connsiteY4" fmla="*/ 180020 h 360040"/>
+                <a:gd name="connsiteX0" fmla="*/ 215 w 792303"/>
+                <a:gd name="connsiteY0" fmla="*/ 57599 h 237619"/>
+                <a:gd name="connsiteX1" fmla="*/ 440714 w 792303"/>
+                <a:gd name="connsiteY1" fmla="*/ 17641 h 237619"/>
+                <a:gd name="connsiteX2" fmla="*/ 792303 w 792303"/>
+                <a:gd name="connsiteY2" fmla="*/ 57599 h 237619"/>
+                <a:gd name="connsiteX3" fmla="*/ 396259 w 792303"/>
+                <a:gd name="connsiteY3" fmla="*/ 237619 h 237619"/>
+                <a:gd name="connsiteX4" fmla="*/ 215 w 792303"/>
+                <a:gd name="connsiteY4" fmla="*/ 57599 h 237619"/>
+                <a:gd name="connsiteX0" fmla="*/ 113 w 792201"/>
+                <a:gd name="connsiteY0" fmla="*/ 81512 h 261532"/>
+                <a:gd name="connsiteX1" fmla="*/ 427910 w 792201"/>
+                <a:gd name="connsiteY1" fmla="*/ 1537 h 261532"/>
+                <a:gd name="connsiteX2" fmla="*/ 792201 w 792201"/>
+                <a:gd name="connsiteY2" fmla="*/ 81512 h 261532"/>
+                <a:gd name="connsiteX3" fmla="*/ 396157 w 792201"/>
+                <a:gd name="connsiteY3" fmla="*/ 261532 h 261532"/>
+                <a:gd name="connsiteX4" fmla="*/ 113 w 792201"/>
+                <a:gd name="connsiteY4" fmla="*/ 81512 h 261532"/>
+                <a:gd name="connsiteX0" fmla="*/ 113 w 792201"/>
+                <a:gd name="connsiteY0" fmla="*/ 95074 h 275094"/>
+                <a:gd name="connsiteX1" fmla="*/ 427910 w 792201"/>
+                <a:gd name="connsiteY1" fmla="*/ 15099 h 275094"/>
+                <a:gd name="connsiteX2" fmla="*/ 792201 w 792201"/>
+                <a:gd name="connsiteY2" fmla="*/ 95074 h 275094"/>
+                <a:gd name="connsiteX3" fmla="*/ 396157 w 792201"/>
+                <a:gd name="connsiteY3" fmla="*/ 275094 h 275094"/>
+                <a:gd name="connsiteX4" fmla="*/ 113 w 792201"/>
+                <a:gd name="connsiteY4" fmla="*/ 95074 h 275094"/>
+                <a:gd name="connsiteX0" fmla="*/ 82 w 891251"/>
+                <a:gd name="connsiteY0" fmla="*/ 80505 h 260960"/>
+                <a:gd name="connsiteX1" fmla="*/ 427879 w 891251"/>
+                <a:gd name="connsiteY1" fmla="*/ 530 h 260960"/>
+                <a:gd name="connsiteX2" fmla="*/ 891251 w 891251"/>
+                <a:gd name="connsiteY2" fmla="*/ 115129 h 260960"/>
+                <a:gd name="connsiteX3" fmla="*/ 396126 w 891251"/>
+                <a:gd name="connsiteY3" fmla="*/ 260525 h 260960"/>
+                <a:gd name="connsiteX4" fmla="*/ 82 w 891251"/>
+                <a:gd name="connsiteY4" fmla="*/ 80505 h 260960"/>
+                <a:gd name="connsiteX0" fmla="*/ 14446 w 905615"/>
+                <a:gd name="connsiteY0" fmla="*/ 183516 h 363971"/>
+                <a:gd name="connsiteX1" fmla="*/ 120185 w 905615"/>
+                <a:gd name="connsiteY1" fmla="*/ 1494 h 363971"/>
+                <a:gd name="connsiteX2" fmla="*/ 442243 w 905615"/>
+                <a:gd name="connsiteY2" fmla="*/ 103541 h 363971"/>
+                <a:gd name="connsiteX3" fmla="*/ 905615 w 905615"/>
+                <a:gd name="connsiteY3" fmla="*/ 218140 h 363971"/>
+                <a:gd name="connsiteX4" fmla="*/ 410490 w 905615"/>
+                <a:gd name="connsiteY4" fmla="*/ 363536 h 363971"/>
+                <a:gd name="connsiteX5" fmla="*/ 14446 w 905615"/>
+                <a:gd name="connsiteY5" fmla="*/ 183516 h 363971"/>
+                <a:gd name="connsiteX0" fmla="*/ 39 w 891208"/>
+                <a:gd name="connsiteY0" fmla="*/ 183516 h 369002"/>
+                <a:gd name="connsiteX1" fmla="*/ 105778 w 891208"/>
+                <a:gd name="connsiteY1" fmla="*/ 1494 h 369002"/>
+                <a:gd name="connsiteX2" fmla="*/ 427836 w 891208"/>
+                <a:gd name="connsiteY2" fmla="*/ 103541 h 369002"/>
+                <a:gd name="connsiteX3" fmla="*/ 891208 w 891208"/>
+                <a:gd name="connsiteY3" fmla="*/ 218140 h 369002"/>
+                <a:gd name="connsiteX4" fmla="*/ 396083 w 891208"/>
+                <a:gd name="connsiteY4" fmla="*/ 363536 h 369002"/>
+                <a:gd name="connsiteX5" fmla="*/ 97835 w 891208"/>
+                <a:gd name="connsiteY5" fmla="*/ 323374 h 369002"/>
+                <a:gd name="connsiteX6" fmla="*/ 39 w 891208"/>
+                <a:gd name="connsiteY6" fmla="*/ 183516 h 369002"/>
+                <a:gd name="connsiteX0" fmla="*/ 39 w 891208"/>
+                <a:gd name="connsiteY0" fmla="*/ 183516 h 376876"/>
+                <a:gd name="connsiteX1" fmla="*/ 105778 w 891208"/>
+                <a:gd name="connsiteY1" fmla="*/ 1494 h 376876"/>
+                <a:gd name="connsiteX2" fmla="*/ 427836 w 891208"/>
+                <a:gd name="connsiteY2" fmla="*/ 103541 h 376876"/>
+                <a:gd name="connsiteX3" fmla="*/ 891208 w 891208"/>
+                <a:gd name="connsiteY3" fmla="*/ 218140 h 376876"/>
+                <a:gd name="connsiteX4" fmla="*/ 396083 w 891208"/>
+                <a:gd name="connsiteY4" fmla="*/ 363536 h 376876"/>
+                <a:gd name="connsiteX5" fmla="*/ 97835 w 891208"/>
+                <a:gd name="connsiteY5" fmla="*/ 323374 h 376876"/>
+                <a:gd name="connsiteX6" fmla="*/ 39 w 891208"/>
+                <a:gd name="connsiteY6" fmla="*/ 183516 h 376876"/>
+              </a:gdLst>
+              <a:ahLst/>
+              <a:cxnLst>
+                <a:cxn ang="0">
+                  <a:pos x="connsiteX0" y="connsiteY0"/>
+                </a:cxn>
+                <a:cxn ang="0">
+                  <a:pos x="connsiteX1" y="connsiteY1"/>
+                </a:cxn>
+                <a:cxn ang="0">
+                  <a:pos x="connsiteX2" y="connsiteY2"/>
+                </a:cxn>
+                <a:cxn ang="0">
+                  <a:pos x="connsiteX3" y="connsiteY3"/>
+                </a:cxn>
+                <a:cxn ang="0">
+                  <a:pos x="connsiteX4" y="connsiteY4"/>
+                </a:cxn>
+                <a:cxn ang="0">
+                  <a:pos x="connsiteX5" y="connsiteY5"/>
+                </a:cxn>
+                <a:cxn ang="0">
+                  <a:pos x="connsiteX6" y="connsiteY6"/>
+                </a:cxn>
+              </a:cxnLst>
+              <a:rect l="l" t="t" r="r" b="b"/>
+              <a:pathLst>
+                <a:path w="891208" h="376876">
+                  <a:moveTo>
+                    <a:pt x="39" y="183516"/>
+                  </a:moveTo>
+                  <a:cubicBezTo>
+                    <a:pt x="1363" y="129869"/>
+                    <a:pt x="34479" y="14823"/>
+                    <a:pt x="105778" y="1494"/>
+                  </a:cubicBezTo>
+                  <a:cubicBezTo>
+                    <a:pt x="177077" y="-11835"/>
+                    <a:pt x="296931" y="67433"/>
+                    <a:pt x="427836" y="103541"/>
+                  </a:cubicBezTo>
+                  <a:cubicBezTo>
+                    <a:pt x="558741" y="139649"/>
+                    <a:pt x="891208" y="118718"/>
+                    <a:pt x="891208" y="218140"/>
+                  </a:cubicBezTo>
+                  <a:cubicBezTo>
+                    <a:pt x="891208" y="317562"/>
+                    <a:pt x="528312" y="345997"/>
+                    <a:pt x="396083" y="363536"/>
+                  </a:cubicBezTo>
+                  <a:cubicBezTo>
+                    <a:pt x="263854" y="381075"/>
+                    <a:pt x="110172" y="392436"/>
+                    <a:pt x="97835" y="323374"/>
+                  </a:cubicBezTo>
+                  <a:cubicBezTo>
+                    <a:pt x="31828" y="293371"/>
+                    <a:pt x="-1285" y="237163"/>
+                    <a:pt x="39" y="183516"/>
+                  </a:cubicBezTo>
+                  <a:close/>
+                </a:path>
+              </a:pathLst>
+            </a:custGeom>
+            <a:solidFill>
+              <a:schemeClr val="accent6">
+                <a:lumMod val="75000"/>
+              </a:schemeClr>
+            </a:solidFill>
+            <a:ln>
+              <a:noFill/>
+            </a:ln>
+            <a:effectLst/>
+          </p:spPr>
+          <p:style>
+            <a:lnRef idx="1">
+              <a:schemeClr val="accent1"/>
+            </a:lnRef>
+            <a:fillRef idx="3">
+              <a:schemeClr val="accent1"/>
+            </a:fillRef>
+            <a:effectRef idx="2">
+              <a:schemeClr val="accent1"/>
+            </a:effectRef>
+            <a:fontRef idx="minor">
+              <a:schemeClr val="lt1"/>
+            </a:fontRef>
+          </p:style>
+          <p:txBody>
+            <a:bodyPr rtlCol="0" anchor="ctr"/>
+            <a:lstStyle/>
+            <a:p>
+              <a:pPr algn="ctr"/>
+              <a:endParaRPr lang="en-US"/>
+            </a:p>
+          </p:txBody>
+        </p:sp>
+        <p:sp>
+          <p:nvSpPr>
+            <p:cNvPr id="46" name="Oval 45"/>
+            <p:cNvSpPr/>
+            <p:nvPr/>
+          </p:nvSpPr>
+          <p:spPr>
+            <a:xfrm rot="20344989">
+              <a:off x="666100" y="3052495"/>
+              <a:ext cx="2128088" cy="1101747"/>
+            </a:xfrm>
+            <a:custGeom>
+              <a:avLst/>
+              <a:gdLst>
+                <a:gd name="connsiteX0" fmla="*/ 0 w 1990060"/>
+                <a:gd name="connsiteY0" fmla="*/ 537259 h 1074518"/>
+                <a:gd name="connsiteX1" fmla="*/ 995030 w 1990060"/>
+                <a:gd name="connsiteY1" fmla="*/ 0 h 1074518"/>
+                <a:gd name="connsiteX2" fmla="*/ 1990060 w 1990060"/>
+                <a:gd name="connsiteY2" fmla="*/ 537259 h 1074518"/>
+                <a:gd name="connsiteX3" fmla="*/ 995030 w 1990060"/>
+                <a:gd name="connsiteY3" fmla="*/ 1074518 h 1074518"/>
+                <a:gd name="connsiteX4" fmla="*/ 0 w 1990060"/>
+                <a:gd name="connsiteY4" fmla="*/ 537259 h 1074518"/>
+                <a:gd name="connsiteX0" fmla="*/ 0 w 1841567"/>
+                <a:gd name="connsiteY0" fmla="*/ 560347 h 1074611"/>
+                <a:gd name="connsiteX1" fmla="*/ 846537 w 1841567"/>
+                <a:gd name="connsiteY1" fmla="*/ 44 h 1074611"/>
+                <a:gd name="connsiteX2" fmla="*/ 1841567 w 1841567"/>
+                <a:gd name="connsiteY2" fmla="*/ 537303 h 1074611"/>
+                <a:gd name="connsiteX3" fmla="*/ 846537 w 1841567"/>
+                <a:gd name="connsiteY3" fmla="*/ 1074562 h 1074611"/>
+                <a:gd name="connsiteX4" fmla="*/ 0 w 1841567"/>
+                <a:gd name="connsiteY4" fmla="*/ 560347 h 1074611"/>
+                <a:gd name="connsiteX0" fmla="*/ 206860 w 2048427"/>
+                <a:gd name="connsiteY0" fmla="*/ 560347 h 1078031"/>
+                <a:gd name="connsiteX1" fmla="*/ 1053397 w 2048427"/>
+                <a:gd name="connsiteY1" fmla="*/ 44 h 1078031"/>
+                <a:gd name="connsiteX2" fmla="*/ 2048427 w 2048427"/>
+                <a:gd name="connsiteY2" fmla="*/ 537303 h 1078031"/>
+                <a:gd name="connsiteX3" fmla="*/ 1053397 w 2048427"/>
+                <a:gd name="connsiteY3" fmla="*/ 1074562 h 1078031"/>
+                <a:gd name="connsiteX4" fmla="*/ 62258 w 2048427"/>
+                <a:gd name="connsiteY4" fmla="*/ 758520 h 1078031"/>
+                <a:gd name="connsiteX5" fmla="*/ 206860 w 2048427"/>
+                <a:gd name="connsiteY5" fmla="*/ 560347 h 1078031"/>
+                <a:gd name="connsiteX0" fmla="*/ 183759 w 2025326"/>
+                <a:gd name="connsiteY0" fmla="*/ 560917 h 1078601"/>
+                <a:gd name="connsiteX1" fmla="*/ 39991 w 2025326"/>
+                <a:gd name="connsiteY1" fmla="*/ 433542 h 1078601"/>
+                <a:gd name="connsiteX2" fmla="*/ 1030296 w 2025326"/>
+                <a:gd name="connsiteY2" fmla="*/ 614 h 1078601"/>
+                <a:gd name="connsiteX3" fmla="*/ 2025326 w 2025326"/>
+                <a:gd name="connsiteY3" fmla="*/ 537873 h 1078601"/>
+                <a:gd name="connsiteX4" fmla="*/ 1030296 w 2025326"/>
+                <a:gd name="connsiteY4" fmla="*/ 1075132 h 1078601"/>
+                <a:gd name="connsiteX5" fmla="*/ 39157 w 2025326"/>
+                <a:gd name="connsiteY5" fmla="*/ 759090 h 1078601"/>
+                <a:gd name="connsiteX6" fmla="*/ 183759 w 2025326"/>
+                <a:gd name="connsiteY6" fmla="*/ 560917 h 1078601"/>
+                <a:gd name="connsiteX0" fmla="*/ 200047 w 2041614"/>
+                <a:gd name="connsiteY0" fmla="*/ 560917 h 1091563"/>
+                <a:gd name="connsiteX1" fmla="*/ 56279 w 2041614"/>
+                <a:gd name="connsiteY1" fmla="*/ 433542 h 1091563"/>
+                <a:gd name="connsiteX2" fmla="*/ 1046584 w 2041614"/>
+                <a:gd name="connsiteY2" fmla="*/ 614 h 1091563"/>
+                <a:gd name="connsiteX3" fmla="*/ 2041614 w 2041614"/>
+                <a:gd name="connsiteY3" fmla="*/ 537873 h 1091563"/>
+                <a:gd name="connsiteX4" fmla="*/ 1046584 w 2041614"/>
+                <a:gd name="connsiteY4" fmla="*/ 1075132 h 1091563"/>
+                <a:gd name="connsiteX5" fmla="*/ 77664 w 2041614"/>
+                <a:gd name="connsiteY5" fmla="*/ 936134 h 1091563"/>
+                <a:gd name="connsiteX6" fmla="*/ 55445 w 2041614"/>
+                <a:gd name="connsiteY6" fmla="*/ 759090 h 1091563"/>
+                <a:gd name="connsiteX7" fmla="*/ 200047 w 2041614"/>
+                <a:gd name="connsiteY7" fmla="*/ 560917 h 1091563"/>
+                <a:gd name="connsiteX0" fmla="*/ 200047 w 2041614"/>
+                <a:gd name="connsiteY0" fmla="*/ 560917 h 1112042"/>
+                <a:gd name="connsiteX1" fmla="*/ 56279 w 2041614"/>
+                <a:gd name="connsiteY1" fmla="*/ 433542 h 1112042"/>
+                <a:gd name="connsiteX2" fmla="*/ 1046584 w 2041614"/>
+                <a:gd name="connsiteY2" fmla="*/ 614 h 1112042"/>
+                <a:gd name="connsiteX3" fmla="*/ 2041614 w 2041614"/>
+                <a:gd name="connsiteY3" fmla="*/ 537873 h 1112042"/>
+                <a:gd name="connsiteX4" fmla="*/ 1046584 w 2041614"/>
+                <a:gd name="connsiteY4" fmla="*/ 1075132 h 1112042"/>
+                <a:gd name="connsiteX5" fmla="*/ 77664 w 2041614"/>
+                <a:gd name="connsiteY5" fmla="*/ 936134 h 1112042"/>
+                <a:gd name="connsiteX6" fmla="*/ 55445 w 2041614"/>
+                <a:gd name="connsiteY6" fmla="*/ 759090 h 1112042"/>
+                <a:gd name="connsiteX7" fmla="*/ 200047 w 2041614"/>
+                <a:gd name="connsiteY7" fmla="*/ 560917 h 1112042"/>
+                <a:gd name="connsiteX0" fmla="*/ 183759 w 2025326"/>
+                <a:gd name="connsiteY0" fmla="*/ 560917 h 1102060"/>
+                <a:gd name="connsiteX1" fmla="*/ 39991 w 2025326"/>
+                <a:gd name="connsiteY1" fmla="*/ 433542 h 1102060"/>
+                <a:gd name="connsiteX2" fmla="*/ 1030296 w 2025326"/>
+                <a:gd name="connsiteY2" fmla="*/ 614 h 1102060"/>
+                <a:gd name="connsiteX3" fmla="*/ 2025326 w 2025326"/>
+                <a:gd name="connsiteY3" fmla="*/ 537873 h 1102060"/>
+                <a:gd name="connsiteX4" fmla="*/ 1030296 w 2025326"/>
+                <a:gd name="connsiteY4" fmla="*/ 1075132 h 1102060"/>
+                <a:gd name="connsiteX5" fmla="*/ 242156 w 2025326"/>
+                <a:gd name="connsiteY5" fmla="*/ 904097 h 1102060"/>
+                <a:gd name="connsiteX6" fmla="*/ 39157 w 2025326"/>
+                <a:gd name="connsiteY6" fmla="*/ 759090 h 1102060"/>
+                <a:gd name="connsiteX7" fmla="*/ 183759 w 2025326"/>
+                <a:gd name="connsiteY7" fmla="*/ 560917 h 1102060"/>
+                <a:gd name="connsiteX0" fmla="*/ 252615 w 2094182"/>
+                <a:gd name="connsiteY0" fmla="*/ 560917 h 1101710"/>
+                <a:gd name="connsiteX1" fmla="*/ 108847 w 2094182"/>
+                <a:gd name="connsiteY1" fmla="*/ 433542 h 1101710"/>
+                <a:gd name="connsiteX2" fmla="*/ 1099152 w 2094182"/>
+                <a:gd name="connsiteY2" fmla="*/ 614 h 1101710"/>
+                <a:gd name="connsiteX3" fmla="*/ 2094182 w 2094182"/>
+                <a:gd name="connsiteY3" fmla="*/ 537873 h 1101710"/>
+                <a:gd name="connsiteX4" fmla="*/ 1099152 w 2094182"/>
+                <a:gd name="connsiteY4" fmla="*/ 1075132 h 1101710"/>
+                <a:gd name="connsiteX5" fmla="*/ 24134 w 2094182"/>
+                <a:gd name="connsiteY5" fmla="*/ 1007949 h 1101710"/>
+                <a:gd name="connsiteX6" fmla="*/ 311012 w 2094182"/>
+                <a:gd name="connsiteY6" fmla="*/ 904097 h 1101710"/>
+                <a:gd name="connsiteX7" fmla="*/ 108013 w 2094182"/>
+                <a:gd name="connsiteY7" fmla="*/ 759090 h 1101710"/>
+                <a:gd name="connsiteX8" fmla="*/ 252615 w 2094182"/>
+                <a:gd name="connsiteY8" fmla="*/ 560917 h 1101710"/>
+                <a:gd name="connsiteX0" fmla="*/ 288979 w 2130546"/>
+                <a:gd name="connsiteY0" fmla="*/ 560917 h 1101710"/>
+                <a:gd name="connsiteX1" fmla="*/ 145211 w 2130546"/>
+                <a:gd name="connsiteY1" fmla="*/ 433542 h 1101710"/>
+                <a:gd name="connsiteX2" fmla="*/ 1135516 w 2130546"/>
+                <a:gd name="connsiteY2" fmla="*/ 614 h 1101710"/>
+                <a:gd name="connsiteX3" fmla="*/ 2130546 w 2130546"/>
+                <a:gd name="connsiteY3" fmla="*/ 537873 h 1101710"/>
+                <a:gd name="connsiteX4" fmla="*/ 1135516 w 2130546"/>
+                <a:gd name="connsiteY4" fmla="*/ 1075132 h 1101710"/>
+                <a:gd name="connsiteX5" fmla="*/ 60498 w 2130546"/>
+                <a:gd name="connsiteY5" fmla="*/ 1007949 h 1101710"/>
+                <a:gd name="connsiteX6" fmla="*/ 347376 w 2130546"/>
+                <a:gd name="connsiteY6" fmla="*/ 904097 h 1101710"/>
+                <a:gd name="connsiteX7" fmla="*/ 31351 w 2130546"/>
+                <a:gd name="connsiteY7" fmla="*/ 760839 h 1101710"/>
+                <a:gd name="connsiteX8" fmla="*/ 288979 w 2130546"/>
+                <a:gd name="connsiteY8" fmla="*/ 560917 h 1101710"/>
+                <a:gd name="connsiteX0" fmla="*/ 317397 w 2128682"/>
+                <a:gd name="connsiteY0" fmla="*/ 628675 h 1101710"/>
+                <a:gd name="connsiteX1" fmla="*/ 143347 w 2128682"/>
+                <a:gd name="connsiteY1" fmla="*/ 433542 h 1101710"/>
+                <a:gd name="connsiteX2" fmla="*/ 1133652 w 2128682"/>
+                <a:gd name="connsiteY2" fmla="*/ 614 h 1101710"/>
+                <a:gd name="connsiteX3" fmla="*/ 2128682 w 2128682"/>
+                <a:gd name="connsiteY3" fmla="*/ 537873 h 1101710"/>
+                <a:gd name="connsiteX4" fmla="*/ 1133652 w 2128682"/>
+                <a:gd name="connsiteY4" fmla="*/ 1075132 h 1101710"/>
+                <a:gd name="connsiteX5" fmla="*/ 58634 w 2128682"/>
+                <a:gd name="connsiteY5" fmla="*/ 1007949 h 1101710"/>
+                <a:gd name="connsiteX6" fmla="*/ 345512 w 2128682"/>
+                <a:gd name="connsiteY6" fmla="*/ 904097 h 1101710"/>
+                <a:gd name="connsiteX7" fmla="*/ 29487 w 2128682"/>
+                <a:gd name="connsiteY7" fmla="*/ 760839 h 1101710"/>
+                <a:gd name="connsiteX8" fmla="*/ 317397 w 2128682"/>
+                <a:gd name="connsiteY8" fmla="*/ 628675 h 1101710"/>
+                <a:gd name="connsiteX0" fmla="*/ 317397 w 2128682"/>
+                <a:gd name="connsiteY0" fmla="*/ 628675 h 1101710"/>
+                <a:gd name="connsiteX1" fmla="*/ 143347 w 2128682"/>
+                <a:gd name="connsiteY1" fmla="*/ 433542 h 1101710"/>
+                <a:gd name="connsiteX2" fmla="*/ 1133652 w 2128682"/>
+                <a:gd name="connsiteY2" fmla="*/ 614 h 1101710"/>
+                <a:gd name="connsiteX3" fmla="*/ 2128682 w 2128682"/>
+                <a:gd name="connsiteY3" fmla="*/ 537873 h 1101710"/>
+                <a:gd name="connsiteX4" fmla="*/ 1133652 w 2128682"/>
+                <a:gd name="connsiteY4" fmla="*/ 1075132 h 1101710"/>
+                <a:gd name="connsiteX5" fmla="*/ 58634 w 2128682"/>
+                <a:gd name="connsiteY5" fmla="*/ 1007949 h 1101710"/>
+                <a:gd name="connsiteX6" fmla="*/ 334837 w 2128682"/>
+                <a:gd name="connsiteY6" fmla="*/ 843833 h 1101710"/>
+                <a:gd name="connsiteX7" fmla="*/ 29487 w 2128682"/>
+                <a:gd name="connsiteY7" fmla="*/ 760839 h 1101710"/>
+                <a:gd name="connsiteX8" fmla="*/ 317397 w 2128682"/>
+                <a:gd name="connsiteY8" fmla="*/ 628675 h 1101710"/>
+                <a:gd name="connsiteX0" fmla="*/ 317397 w 2128682"/>
+                <a:gd name="connsiteY0" fmla="*/ 628675 h 1101710"/>
+                <a:gd name="connsiteX1" fmla="*/ 143347 w 2128682"/>
+                <a:gd name="connsiteY1" fmla="*/ 433542 h 1101710"/>
+                <a:gd name="connsiteX2" fmla="*/ 1133652 w 2128682"/>
+                <a:gd name="connsiteY2" fmla="*/ 614 h 1101710"/>
+                <a:gd name="connsiteX3" fmla="*/ 2128682 w 2128682"/>
+                <a:gd name="connsiteY3" fmla="*/ 537873 h 1101710"/>
+                <a:gd name="connsiteX4" fmla="*/ 1133652 w 2128682"/>
+                <a:gd name="connsiteY4" fmla="*/ 1075132 h 1101710"/>
+                <a:gd name="connsiteX5" fmla="*/ 58634 w 2128682"/>
+                <a:gd name="connsiteY5" fmla="*/ 1007949 h 1101710"/>
+                <a:gd name="connsiteX6" fmla="*/ 334837 w 2128682"/>
+                <a:gd name="connsiteY6" fmla="*/ 843833 h 1101710"/>
+                <a:gd name="connsiteX7" fmla="*/ 29487 w 2128682"/>
+                <a:gd name="connsiteY7" fmla="*/ 760839 h 1101710"/>
+                <a:gd name="connsiteX8" fmla="*/ 317397 w 2128682"/>
+                <a:gd name="connsiteY8" fmla="*/ 628675 h 1101710"/>
+                <a:gd name="connsiteX0" fmla="*/ 316803 w 2128088"/>
+                <a:gd name="connsiteY0" fmla="*/ 628712 h 1101747"/>
+                <a:gd name="connsiteX1" fmla="*/ 76436 w 2128088"/>
+                <a:gd name="connsiteY1" fmla="*/ 430707 h 1101747"/>
+                <a:gd name="connsiteX2" fmla="*/ 1133058 w 2128088"/>
+                <a:gd name="connsiteY2" fmla="*/ 651 h 1101747"/>
+                <a:gd name="connsiteX3" fmla="*/ 2128088 w 2128088"/>
+                <a:gd name="connsiteY3" fmla="*/ 537910 h 1101747"/>
+                <a:gd name="connsiteX4" fmla="*/ 1133058 w 2128088"/>
+                <a:gd name="connsiteY4" fmla="*/ 1075169 h 1101747"/>
+                <a:gd name="connsiteX5" fmla="*/ 58040 w 2128088"/>
+                <a:gd name="connsiteY5" fmla="*/ 1007986 h 1101747"/>
+                <a:gd name="connsiteX6" fmla="*/ 334243 w 2128088"/>
+                <a:gd name="connsiteY6" fmla="*/ 843870 h 1101747"/>
+                <a:gd name="connsiteX7" fmla="*/ 28893 w 2128088"/>
+                <a:gd name="connsiteY7" fmla="*/ 760876 h 1101747"/>
+                <a:gd name="connsiteX8" fmla="*/ 316803 w 2128088"/>
+                <a:gd name="connsiteY8" fmla="*/ 628712 h 1101747"/>
+              </a:gdLst>
+              <a:ahLst/>
+              <a:cxnLst>
+                <a:cxn ang="0">
+                  <a:pos x="connsiteX0" y="connsiteY0"/>
+                </a:cxn>
+                <a:cxn ang="0">
+                  <a:pos x="connsiteX1" y="connsiteY1"/>
+                </a:cxn>
+                <a:cxn ang="0">
+                  <a:pos x="connsiteX2" y="connsiteY2"/>
+                </a:cxn>
+                <a:cxn ang="0">
+                  <a:pos x="connsiteX3" y="connsiteY3"/>
+                </a:cxn>
+                <a:cxn ang="0">
+                  <a:pos x="connsiteX4" y="connsiteY4"/>
+                </a:cxn>
+                <a:cxn ang="0">
+                  <a:pos x="connsiteX5" y="connsiteY5"/>
+                </a:cxn>
+                <a:cxn ang="0">
+                  <a:pos x="connsiteX6" y="connsiteY6"/>
+                </a:cxn>
+                <a:cxn ang="0">
+                  <a:pos x="connsiteX7" y="connsiteY7"/>
+                </a:cxn>
+                <a:cxn ang="0">
+                  <a:pos x="connsiteX8" y="connsiteY8"/>
+                </a:cxn>
+              </a:cxnLst>
+              <a:rect l="l" t="t" r="r" b="b"/>
+              <a:pathLst>
+                <a:path w="2128088" h="1101747">
+                  <a:moveTo>
+                    <a:pt x="316803" y="628712"/>
+                  </a:moveTo>
+                  <a:cubicBezTo>
+                    <a:pt x="324727" y="573684"/>
+                    <a:pt x="-64653" y="524091"/>
+                    <a:pt x="76436" y="430707"/>
+                  </a:cubicBezTo>
+                  <a:cubicBezTo>
+                    <a:pt x="217525" y="337323"/>
+                    <a:pt x="791116" y="-17216"/>
+                    <a:pt x="1133058" y="651"/>
+                  </a:cubicBezTo>
+                  <a:cubicBezTo>
+                    <a:pt x="1475000" y="18518"/>
+                    <a:pt x="2128088" y="241190"/>
+                    <a:pt x="2128088" y="537910"/>
+                  </a:cubicBezTo>
+                  <a:cubicBezTo>
+                    <a:pt x="2128088" y="834630"/>
+                    <a:pt x="1478066" y="996823"/>
+                    <a:pt x="1133058" y="1075169"/>
+                  </a:cubicBezTo>
+                  <a:cubicBezTo>
+                    <a:pt x="788050" y="1153515"/>
+                    <a:pt x="189397" y="1036492"/>
+                    <a:pt x="58040" y="1007986"/>
+                  </a:cubicBezTo>
+                  <a:cubicBezTo>
+                    <a:pt x="-73317" y="979480"/>
+                    <a:pt x="365099" y="885627"/>
+                    <a:pt x="334243" y="843870"/>
+                  </a:cubicBezTo>
+                  <a:cubicBezTo>
+                    <a:pt x="179726" y="851460"/>
+                    <a:pt x="36847" y="808028"/>
+                    <a:pt x="28893" y="760876"/>
+                  </a:cubicBezTo>
+                  <a:cubicBezTo>
+                    <a:pt x="-112196" y="675174"/>
+                    <a:pt x="308879" y="683740"/>
+                    <a:pt x="316803" y="628712"/>
+                  </a:cubicBezTo>
+                  <a:close/>
+                </a:path>
+              </a:pathLst>
+            </a:custGeom>
+            <a:solidFill>
+              <a:srgbClr val="EDED00"/>
+            </a:solidFill>
+            <a:ln>
+              <a:noFill/>
+            </a:ln>
+          </p:spPr>
+          <p:style>
+            <a:lnRef idx="1">
+              <a:schemeClr val="accent1"/>
+            </a:lnRef>
+            <a:fillRef idx="3">
+              <a:schemeClr val="accent1"/>
+            </a:fillRef>
+            <a:effectRef idx="2">
+              <a:schemeClr val="accent1"/>
+            </a:effectRef>
+            <a:fontRef idx="minor">
+              <a:schemeClr val="lt1"/>
+            </a:fontRef>
+          </p:style>
+          <p:txBody>
+            <a:bodyPr rtlCol="0" anchor="ctr"/>
+            <a:lstStyle/>
+            <a:p>
+              <a:pPr algn="ctr"/>
+              <a:endParaRPr lang="en-US"/>
+            </a:p>
+          </p:txBody>
+        </p:sp>
+        <p:grpSp>
+          <p:nvGrpSpPr>
+            <p:cNvPr id="48" name="Group 47"/>
+            <p:cNvGrpSpPr/>
+            <p:nvPr/>
+          </p:nvGrpSpPr>
+          <p:grpSpPr>
+            <a:xfrm>
+              <a:off x="2627784" y="548680"/>
+              <a:ext cx="266328" cy="266328"/>
+              <a:chOff x="4572000" y="908720"/>
+              <a:chExt cx="914400" cy="914400"/>
+            </a:xfrm>
+          </p:grpSpPr>
+          <p:sp>
+            <p:nvSpPr>
+              <p:cNvPr id="47" name="Oval 46"/>
+              <p:cNvSpPr/>
+              <p:nvPr/>
+            </p:nvSpPr>
+            <p:spPr>
+              <a:xfrm>
+                <a:off x="4572000" y="908720"/>
+                <a:ext cx="914400" cy="914400"/>
+              </a:xfrm>
+              <a:prstGeom prst="ellipse">
+                <a:avLst/>
+              </a:prstGeom>
+              <a:solidFill>
+                <a:schemeClr val="bg1"/>
+              </a:solidFill>
+              <a:ln>
+                <a:noFill/>
+              </a:ln>
+              <a:effectLst/>
+            </p:spPr>
+            <p:style>
+              <a:lnRef idx="1">
+                <a:schemeClr val="accent1"/>
+              </a:lnRef>
+              <a:fillRef idx="3">
+                <a:schemeClr val="accent1"/>
+              </a:fillRef>
+              <a:effectRef idx="2">
+                <a:schemeClr val="accent1"/>
+              </a:effectRef>
+              <a:fontRef idx="minor">
+                <a:schemeClr val="lt1"/>
+              </a:fontRef>
+            </p:style>
+            <p:txBody>
+              <a:bodyPr rtlCol="0" anchor="ctr"/>
+              <a:lstStyle/>
+              <a:p>
+                <a:pPr algn="ctr"/>
+                <a:endParaRPr lang="en-US"/>
+              </a:p>
+            </p:txBody>
+          </p:sp>
+          <p:sp>
+            <p:nvSpPr>
+              <p:cNvPr id="50" name="Oval 49"/>
+              <p:cNvSpPr/>
+              <p:nvPr/>
+            </p:nvSpPr>
+            <p:spPr>
+              <a:xfrm>
+                <a:off x="4788024" y="1052736"/>
+                <a:ext cx="634752" cy="634752"/>
+              </a:xfrm>
+              <a:prstGeom prst="ellipse">
+                <a:avLst/>
+              </a:prstGeom>
+              <a:solidFill>
+                <a:schemeClr val="tx1">
+                  <a:lumMod val="95000"/>
+                  <a:lumOff val="5000"/>
+                </a:schemeClr>
+              </a:solidFill>
+              <a:ln>
+                <a:noFill/>
+              </a:ln>
+              <a:effectLst/>
+            </p:spPr>
+            <p:style>
+              <a:lnRef idx="1">
+                <a:schemeClr val="accent1"/>
+              </a:lnRef>
+              <a:fillRef idx="3">
+                <a:schemeClr val="accent1"/>
+              </a:fillRef>
+              <a:effectRef idx="2">
+                <a:schemeClr val="accent1"/>
+              </a:effectRef>
+              <a:fontRef idx="minor">
+                <a:schemeClr val="lt1"/>
+              </a:fontRef>
+            </p:style>
+            <p:txBody>
+              <a:bodyPr rtlCol="0" anchor="ctr"/>
+              <a:lstStyle/>
+              <a:p>
+                <a:pPr algn="ctr"/>
+                <a:endParaRPr lang="en-US"/>
+              </a:p>
+            </p:txBody>
+          </p:sp>
+        </p:grpSp>
+      </p:grpSp>
+    </p:spTree>
+    <p:extLst>
+      <p:ext uri="{BB962C8B-B14F-4D97-AF65-F5344CB8AC3E}">
+        <p14:creationId xmlns:p14="http://schemas.microsoft.com/office/powerpoint/2010/main" val="3567722811"/>
+      </p:ext>
+    </p:extLst>
+  </p:cSld>
+  <p:clrMapOvr>
+    <a:masterClrMapping/>
+  </p:clrMapOvr>
+  <p:timing>
+    <p:tnLst>
+      <p:par>
+        <p:cTn xmlns:p14="http://schemas.microsoft.com/office/powerpoint/2010/main" id="1" dur="indefinite" restart="never" nodeType="tmRoot"/>
+      </p:par>
+    </p:tnLst>
+  </p:timing>
+</p:sld>
+</file>
+
+<file path=ppt/slides/slide2.xml><?xml version="1.0" encoding="utf-8"?>
+<p:sld xmlns:a="http://schemas.openxmlformats.org/drawingml/2006/main" xmlns:r="http://schemas.openxmlformats.org/officeDocument/2006/relationships" xmlns:p="http://schemas.openxmlformats.org/presentationml/2006/main">
+  <p:cSld>
+    <p:spTree>
+      <p:nvGrpSpPr>
+        <p:cNvPr id="1" name=""/>
+        <p:cNvGrpSpPr/>
+        <p:nvPr/>
+      </p:nvGrpSpPr>
+      <p:grpSpPr>
+        <a:xfrm>
+          <a:off x="0" y="0"/>
+          <a:ext cx="0" cy="0"/>
+          <a:chOff x="0" y="0"/>
+          <a:chExt cx="0" cy="0"/>
+        </a:xfrm>
+      </p:grpSpPr>
+      <p:sp>
+        <p:nvSpPr>
+          <p:cNvPr id="4" name="Elipse 3"/>
+          <p:cNvSpPr/>
+          <p:nvPr/>
+        </p:nvSpPr>
+        <p:spPr>
+          <a:xfrm>
+            <a:off x="7028073" y="0"/>
+            <a:ext cx="1944216" cy="1855893"/>
+          </a:xfrm>
+          <a:prstGeom prst="ellipse">
+            <a:avLst/>
+          </a:prstGeom>
+          <a:solidFill>
+            <a:srgbClr val="FFFF00"/>
+          </a:solidFill>
+          <a:ln>
+            <a:noFill/>
+          </a:ln>
+        </p:spPr>
+        <p:style>
+          <a:lnRef idx="2">
+            <a:schemeClr val="accent1">
+              <a:shade val="50000"/>
+            </a:schemeClr>
+          </a:lnRef>
+          <a:fillRef idx="1">
+            <a:schemeClr val="accent1"/>
+          </a:fillRef>
+          <a:effectRef idx="0">
+            <a:schemeClr val="accent1"/>
+          </a:effectRef>
+          <a:fontRef idx="minor">
+            <a:schemeClr val="lt1"/>
+          </a:fontRef>
+        </p:style>
+        <p:txBody>
+          <a:bodyPr rtlCol="0" anchor="ctr"/>
+          <a:lstStyle/>
+          <a:p>
+            <a:pPr algn="ctr"/>
+            <a:endParaRPr lang="pt-BR"/>
+          </a:p>
+        </p:txBody>
+      </p:sp>
+      <p:sp>
+        <p:nvSpPr>
+          <p:cNvPr id="5" name="Retângulo 4"/>
+          <p:cNvSpPr/>
+          <p:nvPr/>
+        </p:nvSpPr>
+        <p:spPr>
+          <a:xfrm>
+            <a:off x="0" y="2186608"/>
+            <a:ext cx="9144000" cy="4671392"/>
           </a:xfrm>
           <a:prstGeom prst="rect">
             <a:avLst/>
@@ -3327,7 +7293,96 @@
       </p:sp>
       <p:sp>
         <p:nvSpPr>
-          <p:cNvPr id="10" name="Retângulo 9"/>
+          <p:cNvPr id="6" name="Elipse 5"/>
+          <p:cNvSpPr/>
+          <p:nvPr/>
+        </p:nvSpPr>
+        <p:spPr>
+          <a:xfrm>
+            <a:off x="611560" y="4349503"/>
+            <a:ext cx="2632632" cy="2048222"/>
+          </a:xfrm>
+          <a:prstGeom prst="ellipse">
+            <a:avLst/>
+          </a:prstGeom>
+        </p:spPr>
+        <p:style>
+          <a:lnRef idx="2">
+            <a:schemeClr val="accent1">
+              <a:shade val="50000"/>
+            </a:schemeClr>
+          </a:lnRef>
+          <a:fillRef idx="1">
+            <a:schemeClr val="accent1"/>
+          </a:fillRef>
+          <a:effectRef idx="0">
+            <a:schemeClr val="accent1"/>
+          </a:effectRef>
+          <a:fontRef idx="minor">
+            <a:schemeClr val="lt1"/>
+          </a:fontRef>
+        </p:style>
+        <p:txBody>
+          <a:bodyPr rtlCol="0" anchor="ctr"/>
+          <a:lstStyle/>
+          <a:p>
+            <a:pPr algn="ctr"/>
+            <a:endParaRPr lang="pt-BR"/>
+          </a:p>
+        </p:txBody>
+      </p:sp>
+      <p:sp>
+        <p:nvSpPr>
+          <p:cNvPr id="7" name="Retângulo 6"/>
+          <p:cNvSpPr/>
+          <p:nvPr/>
+        </p:nvSpPr>
+        <p:spPr>
+          <a:xfrm>
+            <a:off x="467544" y="188640"/>
+            <a:ext cx="2016224" cy="3168352"/>
+          </a:xfrm>
+          <a:prstGeom prst="rect">
+            <a:avLst/>
+          </a:prstGeom>
+          <a:solidFill>
+            <a:schemeClr val="tx2">
+              <a:lumMod val="60000"/>
+              <a:lumOff val="40000"/>
+            </a:schemeClr>
+          </a:solidFill>
+          <a:ln>
+            <a:noFill/>
+          </a:ln>
+        </p:spPr>
+        <p:style>
+          <a:lnRef idx="2">
+            <a:schemeClr val="accent1">
+              <a:shade val="50000"/>
+            </a:schemeClr>
+          </a:lnRef>
+          <a:fillRef idx="1">
+            <a:schemeClr val="accent1"/>
+          </a:fillRef>
+          <a:effectRef idx="0">
+            <a:schemeClr val="accent1"/>
+          </a:effectRef>
+          <a:fontRef idx="minor">
+            <a:schemeClr val="lt1"/>
+          </a:fontRef>
+        </p:style>
+        <p:txBody>
+          <a:bodyPr rtlCol="0" anchor="ctr"/>
+          <a:lstStyle/>
+          <a:p>
+            <a:pPr algn="ctr"/>
+            <a:endParaRPr lang="pt-BR"/>
+          </a:p>
+        </p:txBody>
+      </p:sp>
+      <p:sp>
+        <p:nvSpPr>
+          <p:cNvPr id="8" name="Retângulo 7"/>
           <p:cNvSpPr/>
           <p:nvPr/>
         </p:nvSpPr>
@@ -3367,7 +7422,7 @@
       </p:sp>
       <p:sp>
         <p:nvSpPr>
-          <p:cNvPr id="12" name="Forma livre 11"/>
+          <p:cNvPr id="9" name="Forma livre 8"/>
           <p:cNvSpPr/>
           <p:nvPr/>
         </p:nvSpPr>
@@ -3672,1048 +7727,6 @@
           </a:p>
         </p:txBody>
       </p:sp>
-      <p:pic>
-        <p:nvPicPr>
-          <p:cNvPr id="1027" name="Picture 3"/>
-          <p:cNvPicPr>
-            <a:picLocks noChangeAspect="1" noChangeArrowheads="1"/>
-          </p:cNvPicPr>
-          <p:nvPr/>
-        </p:nvPicPr>
-        <p:blipFill>
-          <a:blip r:embed="rId3">
-            <a:extLst>
-              <a:ext uri="{28A0092B-C50C-407E-A947-70E740481C1C}">
-                <a14:useLocalDpi xmlns:a14="http://schemas.microsoft.com/office/drawing/2010/main" val="0"/>
-              </a:ext>
-            </a:extLst>
-          </a:blip>
-          <a:srcRect/>
-          <a:stretch>
-            <a:fillRect/>
-          </a:stretch>
-        </p:blipFill>
-        <p:spPr bwMode="auto">
-          <a:xfrm>
-            <a:off x="8388424" y="658349"/>
-            <a:ext cx="4286250" cy="2705100"/>
-          </a:xfrm>
-          <a:prstGeom prst="rect">
-            <a:avLst/>
-          </a:prstGeom>
-          <a:noFill/>
-          <a:ln>
-            <a:noFill/>
-          </a:ln>
-          <a:extLst>
-            <a:ext uri="{909E8E84-426E-40DD-AFC4-6F175D3DCCD1}">
-              <a14:hiddenFill xmlns:a14="http://schemas.microsoft.com/office/drawing/2010/main">
-                <a:solidFill>
-                  <a:schemeClr val="accent1"/>
-                </a:solidFill>
-              </a14:hiddenFill>
-            </a:ext>
-            <a:ext uri="{91240B29-F687-4F45-9708-019B960494DF}">
-              <a14:hiddenLine xmlns:a14="http://schemas.microsoft.com/office/drawing/2010/main" w="9525">
-                <a:solidFill>
-                  <a:schemeClr val="tx1"/>
-                </a:solidFill>
-                <a:miter lim="800000"/>
-                <a:headEnd/>
-                <a:tailEnd/>
-              </a14:hiddenLine>
-            </a:ext>
-          </a:extLst>
-        </p:spPr>
-      </p:pic>
-      <p:sp>
-        <p:nvSpPr>
-          <p:cNvPr id="18" name="Elipse 17"/>
-          <p:cNvSpPr/>
-          <p:nvPr/>
-        </p:nvSpPr>
-        <p:spPr>
-          <a:xfrm rot="1205386">
-            <a:off x="2715812" y="3912820"/>
-            <a:ext cx="772883" cy="915015"/>
-          </a:xfrm>
-          <a:prstGeom prst="ellipse">
-            <a:avLst/>
-          </a:prstGeom>
-          <a:solidFill>
-            <a:schemeClr val="bg2"/>
-          </a:solidFill>
-          <a:ln>
-            <a:noFill/>
-          </a:ln>
-        </p:spPr>
-        <p:style>
-          <a:lnRef idx="2">
-            <a:schemeClr val="accent1">
-              <a:shade val="50000"/>
-            </a:schemeClr>
-          </a:lnRef>
-          <a:fillRef idx="1">
-            <a:schemeClr val="accent1"/>
-          </a:fillRef>
-          <a:effectRef idx="0">
-            <a:schemeClr val="accent1"/>
-          </a:effectRef>
-          <a:fontRef idx="minor">
-            <a:schemeClr val="lt1"/>
-          </a:fontRef>
-        </p:style>
-        <p:txBody>
-          <a:bodyPr rtlCol="0" anchor="ctr"/>
-          <a:lstStyle/>
-          <a:p>
-            <a:pPr algn="ctr"/>
-            <a:endParaRPr lang="pt-BR"/>
-          </a:p>
-        </p:txBody>
-      </p:sp>
-      <p:sp>
-        <p:nvSpPr>
-          <p:cNvPr id="22" name="Elipse 21"/>
-          <p:cNvSpPr/>
-          <p:nvPr/>
-        </p:nvSpPr>
-        <p:spPr>
-          <a:xfrm>
-            <a:off x="2097326" y="3209736"/>
-            <a:ext cx="772883" cy="915015"/>
-          </a:xfrm>
-          <a:prstGeom prst="ellipse">
-            <a:avLst/>
-          </a:prstGeom>
-          <a:solidFill>
-            <a:schemeClr val="bg2"/>
-          </a:solidFill>
-          <a:ln>
-            <a:noFill/>
-          </a:ln>
-        </p:spPr>
-        <p:style>
-          <a:lnRef idx="2">
-            <a:schemeClr val="accent1">
-              <a:shade val="50000"/>
-            </a:schemeClr>
-          </a:lnRef>
-          <a:fillRef idx="1">
-            <a:schemeClr val="accent1"/>
-          </a:fillRef>
-          <a:effectRef idx="0">
-            <a:schemeClr val="accent1"/>
-          </a:effectRef>
-          <a:fontRef idx="minor">
-            <a:schemeClr val="lt1"/>
-          </a:fontRef>
-        </p:style>
-        <p:txBody>
-          <a:bodyPr rtlCol="0" anchor="ctr"/>
-          <a:lstStyle/>
-          <a:p>
-            <a:pPr algn="ctr"/>
-            <a:endParaRPr lang="pt-BR"/>
-          </a:p>
-        </p:txBody>
-      </p:sp>
-      <p:sp>
-        <p:nvSpPr>
-          <p:cNvPr id="23" name="Elipse 22"/>
-          <p:cNvSpPr/>
-          <p:nvPr/>
-        </p:nvSpPr>
-        <p:spPr>
-          <a:xfrm rot="17524477">
-            <a:off x="3484281" y="3282278"/>
-            <a:ext cx="772883" cy="915015"/>
-          </a:xfrm>
-          <a:prstGeom prst="ellipse">
-            <a:avLst/>
-          </a:prstGeom>
-          <a:solidFill>
-            <a:schemeClr val="bg2"/>
-          </a:solidFill>
-          <a:ln>
-            <a:noFill/>
-          </a:ln>
-        </p:spPr>
-        <p:style>
-          <a:lnRef idx="2">
-            <a:schemeClr val="accent1">
-              <a:shade val="50000"/>
-            </a:schemeClr>
-          </a:lnRef>
-          <a:fillRef idx="1">
-            <a:schemeClr val="accent1"/>
-          </a:fillRef>
-          <a:effectRef idx="0">
-            <a:schemeClr val="accent1"/>
-          </a:effectRef>
-          <a:fontRef idx="minor">
-            <a:schemeClr val="lt1"/>
-          </a:fontRef>
-        </p:style>
-        <p:txBody>
-          <a:bodyPr rtlCol="0" anchor="ctr"/>
-          <a:lstStyle/>
-          <a:p>
-            <a:pPr algn="ctr"/>
-            <a:endParaRPr lang="pt-BR"/>
-          </a:p>
-        </p:txBody>
-      </p:sp>
-      <p:sp>
-        <p:nvSpPr>
-          <p:cNvPr id="24" name="Elipse 23"/>
-          <p:cNvSpPr/>
-          <p:nvPr/>
-        </p:nvSpPr>
-        <p:spPr>
-          <a:xfrm>
-            <a:off x="2715813" y="2448434"/>
-            <a:ext cx="772883" cy="915015"/>
-          </a:xfrm>
-          <a:prstGeom prst="ellipse">
-            <a:avLst/>
-          </a:prstGeom>
-          <a:solidFill>
-            <a:schemeClr val="bg2"/>
-          </a:solidFill>
-          <a:ln>
-            <a:noFill/>
-          </a:ln>
-        </p:spPr>
-        <p:style>
-          <a:lnRef idx="2">
-            <a:schemeClr val="accent1">
-              <a:shade val="50000"/>
-            </a:schemeClr>
-          </a:lnRef>
-          <a:fillRef idx="1">
-            <a:schemeClr val="accent1"/>
-          </a:fillRef>
-          <a:effectRef idx="0">
-            <a:schemeClr val="accent1"/>
-          </a:effectRef>
-          <a:fontRef idx="minor">
-            <a:schemeClr val="lt1"/>
-          </a:fontRef>
-        </p:style>
-        <p:txBody>
-          <a:bodyPr rtlCol="0" anchor="ctr"/>
-          <a:lstStyle/>
-          <a:p>
-            <a:pPr algn="ctr"/>
-            <a:endParaRPr lang="pt-BR"/>
-          </a:p>
-        </p:txBody>
-      </p:sp>
-      <p:sp>
-        <p:nvSpPr>
-          <p:cNvPr id="25" name="Elipse 24"/>
-          <p:cNvSpPr/>
-          <p:nvPr/>
-        </p:nvSpPr>
-        <p:spPr>
-          <a:xfrm rot="21091810">
-            <a:off x="1138768" y="3261664"/>
-            <a:ext cx="772883" cy="915015"/>
-          </a:xfrm>
-          <a:prstGeom prst="ellipse">
-            <a:avLst/>
-          </a:prstGeom>
-          <a:solidFill>
-            <a:schemeClr val="bg2"/>
-          </a:solidFill>
-          <a:ln>
-            <a:noFill/>
-          </a:ln>
-        </p:spPr>
-        <p:style>
-          <a:lnRef idx="2">
-            <a:schemeClr val="accent1">
-              <a:shade val="50000"/>
-            </a:schemeClr>
-          </a:lnRef>
-          <a:fillRef idx="1">
-            <a:schemeClr val="accent1"/>
-          </a:fillRef>
-          <a:effectRef idx="0">
-            <a:schemeClr val="accent1"/>
-          </a:effectRef>
-          <a:fontRef idx="minor">
-            <a:schemeClr val="lt1"/>
-          </a:fontRef>
-        </p:style>
-        <p:txBody>
-          <a:bodyPr rtlCol="0" anchor="ctr"/>
-          <a:lstStyle/>
-          <a:p>
-            <a:pPr algn="ctr"/>
-            <a:endParaRPr lang="pt-BR"/>
-          </a:p>
-        </p:txBody>
-      </p:sp>
-      <p:grpSp>
-        <p:nvGrpSpPr>
-          <p:cNvPr id="26" name="Grupo 25"/>
-          <p:cNvGrpSpPr/>
-          <p:nvPr/>
-        </p:nvGrpSpPr>
-        <p:grpSpPr>
-          <a:xfrm>
-            <a:off x="4615240" y="4784596"/>
-            <a:ext cx="4536503" cy="2096679"/>
-            <a:chOff x="-2772816" y="2780928"/>
-            <a:chExt cx="4536503" cy="2096679"/>
-          </a:xfrm>
-        </p:grpSpPr>
-        <p:sp>
-          <p:nvSpPr>
-            <p:cNvPr id="2" name="Elipse 1"/>
-            <p:cNvSpPr/>
-            <p:nvPr/>
-          </p:nvSpPr>
-          <p:spPr>
-            <a:xfrm>
-              <a:off x="-2772816" y="3363449"/>
-              <a:ext cx="1872208" cy="1505711"/>
-            </a:xfrm>
-            <a:prstGeom prst="ellipse">
-              <a:avLst/>
-            </a:prstGeom>
-            <a:solidFill>
-              <a:srgbClr val="92D050"/>
-            </a:solidFill>
-            <a:ln>
-              <a:noFill/>
-            </a:ln>
-          </p:spPr>
-          <p:style>
-            <a:lnRef idx="2">
-              <a:schemeClr val="accent1">
-                <a:shade val="50000"/>
-              </a:schemeClr>
-            </a:lnRef>
-            <a:fillRef idx="1">
-              <a:schemeClr val="accent1"/>
-            </a:fillRef>
-            <a:effectRef idx="0">
-              <a:schemeClr val="accent1"/>
-            </a:effectRef>
-            <a:fontRef idx="minor">
-              <a:schemeClr val="lt1"/>
-            </a:fontRef>
-          </p:style>
-          <p:txBody>
-            <a:bodyPr rtlCol="0" anchor="ctr"/>
-            <a:lstStyle/>
-            <a:p>
-              <a:pPr algn="ctr"/>
-              <a:endParaRPr lang="pt-BR"/>
-            </a:p>
-          </p:txBody>
-        </p:sp>
-        <p:sp>
-          <p:nvSpPr>
-            <p:cNvPr id="17" name="Elipse 16"/>
-            <p:cNvSpPr/>
-            <p:nvPr/>
-          </p:nvSpPr>
-          <p:spPr>
-            <a:xfrm>
-              <a:off x="-1486456" y="2780928"/>
-              <a:ext cx="1872208" cy="1343823"/>
-            </a:xfrm>
-            <a:prstGeom prst="ellipse">
-              <a:avLst/>
-            </a:prstGeom>
-            <a:solidFill>
-              <a:srgbClr val="92D050"/>
-            </a:solidFill>
-            <a:ln>
-              <a:noFill/>
-            </a:ln>
-          </p:spPr>
-          <p:style>
-            <a:lnRef idx="2">
-              <a:schemeClr val="accent1">
-                <a:shade val="50000"/>
-              </a:schemeClr>
-            </a:lnRef>
-            <a:fillRef idx="1">
-              <a:schemeClr val="accent1"/>
-            </a:fillRef>
-            <a:effectRef idx="0">
-              <a:schemeClr val="accent1"/>
-            </a:effectRef>
-            <a:fontRef idx="minor">
-              <a:schemeClr val="lt1"/>
-            </a:fontRef>
-          </p:style>
-          <p:txBody>
-            <a:bodyPr rtlCol="0" anchor="ctr"/>
-            <a:lstStyle/>
-            <a:p>
-              <a:pPr algn="ctr"/>
-              <a:endParaRPr lang="pt-BR"/>
-            </a:p>
-          </p:txBody>
-        </p:sp>
-        <p:sp>
-          <p:nvSpPr>
-            <p:cNvPr id="19" name="Elipse 18"/>
-            <p:cNvSpPr/>
-            <p:nvPr/>
-          </p:nvSpPr>
-          <p:spPr>
-            <a:xfrm>
-              <a:off x="-340600" y="3209737"/>
-              <a:ext cx="2104287" cy="1667870"/>
-            </a:xfrm>
-            <a:prstGeom prst="ellipse">
-              <a:avLst/>
-            </a:prstGeom>
-            <a:solidFill>
-              <a:srgbClr val="92D050"/>
-            </a:solidFill>
-            <a:ln>
-              <a:noFill/>
-            </a:ln>
-          </p:spPr>
-          <p:style>
-            <a:lnRef idx="2">
-              <a:schemeClr val="accent1">
-                <a:shade val="50000"/>
-              </a:schemeClr>
-            </a:lnRef>
-            <a:fillRef idx="1">
-              <a:schemeClr val="accent1"/>
-            </a:fillRef>
-            <a:effectRef idx="0">
-              <a:schemeClr val="accent1"/>
-            </a:effectRef>
-            <a:fontRef idx="minor">
-              <a:schemeClr val="lt1"/>
-            </a:fontRef>
-          </p:style>
-          <p:txBody>
-            <a:bodyPr rtlCol="0" anchor="ctr"/>
-            <a:lstStyle/>
-            <a:p>
-              <a:pPr algn="ctr"/>
-              <a:endParaRPr lang="pt-BR"/>
-            </a:p>
-          </p:txBody>
-        </p:sp>
-        <p:sp>
-          <p:nvSpPr>
-            <p:cNvPr id="3" name="Retângulo 2"/>
-            <p:cNvSpPr/>
-            <p:nvPr/>
-          </p:nvSpPr>
-          <p:spPr>
-            <a:xfrm>
-              <a:off x="-2772816" y="3980094"/>
-              <a:ext cx="4536503" cy="889066"/>
-            </a:xfrm>
-            <a:prstGeom prst="rect">
-              <a:avLst/>
-            </a:prstGeom>
-            <a:solidFill>
-              <a:srgbClr val="92D050"/>
-            </a:solidFill>
-            <a:ln>
-              <a:noFill/>
-            </a:ln>
-          </p:spPr>
-          <p:style>
-            <a:lnRef idx="2">
-              <a:schemeClr val="accent1">
-                <a:shade val="50000"/>
-              </a:schemeClr>
-            </a:lnRef>
-            <a:fillRef idx="1">
-              <a:schemeClr val="accent1"/>
-            </a:fillRef>
-            <a:effectRef idx="0">
-              <a:schemeClr val="accent1"/>
-            </a:effectRef>
-            <a:fontRef idx="minor">
-              <a:schemeClr val="lt1"/>
-            </a:fontRef>
-          </p:style>
-          <p:txBody>
-            <a:bodyPr rtlCol="0" anchor="ctr"/>
-            <a:lstStyle/>
-            <a:p>
-              <a:pPr algn="ctr"/>
-              <a:endParaRPr lang="pt-BR"/>
-            </a:p>
-          </p:txBody>
-        </p:sp>
-      </p:grpSp>
-    </p:spTree>
-    <p:extLst>
-      <p:ext uri="{BB962C8B-B14F-4D97-AF65-F5344CB8AC3E}">
-        <p14:creationId xmlns:p14="http://schemas.microsoft.com/office/powerpoint/2010/main" val="3567722811"/>
-      </p:ext>
-    </p:extLst>
-  </p:cSld>
-  <p:clrMapOvr>
-    <a:masterClrMapping/>
-  </p:clrMapOvr>
-  <p:timing>
-    <p:tnLst>
-      <p:par>
-        <p:cTn id="1" dur="indefinite" restart="never" nodeType="tmRoot"/>
-      </p:par>
-    </p:tnLst>
-  </p:timing>
-</p:sld>
-</file>
-
-<file path=ppt/slides/slide2.xml><?xml version="1.0" encoding="utf-8"?>
-<p:sld xmlns:a="http://schemas.openxmlformats.org/drawingml/2006/main" xmlns:r="http://schemas.openxmlformats.org/officeDocument/2006/relationships" xmlns:p="http://schemas.openxmlformats.org/presentationml/2006/main">
-  <p:cSld>
-    <p:spTree>
-      <p:nvGrpSpPr>
-        <p:cNvPr id="1" name=""/>
-        <p:cNvGrpSpPr/>
-        <p:nvPr/>
-      </p:nvGrpSpPr>
-      <p:grpSpPr>
-        <a:xfrm>
-          <a:off x="0" y="0"/>
-          <a:ext cx="0" cy="0"/>
-          <a:chOff x="0" y="0"/>
-          <a:chExt cx="0" cy="0"/>
-        </a:xfrm>
-      </p:grpSpPr>
-      <p:sp>
-        <p:nvSpPr>
-          <p:cNvPr id="4" name="Elipse 3"/>
-          <p:cNvSpPr/>
-          <p:nvPr/>
-        </p:nvSpPr>
-        <p:spPr>
-          <a:xfrm>
-            <a:off x="7028073" y="0"/>
-            <a:ext cx="1944216" cy="1855893"/>
-          </a:xfrm>
-          <a:prstGeom prst="ellipse">
-            <a:avLst/>
-          </a:prstGeom>
-          <a:solidFill>
-            <a:srgbClr val="FFFF00"/>
-          </a:solidFill>
-          <a:ln>
-            <a:noFill/>
-          </a:ln>
-        </p:spPr>
-        <p:style>
-          <a:lnRef idx="2">
-            <a:schemeClr val="accent1">
-              <a:shade val="50000"/>
-            </a:schemeClr>
-          </a:lnRef>
-          <a:fillRef idx="1">
-            <a:schemeClr val="accent1"/>
-          </a:fillRef>
-          <a:effectRef idx="0">
-            <a:schemeClr val="accent1"/>
-          </a:effectRef>
-          <a:fontRef idx="minor">
-            <a:schemeClr val="lt1"/>
-          </a:fontRef>
-        </p:style>
-        <p:txBody>
-          <a:bodyPr rtlCol="0" anchor="ctr"/>
-          <a:lstStyle/>
-          <a:p>
-            <a:pPr algn="ctr"/>
-            <a:endParaRPr lang="pt-BR"/>
-          </a:p>
-        </p:txBody>
-      </p:sp>
-      <p:sp>
-        <p:nvSpPr>
-          <p:cNvPr id="5" name="Retângulo 4"/>
-          <p:cNvSpPr/>
-          <p:nvPr/>
-        </p:nvSpPr>
-        <p:spPr>
-          <a:xfrm>
-            <a:off x="0" y="2186608"/>
-            <a:ext cx="9144000" cy="4671392"/>
-          </a:xfrm>
-          <a:prstGeom prst="rect">
-            <a:avLst/>
-          </a:prstGeom>
-        </p:spPr>
-        <p:style>
-          <a:lnRef idx="2">
-            <a:schemeClr val="accent1">
-              <a:shade val="50000"/>
-            </a:schemeClr>
-          </a:lnRef>
-          <a:fillRef idx="1">
-            <a:schemeClr val="accent1"/>
-          </a:fillRef>
-          <a:effectRef idx="0">
-            <a:schemeClr val="accent1"/>
-          </a:effectRef>
-          <a:fontRef idx="minor">
-            <a:schemeClr val="lt1"/>
-          </a:fontRef>
-        </p:style>
-        <p:txBody>
-          <a:bodyPr rtlCol="0" anchor="ctr"/>
-          <a:lstStyle/>
-          <a:p>
-            <a:pPr algn="ctr"/>
-            <a:endParaRPr lang="pt-BR"/>
-          </a:p>
-        </p:txBody>
-      </p:sp>
-      <p:sp>
-        <p:nvSpPr>
-          <p:cNvPr id="6" name="Elipse 5"/>
-          <p:cNvSpPr/>
-          <p:nvPr/>
-        </p:nvSpPr>
-        <p:spPr>
-          <a:xfrm>
-            <a:off x="611560" y="4349503"/>
-            <a:ext cx="2632632" cy="2048222"/>
-          </a:xfrm>
-          <a:prstGeom prst="ellipse">
-            <a:avLst/>
-          </a:prstGeom>
-        </p:spPr>
-        <p:style>
-          <a:lnRef idx="2">
-            <a:schemeClr val="accent1">
-              <a:shade val="50000"/>
-            </a:schemeClr>
-          </a:lnRef>
-          <a:fillRef idx="1">
-            <a:schemeClr val="accent1"/>
-          </a:fillRef>
-          <a:effectRef idx="0">
-            <a:schemeClr val="accent1"/>
-          </a:effectRef>
-          <a:fontRef idx="minor">
-            <a:schemeClr val="lt1"/>
-          </a:fontRef>
-        </p:style>
-        <p:txBody>
-          <a:bodyPr rtlCol="0" anchor="ctr"/>
-          <a:lstStyle/>
-          <a:p>
-            <a:pPr algn="ctr"/>
-            <a:endParaRPr lang="pt-BR"/>
-          </a:p>
-        </p:txBody>
-      </p:sp>
-      <p:sp>
-        <p:nvSpPr>
-          <p:cNvPr id="7" name="Retângulo 6"/>
-          <p:cNvSpPr/>
-          <p:nvPr/>
-        </p:nvSpPr>
-        <p:spPr>
-          <a:xfrm>
-            <a:off x="467544" y="188640"/>
-            <a:ext cx="2016224" cy="3168352"/>
-          </a:xfrm>
-          <a:prstGeom prst="rect">
-            <a:avLst/>
-          </a:prstGeom>
-          <a:solidFill>
-            <a:schemeClr val="tx2">
-              <a:lumMod val="60000"/>
-              <a:lumOff val="40000"/>
-            </a:schemeClr>
-          </a:solidFill>
-          <a:ln>
-            <a:noFill/>
-          </a:ln>
-        </p:spPr>
-        <p:style>
-          <a:lnRef idx="2">
-            <a:schemeClr val="accent1">
-              <a:shade val="50000"/>
-            </a:schemeClr>
-          </a:lnRef>
-          <a:fillRef idx="1">
-            <a:schemeClr val="accent1"/>
-          </a:fillRef>
-          <a:effectRef idx="0">
-            <a:schemeClr val="accent1"/>
-          </a:effectRef>
-          <a:fontRef idx="minor">
-            <a:schemeClr val="lt1"/>
-          </a:fontRef>
-        </p:style>
-        <p:txBody>
-          <a:bodyPr rtlCol="0" anchor="ctr"/>
-          <a:lstStyle/>
-          <a:p>
-            <a:pPr algn="ctr"/>
-            <a:endParaRPr lang="pt-BR"/>
-          </a:p>
-        </p:txBody>
-      </p:sp>
-      <p:sp>
-        <p:nvSpPr>
-          <p:cNvPr id="8" name="Retângulo 7"/>
-          <p:cNvSpPr/>
-          <p:nvPr/>
-        </p:nvSpPr>
-        <p:spPr>
-          <a:xfrm>
-            <a:off x="4932040" y="1484784"/>
-            <a:ext cx="4032448" cy="701824"/>
-          </a:xfrm>
-          <a:prstGeom prst="rect">
-            <a:avLst/>
-          </a:prstGeom>
-        </p:spPr>
-        <p:style>
-          <a:lnRef idx="2">
-            <a:schemeClr val="accent1">
-              <a:shade val="50000"/>
-            </a:schemeClr>
-          </a:lnRef>
-          <a:fillRef idx="1">
-            <a:schemeClr val="accent1"/>
-          </a:fillRef>
-          <a:effectRef idx="0">
-            <a:schemeClr val="accent1"/>
-          </a:effectRef>
-          <a:fontRef idx="minor">
-            <a:schemeClr val="lt1"/>
-          </a:fontRef>
-        </p:style>
-        <p:txBody>
-          <a:bodyPr rtlCol="0" anchor="ctr"/>
-          <a:lstStyle/>
-          <a:p>
-            <a:pPr algn="ctr"/>
-            <a:endParaRPr lang="pt-BR"/>
-          </a:p>
-        </p:txBody>
-      </p:sp>
-      <p:sp>
-        <p:nvSpPr>
-          <p:cNvPr id="9" name="Forma livre 8"/>
-          <p:cNvSpPr/>
-          <p:nvPr/>
-        </p:nvSpPr>
-        <p:spPr>
-          <a:xfrm>
-            <a:off x="3890330" y="2186980"/>
-            <a:ext cx="5076056" cy="3328807"/>
-          </a:xfrm>
-          <a:custGeom>
-            <a:avLst/>
-            <a:gdLst>
-              <a:gd name="connsiteX0" fmla="*/ 741344 w 5553008"/>
-              <a:gd name="connsiteY0" fmla="*/ 382816 h 3313485"/>
-              <a:gd name="connsiteX1" fmla="*/ 301506 w 5553008"/>
-              <a:gd name="connsiteY1" fmla="*/ 683758 h 3313485"/>
-              <a:gd name="connsiteX2" fmla="*/ 208908 w 5553008"/>
-              <a:gd name="connsiteY2" fmla="*/ 1077297 h 3313485"/>
-              <a:gd name="connsiteX3" fmla="*/ 564 w 5553008"/>
-              <a:gd name="connsiteY3" fmla="*/ 1621307 h 3313485"/>
-              <a:gd name="connsiteX4" fmla="*/ 278356 w 5553008"/>
-              <a:gd name="connsiteY4" fmla="*/ 2292639 h 3313485"/>
-              <a:gd name="connsiteX5" fmla="*/ 417253 w 5553008"/>
-              <a:gd name="connsiteY5" fmla="*/ 2825074 h 3313485"/>
-              <a:gd name="connsiteX6" fmla="*/ 1447399 w 5553008"/>
-              <a:gd name="connsiteY6" fmla="*/ 2906097 h 3313485"/>
-              <a:gd name="connsiteX7" fmla="*/ 2165030 w 5553008"/>
-              <a:gd name="connsiteY7" fmla="*/ 3299636 h 3313485"/>
-              <a:gd name="connsiteX8" fmla="*/ 2871085 w 5553008"/>
-              <a:gd name="connsiteY8" fmla="*/ 3079717 h 3313485"/>
-              <a:gd name="connsiteX9" fmla="*/ 4167450 w 5553008"/>
-              <a:gd name="connsiteY9" fmla="*/ 3299636 h 3313485"/>
-              <a:gd name="connsiteX10" fmla="*/ 5440665 w 5553008"/>
-              <a:gd name="connsiteY10" fmla="*/ 2593581 h 3313485"/>
-              <a:gd name="connsiteX11" fmla="*/ 5429090 w 5553008"/>
-              <a:gd name="connsiteY11" fmla="*/ 1540284 h 3313485"/>
-              <a:gd name="connsiteX12" fmla="*/ 4908230 w 5553008"/>
-              <a:gd name="connsiteY12" fmla="*/ 857378 h 3313485"/>
-              <a:gd name="connsiteX13" fmla="*/ 4908230 w 5553008"/>
-              <a:gd name="connsiteY13" fmla="*/ 463839 h 3313485"/>
-              <a:gd name="connsiteX14" fmla="*/ 4040128 w 5553008"/>
-              <a:gd name="connsiteY14" fmla="*/ 336517 h 3313485"/>
-              <a:gd name="connsiteX15" fmla="*/ 2986832 w 5553008"/>
-              <a:gd name="connsiteY15" fmla="*/ 851 h 3313485"/>
-              <a:gd name="connsiteX16" fmla="*/ 1574721 w 5553008"/>
-              <a:gd name="connsiteY16" fmla="*/ 243920 h 3313485"/>
-              <a:gd name="connsiteX17" fmla="*/ 741344 w 5553008"/>
-              <a:gd name="connsiteY17" fmla="*/ 382816 h 3313485"/>
-              <a:gd name="connsiteX0" fmla="*/ 741344 w 5553008"/>
-              <a:gd name="connsiteY0" fmla="*/ 382816 h 3313485"/>
-              <a:gd name="connsiteX1" fmla="*/ 301506 w 5553008"/>
-              <a:gd name="connsiteY1" fmla="*/ 683758 h 3313485"/>
-              <a:gd name="connsiteX2" fmla="*/ 208908 w 5553008"/>
-              <a:gd name="connsiteY2" fmla="*/ 1077297 h 3313485"/>
-              <a:gd name="connsiteX3" fmla="*/ 564 w 5553008"/>
-              <a:gd name="connsiteY3" fmla="*/ 1621307 h 3313485"/>
-              <a:gd name="connsiteX4" fmla="*/ 278356 w 5553008"/>
-              <a:gd name="connsiteY4" fmla="*/ 2292639 h 3313485"/>
-              <a:gd name="connsiteX5" fmla="*/ 417253 w 5553008"/>
-              <a:gd name="connsiteY5" fmla="*/ 2825074 h 3313485"/>
-              <a:gd name="connsiteX6" fmla="*/ 1447399 w 5553008"/>
-              <a:gd name="connsiteY6" fmla="*/ 2906097 h 3313485"/>
-              <a:gd name="connsiteX7" fmla="*/ 2165030 w 5553008"/>
-              <a:gd name="connsiteY7" fmla="*/ 3299636 h 3313485"/>
-              <a:gd name="connsiteX8" fmla="*/ 2871085 w 5553008"/>
-              <a:gd name="connsiteY8" fmla="*/ 3079717 h 3313485"/>
-              <a:gd name="connsiteX9" fmla="*/ 4167450 w 5553008"/>
-              <a:gd name="connsiteY9" fmla="*/ 3299636 h 3313485"/>
-              <a:gd name="connsiteX10" fmla="*/ 5440665 w 5553008"/>
-              <a:gd name="connsiteY10" fmla="*/ 2593581 h 3313485"/>
-              <a:gd name="connsiteX11" fmla="*/ 5429090 w 5553008"/>
-              <a:gd name="connsiteY11" fmla="*/ 1540284 h 3313485"/>
-              <a:gd name="connsiteX12" fmla="*/ 4908230 w 5553008"/>
-              <a:gd name="connsiteY12" fmla="*/ 857378 h 3313485"/>
-              <a:gd name="connsiteX13" fmla="*/ 4908230 w 5553008"/>
-              <a:gd name="connsiteY13" fmla="*/ 463839 h 3313485"/>
-              <a:gd name="connsiteX14" fmla="*/ 3913505 w 5553008"/>
-              <a:gd name="connsiteY14" fmla="*/ 486279 h 3313485"/>
-              <a:gd name="connsiteX15" fmla="*/ 2986832 w 5553008"/>
-              <a:gd name="connsiteY15" fmla="*/ 851 h 3313485"/>
-              <a:gd name="connsiteX16" fmla="*/ 1574721 w 5553008"/>
-              <a:gd name="connsiteY16" fmla="*/ 243920 h 3313485"/>
-              <a:gd name="connsiteX17" fmla="*/ 741344 w 5553008"/>
-              <a:gd name="connsiteY17" fmla="*/ 382816 h 3313485"/>
-              <a:gd name="connsiteX0" fmla="*/ 741344 w 5553008"/>
-              <a:gd name="connsiteY0" fmla="*/ 382447 h 3313116"/>
-              <a:gd name="connsiteX1" fmla="*/ 301506 w 5553008"/>
-              <a:gd name="connsiteY1" fmla="*/ 683389 h 3313116"/>
-              <a:gd name="connsiteX2" fmla="*/ 208908 w 5553008"/>
-              <a:gd name="connsiteY2" fmla="*/ 1076928 h 3313116"/>
-              <a:gd name="connsiteX3" fmla="*/ 564 w 5553008"/>
-              <a:gd name="connsiteY3" fmla="*/ 1620938 h 3313116"/>
-              <a:gd name="connsiteX4" fmla="*/ 278356 w 5553008"/>
-              <a:gd name="connsiteY4" fmla="*/ 2292270 h 3313116"/>
-              <a:gd name="connsiteX5" fmla="*/ 417253 w 5553008"/>
-              <a:gd name="connsiteY5" fmla="*/ 2824705 h 3313116"/>
-              <a:gd name="connsiteX6" fmla="*/ 1447399 w 5553008"/>
-              <a:gd name="connsiteY6" fmla="*/ 2905728 h 3313116"/>
-              <a:gd name="connsiteX7" fmla="*/ 2165030 w 5553008"/>
-              <a:gd name="connsiteY7" fmla="*/ 3299267 h 3313116"/>
-              <a:gd name="connsiteX8" fmla="*/ 2871085 w 5553008"/>
-              <a:gd name="connsiteY8" fmla="*/ 3079348 h 3313116"/>
-              <a:gd name="connsiteX9" fmla="*/ 4167450 w 5553008"/>
-              <a:gd name="connsiteY9" fmla="*/ 3299267 h 3313116"/>
-              <a:gd name="connsiteX10" fmla="*/ 5440665 w 5553008"/>
-              <a:gd name="connsiteY10" fmla="*/ 2593212 h 3313116"/>
-              <a:gd name="connsiteX11" fmla="*/ 5429090 w 5553008"/>
-              <a:gd name="connsiteY11" fmla="*/ 1539915 h 3313116"/>
-              <a:gd name="connsiteX12" fmla="*/ 4908230 w 5553008"/>
-              <a:gd name="connsiteY12" fmla="*/ 857009 h 3313116"/>
-              <a:gd name="connsiteX13" fmla="*/ 4908230 w 5553008"/>
-              <a:gd name="connsiteY13" fmla="*/ 463470 h 3313116"/>
-              <a:gd name="connsiteX14" fmla="*/ 3913505 w 5553008"/>
-              <a:gd name="connsiteY14" fmla="*/ 485910 h 3313116"/>
-              <a:gd name="connsiteX15" fmla="*/ 2986832 w 5553008"/>
-              <a:gd name="connsiteY15" fmla="*/ 482 h 3313116"/>
-              <a:gd name="connsiteX16" fmla="*/ 1979913 w 5553008"/>
-              <a:gd name="connsiteY16" fmla="*/ 404833 h 3313116"/>
-              <a:gd name="connsiteX17" fmla="*/ 741344 w 5553008"/>
-              <a:gd name="connsiteY17" fmla="*/ 382447 h 3313116"/>
-            </a:gdLst>
-            <a:ahLst/>
-            <a:cxnLst>
-              <a:cxn ang="0">
-                <a:pos x="connsiteX0" y="connsiteY0"/>
-              </a:cxn>
-              <a:cxn ang="0">
-                <a:pos x="connsiteX1" y="connsiteY1"/>
-              </a:cxn>
-              <a:cxn ang="0">
-                <a:pos x="connsiteX2" y="connsiteY2"/>
-              </a:cxn>
-              <a:cxn ang="0">
-                <a:pos x="connsiteX3" y="connsiteY3"/>
-              </a:cxn>
-              <a:cxn ang="0">
-                <a:pos x="connsiteX4" y="connsiteY4"/>
-              </a:cxn>
-              <a:cxn ang="0">
-                <a:pos x="connsiteX5" y="connsiteY5"/>
-              </a:cxn>
-              <a:cxn ang="0">
-                <a:pos x="connsiteX6" y="connsiteY6"/>
-              </a:cxn>
-              <a:cxn ang="0">
-                <a:pos x="connsiteX7" y="connsiteY7"/>
-              </a:cxn>
-              <a:cxn ang="0">
-                <a:pos x="connsiteX8" y="connsiteY8"/>
-              </a:cxn>
-              <a:cxn ang="0">
-                <a:pos x="connsiteX9" y="connsiteY9"/>
-              </a:cxn>
-              <a:cxn ang="0">
-                <a:pos x="connsiteX10" y="connsiteY10"/>
-              </a:cxn>
-              <a:cxn ang="0">
-                <a:pos x="connsiteX11" y="connsiteY11"/>
-              </a:cxn>
-              <a:cxn ang="0">
-                <a:pos x="connsiteX12" y="connsiteY12"/>
-              </a:cxn>
-              <a:cxn ang="0">
-                <a:pos x="connsiteX13" y="connsiteY13"/>
-              </a:cxn>
-              <a:cxn ang="0">
-                <a:pos x="connsiteX14" y="connsiteY14"/>
-              </a:cxn>
-              <a:cxn ang="0">
-                <a:pos x="connsiteX15" y="connsiteY15"/>
-              </a:cxn>
-              <a:cxn ang="0">
-                <a:pos x="connsiteX16" y="connsiteY16"/>
-              </a:cxn>
-              <a:cxn ang="0">
-                <a:pos x="connsiteX17" y="connsiteY17"/>
-              </a:cxn>
-            </a:cxnLst>
-            <a:rect l="l" t="t" r="r" b="b"/>
-            <a:pathLst>
-              <a:path w="5553008" h="3313116">
-                <a:moveTo>
-                  <a:pt x="741344" y="382447"/>
-                </a:moveTo>
-                <a:cubicBezTo>
-                  <a:pt x="461610" y="428873"/>
-                  <a:pt x="390245" y="567642"/>
-                  <a:pt x="301506" y="683389"/>
-                </a:cubicBezTo>
-                <a:cubicBezTo>
-                  <a:pt x="212767" y="799136"/>
-                  <a:pt x="259065" y="920670"/>
-                  <a:pt x="208908" y="1076928"/>
-                </a:cubicBezTo>
-                <a:cubicBezTo>
-                  <a:pt x="158751" y="1233186"/>
-                  <a:pt x="-11011" y="1418381"/>
-                  <a:pt x="564" y="1620938"/>
-                </a:cubicBezTo>
-                <a:cubicBezTo>
-                  <a:pt x="12139" y="1823495"/>
-                  <a:pt x="208908" y="2091642"/>
-                  <a:pt x="278356" y="2292270"/>
-                </a:cubicBezTo>
-                <a:cubicBezTo>
-                  <a:pt x="347804" y="2492898"/>
-                  <a:pt x="222412" y="2722462"/>
-                  <a:pt x="417253" y="2824705"/>
-                </a:cubicBezTo>
-                <a:cubicBezTo>
-                  <a:pt x="612094" y="2926948"/>
-                  <a:pt x="1156103" y="2826634"/>
-                  <a:pt x="1447399" y="2905728"/>
-                </a:cubicBezTo>
-                <a:cubicBezTo>
-                  <a:pt x="1738695" y="2984822"/>
-                  <a:pt x="1927749" y="3270330"/>
-                  <a:pt x="2165030" y="3299267"/>
-                </a:cubicBezTo>
-                <a:cubicBezTo>
-                  <a:pt x="2402311" y="3328204"/>
-                  <a:pt x="2537348" y="3079348"/>
-                  <a:pt x="2871085" y="3079348"/>
-                </a:cubicBezTo>
-                <a:cubicBezTo>
-                  <a:pt x="3204822" y="3079348"/>
-                  <a:pt x="3739187" y="3380290"/>
-                  <a:pt x="4167450" y="3299267"/>
-                </a:cubicBezTo>
-                <a:cubicBezTo>
-                  <a:pt x="4595713" y="3218244"/>
-                  <a:pt x="5230392" y="2886437"/>
-                  <a:pt x="5440665" y="2593212"/>
-                </a:cubicBezTo>
-                <a:cubicBezTo>
-                  <a:pt x="5650938" y="2299987"/>
-                  <a:pt x="5517829" y="1829282"/>
-                  <a:pt x="5429090" y="1539915"/>
-                </a:cubicBezTo>
-                <a:cubicBezTo>
-                  <a:pt x="5340351" y="1250548"/>
-                  <a:pt x="4995040" y="1036417"/>
-                  <a:pt x="4908230" y="857009"/>
-                </a:cubicBezTo>
-                <a:cubicBezTo>
-                  <a:pt x="4821420" y="677602"/>
-                  <a:pt x="5074018" y="525320"/>
-                  <a:pt x="4908230" y="463470"/>
-                </a:cubicBezTo>
-                <a:cubicBezTo>
-                  <a:pt x="4742443" y="401620"/>
-                  <a:pt x="4233738" y="563075"/>
-                  <a:pt x="3913505" y="485910"/>
-                </a:cubicBezTo>
-                <a:cubicBezTo>
-                  <a:pt x="3593272" y="408745"/>
-                  <a:pt x="3397733" y="15915"/>
-                  <a:pt x="2986832" y="482"/>
-                </a:cubicBezTo>
-                <a:cubicBezTo>
-                  <a:pt x="2575931" y="-14951"/>
-                  <a:pt x="2356090" y="345030"/>
-                  <a:pt x="1979913" y="404833"/>
-                </a:cubicBezTo>
-                <a:cubicBezTo>
-                  <a:pt x="1603736" y="464636"/>
-                  <a:pt x="1021078" y="336021"/>
-                  <a:pt x="741344" y="382447"/>
-                </a:cubicBezTo>
-                <a:close/>
-              </a:path>
-            </a:pathLst>
-          </a:custGeom>
-          <a:solidFill>
-            <a:srgbClr val="00B0F0"/>
-          </a:solidFill>
-          <a:ln>
-            <a:noFill/>
-          </a:ln>
-        </p:spPr>
-        <p:style>
-          <a:lnRef idx="2">
-            <a:schemeClr val="accent1">
-              <a:shade val="50000"/>
-            </a:schemeClr>
-          </a:lnRef>
-          <a:fillRef idx="1">
-            <a:schemeClr val="accent1"/>
-          </a:fillRef>
-          <a:effectRef idx="0">
-            <a:schemeClr val="accent1"/>
-          </a:effectRef>
-          <a:fontRef idx="minor">
-            <a:schemeClr val="lt1"/>
-          </a:fontRef>
-        </p:style>
-        <p:txBody>
-          <a:bodyPr rtlCol="0" anchor="ctr"/>
-          <a:lstStyle/>
-          <a:p>
-            <a:pPr algn="ctr"/>
-            <a:endParaRPr lang="pt-BR"/>
-          </a:p>
-        </p:txBody>
-      </p:sp>
       <p:sp>
         <p:nvSpPr>
           <p:cNvPr id="10" name="Retângulo 9"/>
@@ -6411,7 +9424,7 @@
   <p:timing>
     <p:tnLst>
       <p:par>
-        <p:cTn id="1" dur="indefinite" restart="never" nodeType="tmRoot"/>
+        <p:cTn xmlns:p14="http://schemas.microsoft.com/office/powerpoint/2010/main" id="1" dur="indefinite" restart="never" nodeType="tmRoot"/>
       </p:par>
     </p:tnLst>
   </p:timing>
@@ -6469,14 +9482,14 @@
             <a:noFill/>
           </a:ln>
           <a:extLst>
-            <a:ext uri="{909E8E84-426E-40DD-AFC4-6F175D3DCCD1}">
+            <a:ext uri="{909E8E84-426E-40dd-AFC4-6F175D3DCCD1}">
               <a14:hiddenFill xmlns:a14="http://schemas.microsoft.com/office/drawing/2010/main">
                 <a:solidFill>
                   <a:schemeClr val="accent1"/>
                 </a:solidFill>
               </a14:hiddenFill>
             </a:ext>
-            <a:ext uri="{91240B29-F687-4F45-9708-019B960494DF}">
+            <a:ext uri="{91240B29-F687-4f45-9708-019B960494DF}">
               <a14:hiddenLine xmlns:a14="http://schemas.microsoft.com/office/drawing/2010/main" w="9525">
                 <a:solidFill>
                   <a:schemeClr val="tx1"/>
@@ -6601,7 +9614,7 @@
   <p:timing>
     <p:tnLst>
       <p:par>
-        <p:cTn id="1" dur="indefinite" restart="never" nodeType="tmRoot"/>
+        <p:cTn xmlns:p14="http://schemas.microsoft.com/office/powerpoint/2010/main" id="1" dur="indefinite" restart="never" nodeType="tmRoot"/>
       </p:par>
     </p:tnLst>
   </p:timing>
@@ -6643,7 +9656,7 @@
           </a:prstGeom>
           <a:noFill/>
           <a:extLst>
-            <a:ext uri="{909E8E84-426E-40DD-AFC4-6F175D3DCCD1}">
+            <a:ext uri="{909E8E84-426E-40dd-AFC4-6F175D3DCCD1}">
               <a14:hiddenFill xmlns:a14="http://schemas.microsoft.com/office/drawing/2010/main">
                 <a:solidFill>
                   <a:srgbClr val="FFFFFF"/>
@@ -6682,7 +9695,7 @@
           </a:prstGeom>
           <a:noFill/>
           <a:extLst>
-            <a:ext uri="{909E8E84-426E-40DD-AFC4-6F175D3DCCD1}">
+            <a:ext uri="{909E8E84-426E-40dd-AFC4-6F175D3DCCD1}">
               <a14:hiddenFill xmlns:a14="http://schemas.microsoft.com/office/drawing/2010/main">
                 <a:solidFill>
                   <a:srgbClr val="FFFFFF"/>
@@ -7570,10 +10583,1271 @@
           </a:p>
         </p:txBody>
       </p:sp>
+      <p:grpSp>
+        <p:nvGrpSpPr>
+          <p:cNvPr id="12" name="Group 11"/>
+          <p:cNvGrpSpPr/>
+          <p:nvPr/>
+        </p:nvGrpSpPr>
+        <p:grpSpPr>
+          <a:xfrm>
+            <a:off x="5220072" y="454917"/>
+            <a:ext cx="1006218" cy="1707970"/>
+            <a:chOff x="219606" y="2278983"/>
+            <a:chExt cx="1408855" cy="1852901"/>
+          </a:xfrm>
+          <a:solidFill>
+            <a:schemeClr val="accent1">
+              <a:lumMod val="60000"/>
+              <a:lumOff val="40000"/>
+            </a:schemeClr>
+          </a:solidFill>
+        </p:grpSpPr>
+        <p:sp>
+          <p:nvSpPr>
+            <p:cNvPr id="3" name="Oval 2"/>
+            <p:cNvSpPr/>
+            <p:nvPr/>
+          </p:nvSpPr>
+          <p:spPr>
+            <a:xfrm rot="19363293">
+              <a:off x="496795" y="2278983"/>
+              <a:ext cx="1131666" cy="1852901"/>
+            </a:xfrm>
+            <a:custGeom>
+              <a:avLst/>
+              <a:gdLst>
+                <a:gd name="connsiteX0" fmla="*/ 0 w 1760825"/>
+                <a:gd name="connsiteY0" fmla="*/ 900100 h 1800200"/>
+                <a:gd name="connsiteX1" fmla="*/ 880413 w 1760825"/>
+                <a:gd name="connsiteY1" fmla="*/ 0 h 1800200"/>
+                <a:gd name="connsiteX2" fmla="*/ 1760826 w 1760825"/>
+                <a:gd name="connsiteY2" fmla="*/ 900100 h 1800200"/>
+                <a:gd name="connsiteX3" fmla="*/ 880413 w 1760825"/>
+                <a:gd name="connsiteY3" fmla="*/ 1800200 h 1800200"/>
+                <a:gd name="connsiteX4" fmla="*/ 0 w 1760825"/>
+                <a:gd name="connsiteY4" fmla="*/ 900100 h 1800200"/>
+                <a:gd name="connsiteX0" fmla="*/ 365878 w 891922"/>
+                <a:gd name="connsiteY0" fmla="*/ 882474 h 1800231"/>
+                <a:gd name="connsiteX1" fmla="*/ 11509 w 891922"/>
+                <a:gd name="connsiteY1" fmla="*/ 16 h 1800231"/>
+                <a:gd name="connsiteX2" fmla="*/ 891922 w 891922"/>
+                <a:gd name="connsiteY2" fmla="*/ 900116 h 1800231"/>
+                <a:gd name="connsiteX3" fmla="*/ 11509 w 891922"/>
+                <a:gd name="connsiteY3" fmla="*/ 1800216 h 1800231"/>
+                <a:gd name="connsiteX4" fmla="*/ 365878 w 891922"/>
+                <a:gd name="connsiteY4" fmla="*/ 882474 h 1800231"/>
+                <a:gd name="connsiteX0" fmla="*/ 475333 w 1001377"/>
+                <a:gd name="connsiteY0" fmla="*/ 882468 h 1810583"/>
+                <a:gd name="connsiteX1" fmla="*/ 120964 w 1001377"/>
+                <a:gd name="connsiteY1" fmla="*/ 10 h 1810583"/>
+                <a:gd name="connsiteX2" fmla="*/ 1001377 w 1001377"/>
+                <a:gd name="connsiteY2" fmla="*/ 900110 h 1810583"/>
+                <a:gd name="connsiteX3" fmla="*/ 120964 w 1001377"/>
+                <a:gd name="connsiteY3" fmla="*/ 1800210 h 1810583"/>
+                <a:gd name="connsiteX4" fmla="*/ 45177 w 1001377"/>
+                <a:gd name="connsiteY4" fmla="*/ 1358333 h 1810583"/>
+                <a:gd name="connsiteX5" fmla="*/ 475333 w 1001377"/>
+                <a:gd name="connsiteY5" fmla="*/ 882468 h 1810583"/>
+                <a:gd name="connsiteX0" fmla="*/ 467312 w 993356"/>
+                <a:gd name="connsiteY0" fmla="*/ 882468 h 1809916"/>
+                <a:gd name="connsiteX1" fmla="*/ 112943 w 993356"/>
+                <a:gd name="connsiteY1" fmla="*/ 10 h 1809916"/>
+                <a:gd name="connsiteX2" fmla="*/ 993356 w 993356"/>
+                <a:gd name="connsiteY2" fmla="*/ 900110 h 1809916"/>
+                <a:gd name="connsiteX3" fmla="*/ 112943 w 993356"/>
+                <a:gd name="connsiteY3" fmla="*/ 1800210 h 1809916"/>
+                <a:gd name="connsiteX4" fmla="*/ 37156 w 993356"/>
+                <a:gd name="connsiteY4" fmla="*/ 1358333 h 1809916"/>
+                <a:gd name="connsiteX5" fmla="*/ 479416 w 993356"/>
+                <a:gd name="connsiteY5" fmla="*/ 1185059 h 1809916"/>
+                <a:gd name="connsiteX6" fmla="*/ 467312 w 993356"/>
+                <a:gd name="connsiteY6" fmla="*/ 882468 h 1809916"/>
+                <a:gd name="connsiteX0" fmla="*/ 467312 w 993356"/>
+                <a:gd name="connsiteY0" fmla="*/ 882468 h 1809916"/>
+                <a:gd name="connsiteX1" fmla="*/ 112943 w 993356"/>
+                <a:gd name="connsiteY1" fmla="*/ 10 h 1809916"/>
+                <a:gd name="connsiteX2" fmla="*/ 993356 w 993356"/>
+                <a:gd name="connsiteY2" fmla="*/ 900110 h 1809916"/>
+                <a:gd name="connsiteX3" fmla="*/ 112943 w 993356"/>
+                <a:gd name="connsiteY3" fmla="*/ 1800210 h 1809916"/>
+                <a:gd name="connsiteX4" fmla="*/ 37156 w 993356"/>
+                <a:gd name="connsiteY4" fmla="*/ 1358333 h 1809916"/>
+                <a:gd name="connsiteX5" fmla="*/ 365230 w 993356"/>
+                <a:gd name="connsiteY5" fmla="*/ 1364188 h 1809916"/>
+                <a:gd name="connsiteX6" fmla="*/ 467312 w 993356"/>
+                <a:gd name="connsiteY6" fmla="*/ 882468 h 1809916"/>
+                <a:gd name="connsiteX0" fmla="*/ 505031 w 1031075"/>
+                <a:gd name="connsiteY0" fmla="*/ 882468 h 1814701"/>
+                <a:gd name="connsiteX1" fmla="*/ 150662 w 1031075"/>
+                <a:gd name="connsiteY1" fmla="*/ 10 h 1814701"/>
+                <a:gd name="connsiteX2" fmla="*/ 1031075 w 1031075"/>
+                <a:gd name="connsiteY2" fmla="*/ 900110 h 1814701"/>
+                <a:gd name="connsiteX3" fmla="*/ 150662 w 1031075"/>
+                <a:gd name="connsiteY3" fmla="*/ 1800210 h 1814701"/>
+                <a:gd name="connsiteX4" fmla="*/ 21450 w 1031075"/>
+                <a:gd name="connsiteY4" fmla="*/ 1428520 h 1814701"/>
+                <a:gd name="connsiteX5" fmla="*/ 402949 w 1031075"/>
+                <a:gd name="connsiteY5" fmla="*/ 1364188 h 1814701"/>
+                <a:gd name="connsiteX6" fmla="*/ 505031 w 1031075"/>
+                <a:gd name="connsiteY6" fmla="*/ 882468 h 1814701"/>
+                <a:gd name="connsiteX0" fmla="*/ 505031 w 1031075"/>
+                <a:gd name="connsiteY0" fmla="*/ 882468 h 1814701"/>
+                <a:gd name="connsiteX1" fmla="*/ 150662 w 1031075"/>
+                <a:gd name="connsiteY1" fmla="*/ 10 h 1814701"/>
+                <a:gd name="connsiteX2" fmla="*/ 1031075 w 1031075"/>
+                <a:gd name="connsiteY2" fmla="*/ 900110 h 1814701"/>
+                <a:gd name="connsiteX3" fmla="*/ 150662 w 1031075"/>
+                <a:gd name="connsiteY3" fmla="*/ 1800210 h 1814701"/>
+                <a:gd name="connsiteX4" fmla="*/ 21450 w 1031075"/>
+                <a:gd name="connsiteY4" fmla="*/ 1428520 h 1814701"/>
+                <a:gd name="connsiteX5" fmla="*/ 346805 w 1031075"/>
+                <a:gd name="connsiteY5" fmla="*/ 1321451 h 1814701"/>
+                <a:gd name="connsiteX6" fmla="*/ 505031 w 1031075"/>
+                <a:gd name="connsiteY6" fmla="*/ 882468 h 1814701"/>
+                <a:gd name="connsiteX0" fmla="*/ 505031 w 1031075"/>
+                <a:gd name="connsiteY0" fmla="*/ 901611 h 1833844"/>
+                <a:gd name="connsiteX1" fmla="*/ 124572 w 1031075"/>
+                <a:gd name="connsiteY1" fmla="*/ 351117 h 1833844"/>
+                <a:gd name="connsiteX2" fmla="*/ 150662 w 1031075"/>
+                <a:gd name="connsiteY2" fmla="*/ 19153 h 1833844"/>
+                <a:gd name="connsiteX3" fmla="*/ 1031075 w 1031075"/>
+                <a:gd name="connsiteY3" fmla="*/ 919253 h 1833844"/>
+                <a:gd name="connsiteX4" fmla="*/ 150662 w 1031075"/>
+                <a:gd name="connsiteY4" fmla="*/ 1819353 h 1833844"/>
+                <a:gd name="connsiteX5" fmla="*/ 21450 w 1031075"/>
+                <a:gd name="connsiteY5" fmla="*/ 1447663 h 1833844"/>
+                <a:gd name="connsiteX6" fmla="*/ 346805 w 1031075"/>
+                <a:gd name="connsiteY6" fmla="*/ 1340594 h 1833844"/>
+                <a:gd name="connsiteX7" fmla="*/ 505031 w 1031075"/>
+                <a:gd name="connsiteY7" fmla="*/ 901611 h 1833844"/>
+                <a:gd name="connsiteX0" fmla="*/ 505031 w 1031075"/>
+                <a:gd name="connsiteY0" fmla="*/ 899859 h 1832092"/>
+                <a:gd name="connsiteX1" fmla="*/ 387272 w 1031075"/>
+                <a:gd name="connsiteY1" fmla="*/ 615844 h 1832092"/>
+                <a:gd name="connsiteX2" fmla="*/ 124572 w 1031075"/>
+                <a:gd name="connsiteY2" fmla="*/ 349365 h 1832092"/>
+                <a:gd name="connsiteX3" fmla="*/ 150662 w 1031075"/>
+                <a:gd name="connsiteY3" fmla="*/ 17401 h 1832092"/>
+                <a:gd name="connsiteX4" fmla="*/ 1031075 w 1031075"/>
+                <a:gd name="connsiteY4" fmla="*/ 917501 h 1832092"/>
+                <a:gd name="connsiteX5" fmla="*/ 150662 w 1031075"/>
+                <a:gd name="connsiteY5" fmla="*/ 1817601 h 1832092"/>
+                <a:gd name="connsiteX6" fmla="*/ 21450 w 1031075"/>
+                <a:gd name="connsiteY6" fmla="*/ 1445911 h 1832092"/>
+                <a:gd name="connsiteX7" fmla="*/ 346805 w 1031075"/>
+                <a:gd name="connsiteY7" fmla="*/ 1338842 h 1832092"/>
+                <a:gd name="connsiteX8" fmla="*/ 505031 w 1031075"/>
+                <a:gd name="connsiteY8" fmla="*/ 899859 h 1832092"/>
+                <a:gd name="connsiteX0" fmla="*/ 582695 w 1108739"/>
+                <a:gd name="connsiteY0" fmla="*/ 899859 h 1840800"/>
+                <a:gd name="connsiteX1" fmla="*/ 464936 w 1108739"/>
+                <a:gd name="connsiteY1" fmla="*/ 615844 h 1840800"/>
+                <a:gd name="connsiteX2" fmla="*/ 202236 w 1108739"/>
+                <a:gd name="connsiteY2" fmla="*/ 349365 h 1840800"/>
+                <a:gd name="connsiteX3" fmla="*/ 228326 w 1108739"/>
+                <a:gd name="connsiteY3" fmla="*/ 17401 h 1840800"/>
+                <a:gd name="connsiteX4" fmla="*/ 1108739 w 1108739"/>
+                <a:gd name="connsiteY4" fmla="*/ 917501 h 1840800"/>
+                <a:gd name="connsiteX5" fmla="*/ 228326 w 1108739"/>
+                <a:gd name="connsiteY5" fmla="*/ 1817601 h 1840800"/>
+                <a:gd name="connsiteX6" fmla="*/ 10283 w 1108739"/>
+                <a:gd name="connsiteY6" fmla="*/ 1533487 h 1840800"/>
+                <a:gd name="connsiteX7" fmla="*/ 424469 w 1108739"/>
+                <a:gd name="connsiteY7" fmla="*/ 1338842 h 1840800"/>
+                <a:gd name="connsiteX8" fmla="*/ 582695 w 1108739"/>
+                <a:gd name="connsiteY8" fmla="*/ 899859 h 1840800"/>
+                <a:gd name="connsiteX0" fmla="*/ 701111 w 1227155"/>
+                <a:gd name="connsiteY0" fmla="*/ 899859 h 1841204"/>
+                <a:gd name="connsiteX1" fmla="*/ 583352 w 1227155"/>
+                <a:gd name="connsiteY1" fmla="*/ 615844 h 1841204"/>
+                <a:gd name="connsiteX2" fmla="*/ 320652 w 1227155"/>
+                <a:gd name="connsiteY2" fmla="*/ 349365 h 1841204"/>
+                <a:gd name="connsiteX3" fmla="*/ 346742 w 1227155"/>
+                <a:gd name="connsiteY3" fmla="*/ 17401 h 1841204"/>
+                <a:gd name="connsiteX4" fmla="*/ 1227155 w 1227155"/>
+                <a:gd name="connsiteY4" fmla="*/ 917501 h 1841204"/>
+                <a:gd name="connsiteX5" fmla="*/ 346742 w 1227155"/>
+                <a:gd name="connsiteY5" fmla="*/ 1817601 h 1841204"/>
+                <a:gd name="connsiteX6" fmla="*/ 8445 w 1227155"/>
+                <a:gd name="connsiteY6" fmla="*/ 1574971 h 1841204"/>
+                <a:gd name="connsiteX7" fmla="*/ 128699 w 1227155"/>
+                <a:gd name="connsiteY7" fmla="*/ 1533487 h 1841204"/>
+                <a:gd name="connsiteX8" fmla="*/ 542885 w 1227155"/>
+                <a:gd name="connsiteY8" fmla="*/ 1338842 h 1841204"/>
+                <a:gd name="connsiteX9" fmla="*/ 701111 w 1227155"/>
+                <a:gd name="connsiteY9" fmla="*/ 899859 h 1841204"/>
+                <a:gd name="connsiteX0" fmla="*/ 605622 w 1131666"/>
+                <a:gd name="connsiteY0" fmla="*/ 899859 h 1852901"/>
+                <a:gd name="connsiteX1" fmla="*/ 487863 w 1131666"/>
+                <a:gd name="connsiteY1" fmla="*/ 615844 h 1852901"/>
+                <a:gd name="connsiteX2" fmla="*/ 225163 w 1131666"/>
+                <a:gd name="connsiteY2" fmla="*/ 349365 h 1852901"/>
+                <a:gd name="connsiteX3" fmla="*/ 251253 w 1131666"/>
+                <a:gd name="connsiteY3" fmla="*/ 17401 h 1852901"/>
+                <a:gd name="connsiteX4" fmla="*/ 1131666 w 1131666"/>
+                <a:gd name="connsiteY4" fmla="*/ 917501 h 1852901"/>
+                <a:gd name="connsiteX5" fmla="*/ 251253 w 1131666"/>
+                <a:gd name="connsiteY5" fmla="*/ 1817601 h 1852901"/>
+                <a:gd name="connsiteX6" fmla="*/ 53270 w 1131666"/>
+                <a:gd name="connsiteY6" fmla="*/ 1657724 h 1852901"/>
+                <a:gd name="connsiteX7" fmla="*/ 33210 w 1131666"/>
+                <a:gd name="connsiteY7" fmla="*/ 1533487 h 1852901"/>
+                <a:gd name="connsiteX8" fmla="*/ 447396 w 1131666"/>
+                <a:gd name="connsiteY8" fmla="*/ 1338842 h 1852901"/>
+                <a:gd name="connsiteX9" fmla="*/ 605622 w 1131666"/>
+                <a:gd name="connsiteY9" fmla="*/ 899859 h 1852901"/>
+              </a:gdLst>
+              <a:ahLst/>
+              <a:cxnLst>
+                <a:cxn ang="0">
+                  <a:pos x="connsiteX0" y="connsiteY0"/>
+                </a:cxn>
+                <a:cxn ang="0">
+                  <a:pos x="connsiteX1" y="connsiteY1"/>
+                </a:cxn>
+                <a:cxn ang="0">
+                  <a:pos x="connsiteX2" y="connsiteY2"/>
+                </a:cxn>
+                <a:cxn ang="0">
+                  <a:pos x="connsiteX3" y="connsiteY3"/>
+                </a:cxn>
+                <a:cxn ang="0">
+                  <a:pos x="connsiteX4" y="connsiteY4"/>
+                </a:cxn>
+                <a:cxn ang="0">
+                  <a:pos x="connsiteX5" y="connsiteY5"/>
+                </a:cxn>
+                <a:cxn ang="0">
+                  <a:pos x="connsiteX6" y="connsiteY6"/>
+                </a:cxn>
+                <a:cxn ang="0">
+                  <a:pos x="connsiteX7" y="connsiteY7"/>
+                </a:cxn>
+                <a:cxn ang="0">
+                  <a:pos x="connsiteX8" y="connsiteY8"/>
+                </a:cxn>
+                <a:cxn ang="0">
+                  <a:pos x="connsiteX9" y="connsiteY9"/>
+                </a:cxn>
+              </a:cxnLst>
+              <a:rect l="l" t="t" r="r" b="b"/>
+              <a:pathLst>
+                <a:path w="1131666" h="1852901">
+                  <a:moveTo>
+                    <a:pt x="605622" y="899859"/>
+                  </a:moveTo>
+                  <a:cubicBezTo>
+                    <a:pt x="612367" y="779359"/>
+                    <a:pt x="551273" y="707593"/>
+                    <a:pt x="487863" y="615844"/>
+                  </a:cubicBezTo>
+                  <a:cubicBezTo>
+                    <a:pt x="424453" y="524095"/>
+                    <a:pt x="257475" y="458463"/>
+                    <a:pt x="225163" y="349365"/>
+                  </a:cubicBezTo>
+                  <a:cubicBezTo>
+                    <a:pt x="192851" y="240267"/>
+                    <a:pt x="100169" y="-77288"/>
+                    <a:pt x="251253" y="17401"/>
+                  </a:cubicBezTo>
+                  <a:cubicBezTo>
+                    <a:pt x="402337" y="112090"/>
+                    <a:pt x="1131666" y="420389"/>
+                    <a:pt x="1131666" y="917501"/>
+                  </a:cubicBezTo>
+                  <a:cubicBezTo>
+                    <a:pt x="1131666" y="1414613"/>
+                    <a:pt x="430986" y="1694230"/>
+                    <a:pt x="251253" y="1817601"/>
+                  </a:cubicBezTo>
+                  <a:cubicBezTo>
+                    <a:pt x="71520" y="1940972"/>
+                    <a:pt x="89611" y="1705076"/>
+                    <a:pt x="53270" y="1657724"/>
+                  </a:cubicBezTo>
+                  <a:cubicBezTo>
+                    <a:pt x="16929" y="1610372"/>
+                    <a:pt x="-34809" y="1588868"/>
+                    <a:pt x="33210" y="1533487"/>
+                  </a:cubicBezTo>
+                  <a:cubicBezTo>
+                    <a:pt x="101229" y="1478106"/>
+                    <a:pt x="375703" y="1418153"/>
+                    <a:pt x="447396" y="1338842"/>
+                  </a:cubicBezTo>
+                  <a:cubicBezTo>
+                    <a:pt x="519089" y="1259531"/>
+                    <a:pt x="598878" y="1020359"/>
+                    <a:pt x="605622" y="899859"/>
+                  </a:cubicBezTo>
+                  <a:close/>
+                </a:path>
+              </a:pathLst>
+            </a:custGeom>
+            <a:grpFill/>
+            <a:ln>
+              <a:noFill/>
+            </a:ln>
+            <a:effectLst/>
+          </p:spPr>
+          <p:style>
+            <a:lnRef idx="1">
+              <a:schemeClr val="accent1"/>
+            </a:lnRef>
+            <a:fillRef idx="3">
+              <a:schemeClr val="accent1"/>
+            </a:fillRef>
+            <a:effectRef idx="2">
+              <a:schemeClr val="accent1"/>
+            </a:effectRef>
+            <a:fontRef idx="minor">
+              <a:schemeClr val="lt1"/>
+            </a:fontRef>
+          </p:style>
+          <p:txBody>
+            <a:bodyPr rtlCol="0" anchor="ctr"/>
+            <a:lstStyle/>
+            <a:p>
+              <a:pPr algn="ctr"/>
+              <a:endParaRPr lang="en-US"/>
+            </a:p>
+          </p:txBody>
+        </p:sp>
+        <p:sp>
+          <p:nvSpPr>
+            <p:cNvPr id="7" name="Oval 6"/>
+            <p:cNvSpPr/>
+            <p:nvPr/>
+          </p:nvSpPr>
+          <p:spPr>
+            <a:xfrm rot="19501125">
+              <a:off x="219606" y="2860205"/>
+              <a:ext cx="1015863" cy="648694"/>
+            </a:xfrm>
+            <a:custGeom>
+              <a:avLst/>
+              <a:gdLst>
+                <a:gd name="connsiteX0" fmla="*/ 0 w 914400"/>
+                <a:gd name="connsiteY0" fmla="*/ 457200 h 914400"/>
+                <a:gd name="connsiteX1" fmla="*/ 457200 w 914400"/>
+                <a:gd name="connsiteY1" fmla="*/ 0 h 914400"/>
+                <a:gd name="connsiteX2" fmla="*/ 914400 w 914400"/>
+                <a:gd name="connsiteY2" fmla="*/ 457200 h 914400"/>
+                <a:gd name="connsiteX3" fmla="*/ 457200 w 914400"/>
+                <a:gd name="connsiteY3" fmla="*/ 914400 h 914400"/>
+                <a:gd name="connsiteX4" fmla="*/ 0 w 914400"/>
+                <a:gd name="connsiteY4" fmla="*/ 457200 h 914400"/>
+                <a:gd name="connsiteX0" fmla="*/ 0 w 914400"/>
+                <a:gd name="connsiteY0" fmla="*/ 89861 h 547061"/>
+                <a:gd name="connsiteX1" fmla="*/ 457200 w 914400"/>
+                <a:gd name="connsiteY1" fmla="*/ 197178 h 547061"/>
+                <a:gd name="connsiteX2" fmla="*/ 914400 w 914400"/>
+                <a:gd name="connsiteY2" fmla="*/ 89861 h 547061"/>
+                <a:gd name="connsiteX3" fmla="*/ 457200 w 914400"/>
+                <a:gd name="connsiteY3" fmla="*/ 547061 h 547061"/>
+                <a:gd name="connsiteX4" fmla="*/ 0 w 914400"/>
+                <a:gd name="connsiteY4" fmla="*/ 89861 h 547061"/>
+              </a:gdLst>
+              <a:ahLst/>
+              <a:cxnLst>
+                <a:cxn ang="0">
+                  <a:pos x="connsiteX0" y="connsiteY0"/>
+                </a:cxn>
+                <a:cxn ang="0">
+                  <a:pos x="connsiteX1" y="connsiteY1"/>
+                </a:cxn>
+                <a:cxn ang="0">
+                  <a:pos x="connsiteX2" y="connsiteY2"/>
+                </a:cxn>
+                <a:cxn ang="0">
+                  <a:pos x="connsiteX3" y="connsiteY3"/>
+                </a:cxn>
+                <a:cxn ang="0">
+                  <a:pos x="connsiteX4" y="connsiteY4"/>
+                </a:cxn>
+              </a:cxnLst>
+              <a:rect l="l" t="t" r="r" b="b"/>
+              <a:pathLst>
+                <a:path w="914400" h="547061">
+                  <a:moveTo>
+                    <a:pt x="0" y="89861"/>
+                  </a:moveTo>
+                  <a:cubicBezTo>
+                    <a:pt x="0" y="31547"/>
+                    <a:pt x="204695" y="197178"/>
+                    <a:pt x="457200" y="197178"/>
+                  </a:cubicBezTo>
+                  <a:cubicBezTo>
+                    <a:pt x="709705" y="197178"/>
+                    <a:pt x="914400" y="-162644"/>
+                    <a:pt x="914400" y="89861"/>
+                  </a:cubicBezTo>
+                  <a:cubicBezTo>
+                    <a:pt x="914400" y="342366"/>
+                    <a:pt x="709705" y="547061"/>
+                    <a:pt x="457200" y="547061"/>
+                  </a:cubicBezTo>
+                  <a:cubicBezTo>
+                    <a:pt x="204695" y="547061"/>
+                    <a:pt x="0" y="148175"/>
+                    <a:pt x="0" y="89861"/>
+                  </a:cubicBezTo>
+                  <a:close/>
+                </a:path>
+              </a:pathLst>
+            </a:custGeom>
+            <a:grpFill/>
+            <a:ln>
+              <a:noFill/>
+            </a:ln>
+            <a:effectLst/>
+          </p:spPr>
+          <p:style>
+            <a:lnRef idx="1">
+              <a:schemeClr val="accent1"/>
+            </a:lnRef>
+            <a:fillRef idx="3">
+              <a:schemeClr val="accent1"/>
+            </a:fillRef>
+            <a:effectRef idx="2">
+              <a:schemeClr val="accent1"/>
+            </a:effectRef>
+            <a:fontRef idx="minor">
+              <a:schemeClr val="lt1"/>
+            </a:fontRef>
+          </p:style>
+          <p:txBody>
+            <a:bodyPr rtlCol="0" anchor="ctr"/>
+            <a:lstStyle/>
+            <a:p>
+              <a:pPr algn="ctr"/>
+              <a:endParaRPr lang="en-US" dirty="0"/>
+            </a:p>
+          </p:txBody>
+        </p:sp>
+        <p:sp>
+          <p:nvSpPr>
+            <p:cNvPr id="26" name="Oval 6"/>
+            <p:cNvSpPr/>
+            <p:nvPr/>
+          </p:nvSpPr>
+          <p:spPr>
+            <a:xfrm rot="19610488">
+              <a:off x="542704" y="3274487"/>
+              <a:ext cx="914400" cy="547061"/>
+            </a:xfrm>
+            <a:custGeom>
+              <a:avLst/>
+              <a:gdLst>
+                <a:gd name="connsiteX0" fmla="*/ 0 w 914400"/>
+                <a:gd name="connsiteY0" fmla="*/ 457200 h 914400"/>
+                <a:gd name="connsiteX1" fmla="*/ 457200 w 914400"/>
+                <a:gd name="connsiteY1" fmla="*/ 0 h 914400"/>
+                <a:gd name="connsiteX2" fmla="*/ 914400 w 914400"/>
+                <a:gd name="connsiteY2" fmla="*/ 457200 h 914400"/>
+                <a:gd name="connsiteX3" fmla="*/ 457200 w 914400"/>
+                <a:gd name="connsiteY3" fmla="*/ 914400 h 914400"/>
+                <a:gd name="connsiteX4" fmla="*/ 0 w 914400"/>
+                <a:gd name="connsiteY4" fmla="*/ 457200 h 914400"/>
+                <a:gd name="connsiteX0" fmla="*/ 0 w 914400"/>
+                <a:gd name="connsiteY0" fmla="*/ 89861 h 547061"/>
+                <a:gd name="connsiteX1" fmla="*/ 457200 w 914400"/>
+                <a:gd name="connsiteY1" fmla="*/ 197178 h 547061"/>
+                <a:gd name="connsiteX2" fmla="*/ 914400 w 914400"/>
+                <a:gd name="connsiteY2" fmla="*/ 89861 h 547061"/>
+                <a:gd name="connsiteX3" fmla="*/ 457200 w 914400"/>
+                <a:gd name="connsiteY3" fmla="*/ 547061 h 547061"/>
+                <a:gd name="connsiteX4" fmla="*/ 0 w 914400"/>
+                <a:gd name="connsiteY4" fmla="*/ 89861 h 547061"/>
+              </a:gdLst>
+              <a:ahLst/>
+              <a:cxnLst>
+                <a:cxn ang="0">
+                  <a:pos x="connsiteX0" y="connsiteY0"/>
+                </a:cxn>
+                <a:cxn ang="0">
+                  <a:pos x="connsiteX1" y="connsiteY1"/>
+                </a:cxn>
+                <a:cxn ang="0">
+                  <a:pos x="connsiteX2" y="connsiteY2"/>
+                </a:cxn>
+                <a:cxn ang="0">
+                  <a:pos x="connsiteX3" y="connsiteY3"/>
+                </a:cxn>
+                <a:cxn ang="0">
+                  <a:pos x="connsiteX4" y="connsiteY4"/>
+                </a:cxn>
+              </a:cxnLst>
+              <a:rect l="l" t="t" r="r" b="b"/>
+              <a:pathLst>
+                <a:path w="914400" h="547061">
+                  <a:moveTo>
+                    <a:pt x="0" y="89861"/>
+                  </a:moveTo>
+                  <a:cubicBezTo>
+                    <a:pt x="0" y="31547"/>
+                    <a:pt x="204695" y="197178"/>
+                    <a:pt x="457200" y="197178"/>
+                  </a:cubicBezTo>
+                  <a:cubicBezTo>
+                    <a:pt x="709705" y="197178"/>
+                    <a:pt x="914400" y="-162644"/>
+                    <a:pt x="914400" y="89861"/>
+                  </a:cubicBezTo>
+                  <a:cubicBezTo>
+                    <a:pt x="914400" y="342366"/>
+                    <a:pt x="709705" y="547061"/>
+                    <a:pt x="457200" y="547061"/>
+                  </a:cubicBezTo>
+                  <a:cubicBezTo>
+                    <a:pt x="204695" y="547061"/>
+                    <a:pt x="0" y="148175"/>
+                    <a:pt x="0" y="89861"/>
+                  </a:cubicBezTo>
+                  <a:close/>
+                </a:path>
+              </a:pathLst>
+            </a:custGeom>
+            <a:grpFill/>
+            <a:ln>
+              <a:noFill/>
+            </a:ln>
+            <a:effectLst/>
+          </p:spPr>
+          <p:style>
+            <a:lnRef idx="1">
+              <a:schemeClr val="accent1"/>
+            </a:lnRef>
+            <a:fillRef idx="3">
+              <a:schemeClr val="accent1"/>
+            </a:fillRef>
+            <a:effectRef idx="2">
+              <a:schemeClr val="accent1"/>
+            </a:effectRef>
+            <a:fontRef idx="minor">
+              <a:schemeClr val="lt1"/>
+            </a:fontRef>
+          </p:style>
+          <p:txBody>
+            <a:bodyPr rtlCol="0" anchor="ctr"/>
+            <a:lstStyle/>
+            <a:p>
+              <a:pPr algn="ctr"/>
+              <a:endParaRPr lang="en-US"/>
+            </a:p>
+          </p:txBody>
+        </p:sp>
+      </p:grpSp>
+      <p:grpSp>
+        <p:nvGrpSpPr>
+          <p:cNvPr id="35" name="Group 34"/>
+          <p:cNvGrpSpPr/>
+          <p:nvPr/>
+        </p:nvGrpSpPr>
+        <p:grpSpPr>
+          <a:xfrm flipH="1">
+            <a:off x="6444208" y="404664"/>
+            <a:ext cx="1006218" cy="1707970"/>
+            <a:chOff x="219606" y="2278983"/>
+            <a:chExt cx="1408855" cy="1852901"/>
+          </a:xfrm>
+          <a:solidFill>
+            <a:schemeClr val="accent1">
+              <a:lumMod val="60000"/>
+              <a:lumOff val="40000"/>
+            </a:schemeClr>
+          </a:solidFill>
+        </p:grpSpPr>
+        <p:sp>
+          <p:nvSpPr>
+            <p:cNvPr id="36" name="Oval 2"/>
+            <p:cNvSpPr/>
+            <p:nvPr/>
+          </p:nvSpPr>
+          <p:spPr>
+            <a:xfrm rot="19363293">
+              <a:off x="496795" y="2278983"/>
+              <a:ext cx="1131666" cy="1852901"/>
+            </a:xfrm>
+            <a:custGeom>
+              <a:avLst/>
+              <a:gdLst>
+                <a:gd name="connsiteX0" fmla="*/ 0 w 1760825"/>
+                <a:gd name="connsiteY0" fmla="*/ 900100 h 1800200"/>
+                <a:gd name="connsiteX1" fmla="*/ 880413 w 1760825"/>
+                <a:gd name="connsiteY1" fmla="*/ 0 h 1800200"/>
+                <a:gd name="connsiteX2" fmla="*/ 1760826 w 1760825"/>
+                <a:gd name="connsiteY2" fmla="*/ 900100 h 1800200"/>
+                <a:gd name="connsiteX3" fmla="*/ 880413 w 1760825"/>
+                <a:gd name="connsiteY3" fmla="*/ 1800200 h 1800200"/>
+                <a:gd name="connsiteX4" fmla="*/ 0 w 1760825"/>
+                <a:gd name="connsiteY4" fmla="*/ 900100 h 1800200"/>
+                <a:gd name="connsiteX0" fmla="*/ 365878 w 891922"/>
+                <a:gd name="connsiteY0" fmla="*/ 882474 h 1800231"/>
+                <a:gd name="connsiteX1" fmla="*/ 11509 w 891922"/>
+                <a:gd name="connsiteY1" fmla="*/ 16 h 1800231"/>
+                <a:gd name="connsiteX2" fmla="*/ 891922 w 891922"/>
+                <a:gd name="connsiteY2" fmla="*/ 900116 h 1800231"/>
+                <a:gd name="connsiteX3" fmla="*/ 11509 w 891922"/>
+                <a:gd name="connsiteY3" fmla="*/ 1800216 h 1800231"/>
+                <a:gd name="connsiteX4" fmla="*/ 365878 w 891922"/>
+                <a:gd name="connsiteY4" fmla="*/ 882474 h 1800231"/>
+                <a:gd name="connsiteX0" fmla="*/ 475333 w 1001377"/>
+                <a:gd name="connsiteY0" fmla="*/ 882468 h 1810583"/>
+                <a:gd name="connsiteX1" fmla="*/ 120964 w 1001377"/>
+                <a:gd name="connsiteY1" fmla="*/ 10 h 1810583"/>
+                <a:gd name="connsiteX2" fmla="*/ 1001377 w 1001377"/>
+                <a:gd name="connsiteY2" fmla="*/ 900110 h 1810583"/>
+                <a:gd name="connsiteX3" fmla="*/ 120964 w 1001377"/>
+                <a:gd name="connsiteY3" fmla="*/ 1800210 h 1810583"/>
+                <a:gd name="connsiteX4" fmla="*/ 45177 w 1001377"/>
+                <a:gd name="connsiteY4" fmla="*/ 1358333 h 1810583"/>
+                <a:gd name="connsiteX5" fmla="*/ 475333 w 1001377"/>
+                <a:gd name="connsiteY5" fmla="*/ 882468 h 1810583"/>
+                <a:gd name="connsiteX0" fmla="*/ 467312 w 993356"/>
+                <a:gd name="connsiteY0" fmla="*/ 882468 h 1809916"/>
+                <a:gd name="connsiteX1" fmla="*/ 112943 w 993356"/>
+                <a:gd name="connsiteY1" fmla="*/ 10 h 1809916"/>
+                <a:gd name="connsiteX2" fmla="*/ 993356 w 993356"/>
+                <a:gd name="connsiteY2" fmla="*/ 900110 h 1809916"/>
+                <a:gd name="connsiteX3" fmla="*/ 112943 w 993356"/>
+                <a:gd name="connsiteY3" fmla="*/ 1800210 h 1809916"/>
+                <a:gd name="connsiteX4" fmla="*/ 37156 w 993356"/>
+                <a:gd name="connsiteY4" fmla="*/ 1358333 h 1809916"/>
+                <a:gd name="connsiteX5" fmla="*/ 479416 w 993356"/>
+                <a:gd name="connsiteY5" fmla="*/ 1185059 h 1809916"/>
+                <a:gd name="connsiteX6" fmla="*/ 467312 w 993356"/>
+                <a:gd name="connsiteY6" fmla="*/ 882468 h 1809916"/>
+                <a:gd name="connsiteX0" fmla="*/ 467312 w 993356"/>
+                <a:gd name="connsiteY0" fmla="*/ 882468 h 1809916"/>
+                <a:gd name="connsiteX1" fmla="*/ 112943 w 993356"/>
+                <a:gd name="connsiteY1" fmla="*/ 10 h 1809916"/>
+                <a:gd name="connsiteX2" fmla="*/ 993356 w 993356"/>
+                <a:gd name="connsiteY2" fmla="*/ 900110 h 1809916"/>
+                <a:gd name="connsiteX3" fmla="*/ 112943 w 993356"/>
+                <a:gd name="connsiteY3" fmla="*/ 1800210 h 1809916"/>
+                <a:gd name="connsiteX4" fmla="*/ 37156 w 993356"/>
+                <a:gd name="connsiteY4" fmla="*/ 1358333 h 1809916"/>
+                <a:gd name="connsiteX5" fmla="*/ 365230 w 993356"/>
+                <a:gd name="connsiteY5" fmla="*/ 1364188 h 1809916"/>
+                <a:gd name="connsiteX6" fmla="*/ 467312 w 993356"/>
+                <a:gd name="connsiteY6" fmla="*/ 882468 h 1809916"/>
+                <a:gd name="connsiteX0" fmla="*/ 505031 w 1031075"/>
+                <a:gd name="connsiteY0" fmla="*/ 882468 h 1814701"/>
+                <a:gd name="connsiteX1" fmla="*/ 150662 w 1031075"/>
+                <a:gd name="connsiteY1" fmla="*/ 10 h 1814701"/>
+                <a:gd name="connsiteX2" fmla="*/ 1031075 w 1031075"/>
+                <a:gd name="connsiteY2" fmla="*/ 900110 h 1814701"/>
+                <a:gd name="connsiteX3" fmla="*/ 150662 w 1031075"/>
+                <a:gd name="connsiteY3" fmla="*/ 1800210 h 1814701"/>
+                <a:gd name="connsiteX4" fmla="*/ 21450 w 1031075"/>
+                <a:gd name="connsiteY4" fmla="*/ 1428520 h 1814701"/>
+                <a:gd name="connsiteX5" fmla="*/ 402949 w 1031075"/>
+                <a:gd name="connsiteY5" fmla="*/ 1364188 h 1814701"/>
+                <a:gd name="connsiteX6" fmla="*/ 505031 w 1031075"/>
+                <a:gd name="connsiteY6" fmla="*/ 882468 h 1814701"/>
+                <a:gd name="connsiteX0" fmla="*/ 505031 w 1031075"/>
+                <a:gd name="connsiteY0" fmla="*/ 882468 h 1814701"/>
+                <a:gd name="connsiteX1" fmla="*/ 150662 w 1031075"/>
+                <a:gd name="connsiteY1" fmla="*/ 10 h 1814701"/>
+                <a:gd name="connsiteX2" fmla="*/ 1031075 w 1031075"/>
+                <a:gd name="connsiteY2" fmla="*/ 900110 h 1814701"/>
+                <a:gd name="connsiteX3" fmla="*/ 150662 w 1031075"/>
+                <a:gd name="connsiteY3" fmla="*/ 1800210 h 1814701"/>
+                <a:gd name="connsiteX4" fmla="*/ 21450 w 1031075"/>
+                <a:gd name="connsiteY4" fmla="*/ 1428520 h 1814701"/>
+                <a:gd name="connsiteX5" fmla="*/ 346805 w 1031075"/>
+                <a:gd name="connsiteY5" fmla="*/ 1321451 h 1814701"/>
+                <a:gd name="connsiteX6" fmla="*/ 505031 w 1031075"/>
+                <a:gd name="connsiteY6" fmla="*/ 882468 h 1814701"/>
+                <a:gd name="connsiteX0" fmla="*/ 505031 w 1031075"/>
+                <a:gd name="connsiteY0" fmla="*/ 901611 h 1833844"/>
+                <a:gd name="connsiteX1" fmla="*/ 124572 w 1031075"/>
+                <a:gd name="connsiteY1" fmla="*/ 351117 h 1833844"/>
+                <a:gd name="connsiteX2" fmla="*/ 150662 w 1031075"/>
+                <a:gd name="connsiteY2" fmla="*/ 19153 h 1833844"/>
+                <a:gd name="connsiteX3" fmla="*/ 1031075 w 1031075"/>
+                <a:gd name="connsiteY3" fmla="*/ 919253 h 1833844"/>
+                <a:gd name="connsiteX4" fmla="*/ 150662 w 1031075"/>
+                <a:gd name="connsiteY4" fmla="*/ 1819353 h 1833844"/>
+                <a:gd name="connsiteX5" fmla="*/ 21450 w 1031075"/>
+                <a:gd name="connsiteY5" fmla="*/ 1447663 h 1833844"/>
+                <a:gd name="connsiteX6" fmla="*/ 346805 w 1031075"/>
+                <a:gd name="connsiteY6" fmla="*/ 1340594 h 1833844"/>
+                <a:gd name="connsiteX7" fmla="*/ 505031 w 1031075"/>
+                <a:gd name="connsiteY7" fmla="*/ 901611 h 1833844"/>
+                <a:gd name="connsiteX0" fmla="*/ 505031 w 1031075"/>
+                <a:gd name="connsiteY0" fmla="*/ 899859 h 1832092"/>
+                <a:gd name="connsiteX1" fmla="*/ 387272 w 1031075"/>
+                <a:gd name="connsiteY1" fmla="*/ 615844 h 1832092"/>
+                <a:gd name="connsiteX2" fmla="*/ 124572 w 1031075"/>
+                <a:gd name="connsiteY2" fmla="*/ 349365 h 1832092"/>
+                <a:gd name="connsiteX3" fmla="*/ 150662 w 1031075"/>
+                <a:gd name="connsiteY3" fmla="*/ 17401 h 1832092"/>
+                <a:gd name="connsiteX4" fmla="*/ 1031075 w 1031075"/>
+                <a:gd name="connsiteY4" fmla="*/ 917501 h 1832092"/>
+                <a:gd name="connsiteX5" fmla="*/ 150662 w 1031075"/>
+                <a:gd name="connsiteY5" fmla="*/ 1817601 h 1832092"/>
+                <a:gd name="connsiteX6" fmla="*/ 21450 w 1031075"/>
+                <a:gd name="connsiteY6" fmla="*/ 1445911 h 1832092"/>
+                <a:gd name="connsiteX7" fmla="*/ 346805 w 1031075"/>
+                <a:gd name="connsiteY7" fmla="*/ 1338842 h 1832092"/>
+                <a:gd name="connsiteX8" fmla="*/ 505031 w 1031075"/>
+                <a:gd name="connsiteY8" fmla="*/ 899859 h 1832092"/>
+                <a:gd name="connsiteX0" fmla="*/ 582695 w 1108739"/>
+                <a:gd name="connsiteY0" fmla="*/ 899859 h 1840800"/>
+                <a:gd name="connsiteX1" fmla="*/ 464936 w 1108739"/>
+                <a:gd name="connsiteY1" fmla="*/ 615844 h 1840800"/>
+                <a:gd name="connsiteX2" fmla="*/ 202236 w 1108739"/>
+                <a:gd name="connsiteY2" fmla="*/ 349365 h 1840800"/>
+                <a:gd name="connsiteX3" fmla="*/ 228326 w 1108739"/>
+                <a:gd name="connsiteY3" fmla="*/ 17401 h 1840800"/>
+                <a:gd name="connsiteX4" fmla="*/ 1108739 w 1108739"/>
+                <a:gd name="connsiteY4" fmla="*/ 917501 h 1840800"/>
+                <a:gd name="connsiteX5" fmla="*/ 228326 w 1108739"/>
+                <a:gd name="connsiteY5" fmla="*/ 1817601 h 1840800"/>
+                <a:gd name="connsiteX6" fmla="*/ 10283 w 1108739"/>
+                <a:gd name="connsiteY6" fmla="*/ 1533487 h 1840800"/>
+                <a:gd name="connsiteX7" fmla="*/ 424469 w 1108739"/>
+                <a:gd name="connsiteY7" fmla="*/ 1338842 h 1840800"/>
+                <a:gd name="connsiteX8" fmla="*/ 582695 w 1108739"/>
+                <a:gd name="connsiteY8" fmla="*/ 899859 h 1840800"/>
+                <a:gd name="connsiteX0" fmla="*/ 701111 w 1227155"/>
+                <a:gd name="connsiteY0" fmla="*/ 899859 h 1841204"/>
+                <a:gd name="connsiteX1" fmla="*/ 583352 w 1227155"/>
+                <a:gd name="connsiteY1" fmla="*/ 615844 h 1841204"/>
+                <a:gd name="connsiteX2" fmla="*/ 320652 w 1227155"/>
+                <a:gd name="connsiteY2" fmla="*/ 349365 h 1841204"/>
+                <a:gd name="connsiteX3" fmla="*/ 346742 w 1227155"/>
+                <a:gd name="connsiteY3" fmla="*/ 17401 h 1841204"/>
+                <a:gd name="connsiteX4" fmla="*/ 1227155 w 1227155"/>
+                <a:gd name="connsiteY4" fmla="*/ 917501 h 1841204"/>
+                <a:gd name="connsiteX5" fmla="*/ 346742 w 1227155"/>
+                <a:gd name="connsiteY5" fmla="*/ 1817601 h 1841204"/>
+                <a:gd name="connsiteX6" fmla="*/ 8445 w 1227155"/>
+                <a:gd name="connsiteY6" fmla="*/ 1574971 h 1841204"/>
+                <a:gd name="connsiteX7" fmla="*/ 128699 w 1227155"/>
+                <a:gd name="connsiteY7" fmla="*/ 1533487 h 1841204"/>
+                <a:gd name="connsiteX8" fmla="*/ 542885 w 1227155"/>
+                <a:gd name="connsiteY8" fmla="*/ 1338842 h 1841204"/>
+                <a:gd name="connsiteX9" fmla="*/ 701111 w 1227155"/>
+                <a:gd name="connsiteY9" fmla="*/ 899859 h 1841204"/>
+                <a:gd name="connsiteX0" fmla="*/ 605622 w 1131666"/>
+                <a:gd name="connsiteY0" fmla="*/ 899859 h 1852901"/>
+                <a:gd name="connsiteX1" fmla="*/ 487863 w 1131666"/>
+                <a:gd name="connsiteY1" fmla="*/ 615844 h 1852901"/>
+                <a:gd name="connsiteX2" fmla="*/ 225163 w 1131666"/>
+                <a:gd name="connsiteY2" fmla="*/ 349365 h 1852901"/>
+                <a:gd name="connsiteX3" fmla="*/ 251253 w 1131666"/>
+                <a:gd name="connsiteY3" fmla="*/ 17401 h 1852901"/>
+                <a:gd name="connsiteX4" fmla="*/ 1131666 w 1131666"/>
+                <a:gd name="connsiteY4" fmla="*/ 917501 h 1852901"/>
+                <a:gd name="connsiteX5" fmla="*/ 251253 w 1131666"/>
+                <a:gd name="connsiteY5" fmla="*/ 1817601 h 1852901"/>
+                <a:gd name="connsiteX6" fmla="*/ 53270 w 1131666"/>
+                <a:gd name="connsiteY6" fmla="*/ 1657724 h 1852901"/>
+                <a:gd name="connsiteX7" fmla="*/ 33210 w 1131666"/>
+                <a:gd name="connsiteY7" fmla="*/ 1533487 h 1852901"/>
+                <a:gd name="connsiteX8" fmla="*/ 447396 w 1131666"/>
+                <a:gd name="connsiteY8" fmla="*/ 1338842 h 1852901"/>
+                <a:gd name="connsiteX9" fmla="*/ 605622 w 1131666"/>
+                <a:gd name="connsiteY9" fmla="*/ 899859 h 1852901"/>
+              </a:gdLst>
+              <a:ahLst/>
+              <a:cxnLst>
+                <a:cxn ang="0">
+                  <a:pos x="connsiteX0" y="connsiteY0"/>
+                </a:cxn>
+                <a:cxn ang="0">
+                  <a:pos x="connsiteX1" y="connsiteY1"/>
+                </a:cxn>
+                <a:cxn ang="0">
+                  <a:pos x="connsiteX2" y="connsiteY2"/>
+                </a:cxn>
+                <a:cxn ang="0">
+                  <a:pos x="connsiteX3" y="connsiteY3"/>
+                </a:cxn>
+                <a:cxn ang="0">
+                  <a:pos x="connsiteX4" y="connsiteY4"/>
+                </a:cxn>
+                <a:cxn ang="0">
+                  <a:pos x="connsiteX5" y="connsiteY5"/>
+                </a:cxn>
+                <a:cxn ang="0">
+                  <a:pos x="connsiteX6" y="connsiteY6"/>
+                </a:cxn>
+                <a:cxn ang="0">
+                  <a:pos x="connsiteX7" y="connsiteY7"/>
+                </a:cxn>
+                <a:cxn ang="0">
+                  <a:pos x="connsiteX8" y="connsiteY8"/>
+                </a:cxn>
+                <a:cxn ang="0">
+                  <a:pos x="connsiteX9" y="connsiteY9"/>
+                </a:cxn>
+              </a:cxnLst>
+              <a:rect l="l" t="t" r="r" b="b"/>
+              <a:pathLst>
+                <a:path w="1131666" h="1852901">
+                  <a:moveTo>
+                    <a:pt x="605622" y="899859"/>
+                  </a:moveTo>
+                  <a:cubicBezTo>
+                    <a:pt x="612367" y="779359"/>
+                    <a:pt x="551273" y="707593"/>
+                    <a:pt x="487863" y="615844"/>
+                  </a:cubicBezTo>
+                  <a:cubicBezTo>
+                    <a:pt x="424453" y="524095"/>
+                    <a:pt x="257475" y="458463"/>
+                    <a:pt x="225163" y="349365"/>
+                  </a:cubicBezTo>
+                  <a:cubicBezTo>
+                    <a:pt x="192851" y="240267"/>
+                    <a:pt x="100169" y="-77288"/>
+                    <a:pt x="251253" y="17401"/>
+                  </a:cubicBezTo>
+                  <a:cubicBezTo>
+                    <a:pt x="402337" y="112090"/>
+                    <a:pt x="1131666" y="420389"/>
+                    <a:pt x="1131666" y="917501"/>
+                  </a:cubicBezTo>
+                  <a:cubicBezTo>
+                    <a:pt x="1131666" y="1414613"/>
+                    <a:pt x="430986" y="1694230"/>
+                    <a:pt x="251253" y="1817601"/>
+                  </a:cubicBezTo>
+                  <a:cubicBezTo>
+                    <a:pt x="71520" y="1940972"/>
+                    <a:pt x="89611" y="1705076"/>
+                    <a:pt x="53270" y="1657724"/>
+                  </a:cubicBezTo>
+                  <a:cubicBezTo>
+                    <a:pt x="16929" y="1610372"/>
+                    <a:pt x="-34809" y="1588868"/>
+                    <a:pt x="33210" y="1533487"/>
+                  </a:cubicBezTo>
+                  <a:cubicBezTo>
+                    <a:pt x="101229" y="1478106"/>
+                    <a:pt x="375703" y="1418153"/>
+                    <a:pt x="447396" y="1338842"/>
+                  </a:cubicBezTo>
+                  <a:cubicBezTo>
+                    <a:pt x="519089" y="1259531"/>
+                    <a:pt x="598878" y="1020359"/>
+                    <a:pt x="605622" y="899859"/>
+                  </a:cubicBezTo>
+                  <a:close/>
+                </a:path>
+              </a:pathLst>
+            </a:custGeom>
+            <a:grpFill/>
+            <a:ln>
+              <a:noFill/>
+            </a:ln>
+            <a:effectLst/>
+          </p:spPr>
+          <p:style>
+            <a:lnRef idx="1">
+              <a:schemeClr val="accent1"/>
+            </a:lnRef>
+            <a:fillRef idx="3">
+              <a:schemeClr val="accent1"/>
+            </a:fillRef>
+            <a:effectRef idx="2">
+              <a:schemeClr val="accent1"/>
+            </a:effectRef>
+            <a:fontRef idx="minor">
+              <a:schemeClr val="lt1"/>
+            </a:fontRef>
+          </p:style>
+          <p:txBody>
+            <a:bodyPr rtlCol="0" anchor="ctr"/>
+            <a:lstStyle/>
+            <a:p>
+              <a:pPr algn="ctr"/>
+              <a:endParaRPr lang="en-US"/>
+            </a:p>
+          </p:txBody>
+        </p:sp>
+        <p:sp>
+          <p:nvSpPr>
+            <p:cNvPr id="37" name="Oval 6"/>
+            <p:cNvSpPr/>
+            <p:nvPr/>
+          </p:nvSpPr>
+          <p:spPr>
+            <a:xfrm rot="19501125">
+              <a:off x="219606" y="2860205"/>
+              <a:ext cx="1015863" cy="648694"/>
+            </a:xfrm>
+            <a:custGeom>
+              <a:avLst/>
+              <a:gdLst>
+                <a:gd name="connsiteX0" fmla="*/ 0 w 914400"/>
+                <a:gd name="connsiteY0" fmla="*/ 457200 h 914400"/>
+                <a:gd name="connsiteX1" fmla="*/ 457200 w 914400"/>
+                <a:gd name="connsiteY1" fmla="*/ 0 h 914400"/>
+                <a:gd name="connsiteX2" fmla="*/ 914400 w 914400"/>
+                <a:gd name="connsiteY2" fmla="*/ 457200 h 914400"/>
+                <a:gd name="connsiteX3" fmla="*/ 457200 w 914400"/>
+                <a:gd name="connsiteY3" fmla="*/ 914400 h 914400"/>
+                <a:gd name="connsiteX4" fmla="*/ 0 w 914400"/>
+                <a:gd name="connsiteY4" fmla="*/ 457200 h 914400"/>
+                <a:gd name="connsiteX0" fmla="*/ 0 w 914400"/>
+                <a:gd name="connsiteY0" fmla="*/ 89861 h 547061"/>
+                <a:gd name="connsiteX1" fmla="*/ 457200 w 914400"/>
+                <a:gd name="connsiteY1" fmla="*/ 197178 h 547061"/>
+                <a:gd name="connsiteX2" fmla="*/ 914400 w 914400"/>
+                <a:gd name="connsiteY2" fmla="*/ 89861 h 547061"/>
+                <a:gd name="connsiteX3" fmla="*/ 457200 w 914400"/>
+                <a:gd name="connsiteY3" fmla="*/ 547061 h 547061"/>
+                <a:gd name="connsiteX4" fmla="*/ 0 w 914400"/>
+                <a:gd name="connsiteY4" fmla="*/ 89861 h 547061"/>
+              </a:gdLst>
+              <a:ahLst/>
+              <a:cxnLst>
+                <a:cxn ang="0">
+                  <a:pos x="connsiteX0" y="connsiteY0"/>
+                </a:cxn>
+                <a:cxn ang="0">
+                  <a:pos x="connsiteX1" y="connsiteY1"/>
+                </a:cxn>
+                <a:cxn ang="0">
+                  <a:pos x="connsiteX2" y="connsiteY2"/>
+                </a:cxn>
+                <a:cxn ang="0">
+                  <a:pos x="connsiteX3" y="connsiteY3"/>
+                </a:cxn>
+                <a:cxn ang="0">
+                  <a:pos x="connsiteX4" y="connsiteY4"/>
+                </a:cxn>
+              </a:cxnLst>
+              <a:rect l="l" t="t" r="r" b="b"/>
+              <a:pathLst>
+                <a:path w="914400" h="547061">
+                  <a:moveTo>
+                    <a:pt x="0" y="89861"/>
+                  </a:moveTo>
+                  <a:cubicBezTo>
+                    <a:pt x="0" y="31547"/>
+                    <a:pt x="204695" y="197178"/>
+                    <a:pt x="457200" y="197178"/>
+                  </a:cubicBezTo>
+                  <a:cubicBezTo>
+                    <a:pt x="709705" y="197178"/>
+                    <a:pt x="914400" y="-162644"/>
+                    <a:pt x="914400" y="89861"/>
+                  </a:cubicBezTo>
+                  <a:cubicBezTo>
+                    <a:pt x="914400" y="342366"/>
+                    <a:pt x="709705" y="547061"/>
+                    <a:pt x="457200" y="547061"/>
+                  </a:cubicBezTo>
+                  <a:cubicBezTo>
+                    <a:pt x="204695" y="547061"/>
+                    <a:pt x="0" y="148175"/>
+                    <a:pt x="0" y="89861"/>
+                  </a:cubicBezTo>
+                  <a:close/>
+                </a:path>
+              </a:pathLst>
+            </a:custGeom>
+            <a:grpFill/>
+            <a:ln>
+              <a:noFill/>
+            </a:ln>
+            <a:effectLst/>
+          </p:spPr>
+          <p:style>
+            <a:lnRef idx="1">
+              <a:schemeClr val="accent1"/>
+            </a:lnRef>
+            <a:fillRef idx="3">
+              <a:schemeClr val="accent1"/>
+            </a:fillRef>
+            <a:effectRef idx="2">
+              <a:schemeClr val="accent1"/>
+            </a:effectRef>
+            <a:fontRef idx="minor">
+              <a:schemeClr val="lt1"/>
+            </a:fontRef>
+          </p:style>
+          <p:txBody>
+            <a:bodyPr rtlCol="0" anchor="ctr"/>
+            <a:lstStyle/>
+            <a:p>
+              <a:pPr algn="ctr"/>
+              <a:endParaRPr lang="en-US" dirty="0"/>
+            </a:p>
+          </p:txBody>
+        </p:sp>
+        <p:sp>
+          <p:nvSpPr>
+            <p:cNvPr id="38" name="Oval 6"/>
+            <p:cNvSpPr/>
+            <p:nvPr/>
+          </p:nvSpPr>
+          <p:spPr>
+            <a:xfrm rot="19610488">
+              <a:off x="542704" y="3274487"/>
+              <a:ext cx="914400" cy="547061"/>
+            </a:xfrm>
+            <a:custGeom>
+              <a:avLst/>
+              <a:gdLst>
+                <a:gd name="connsiteX0" fmla="*/ 0 w 914400"/>
+                <a:gd name="connsiteY0" fmla="*/ 457200 h 914400"/>
+                <a:gd name="connsiteX1" fmla="*/ 457200 w 914400"/>
+                <a:gd name="connsiteY1" fmla="*/ 0 h 914400"/>
+                <a:gd name="connsiteX2" fmla="*/ 914400 w 914400"/>
+                <a:gd name="connsiteY2" fmla="*/ 457200 h 914400"/>
+                <a:gd name="connsiteX3" fmla="*/ 457200 w 914400"/>
+                <a:gd name="connsiteY3" fmla="*/ 914400 h 914400"/>
+                <a:gd name="connsiteX4" fmla="*/ 0 w 914400"/>
+                <a:gd name="connsiteY4" fmla="*/ 457200 h 914400"/>
+                <a:gd name="connsiteX0" fmla="*/ 0 w 914400"/>
+                <a:gd name="connsiteY0" fmla="*/ 89861 h 547061"/>
+                <a:gd name="connsiteX1" fmla="*/ 457200 w 914400"/>
+                <a:gd name="connsiteY1" fmla="*/ 197178 h 547061"/>
+                <a:gd name="connsiteX2" fmla="*/ 914400 w 914400"/>
+                <a:gd name="connsiteY2" fmla="*/ 89861 h 547061"/>
+                <a:gd name="connsiteX3" fmla="*/ 457200 w 914400"/>
+                <a:gd name="connsiteY3" fmla="*/ 547061 h 547061"/>
+                <a:gd name="connsiteX4" fmla="*/ 0 w 914400"/>
+                <a:gd name="connsiteY4" fmla="*/ 89861 h 547061"/>
+              </a:gdLst>
+              <a:ahLst/>
+              <a:cxnLst>
+                <a:cxn ang="0">
+                  <a:pos x="connsiteX0" y="connsiteY0"/>
+                </a:cxn>
+                <a:cxn ang="0">
+                  <a:pos x="connsiteX1" y="connsiteY1"/>
+                </a:cxn>
+                <a:cxn ang="0">
+                  <a:pos x="connsiteX2" y="connsiteY2"/>
+                </a:cxn>
+                <a:cxn ang="0">
+                  <a:pos x="connsiteX3" y="connsiteY3"/>
+                </a:cxn>
+                <a:cxn ang="0">
+                  <a:pos x="connsiteX4" y="connsiteY4"/>
+                </a:cxn>
+              </a:cxnLst>
+              <a:rect l="l" t="t" r="r" b="b"/>
+              <a:pathLst>
+                <a:path w="914400" h="547061">
+                  <a:moveTo>
+                    <a:pt x="0" y="89861"/>
+                  </a:moveTo>
+                  <a:cubicBezTo>
+                    <a:pt x="0" y="31547"/>
+                    <a:pt x="204695" y="197178"/>
+                    <a:pt x="457200" y="197178"/>
+                  </a:cubicBezTo>
+                  <a:cubicBezTo>
+                    <a:pt x="709705" y="197178"/>
+                    <a:pt x="914400" y="-162644"/>
+                    <a:pt x="914400" y="89861"/>
+                  </a:cubicBezTo>
+                  <a:cubicBezTo>
+                    <a:pt x="914400" y="342366"/>
+                    <a:pt x="709705" y="547061"/>
+                    <a:pt x="457200" y="547061"/>
+                  </a:cubicBezTo>
+                  <a:cubicBezTo>
+                    <a:pt x="204695" y="547061"/>
+                    <a:pt x="0" y="148175"/>
+                    <a:pt x="0" y="89861"/>
+                  </a:cubicBezTo>
+                  <a:close/>
+                </a:path>
+              </a:pathLst>
+            </a:custGeom>
+            <a:grpFill/>
+            <a:ln>
+              <a:noFill/>
+            </a:ln>
+            <a:effectLst/>
+          </p:spPr>
+          <p:style>
+            <a:lnRef idx="1">
+              <a:schemeClr val="accent1"/>
+            </a:lnRef>
+            <a:fillRef idx="3">
+              <a:schemeClr val="accent1"/>
+            </a:fillRef>
+            <a:effectRef idx="2">
+              <a:schemeClr val="accent1"/>
+            </a:effectRef>
+            <a:fontRef idx="minor">
+              <a:schemeClr val="lt1"/>
+            </a:fontRef>
+          </p:style>
+          <p:txBody>
+            <a:bodyPr rtlCol="0" anchor="ctr"/>
+            <a:lstStyle/>
+            <a:p>
+              <a:pPr algn="ctr"/>
+              <a:endParaRPr lang="en-US"/>
+            </a:p>
+          </p:txBody>
+        </p:sp>
+      </p:grpSp>
     </p:spTree>
     <p:extLst>
       <p:ext uri="{BB962C8B-B14F-4D97-AF65-F5344CB8AC3E}">
         <p14:creationId xmlns:p14="http://schemas.microsoft.com/office/powerpoint/2010/main" val="3745161445"/>
+      </p:ext>
+    </p:extLst>
+  </p:cSld>
+  <p:clrMapOvr>
+    <a:masterClrMapping/>
+  </p:clrMapOvr>
+</p:sld>
+</file>
+
+<file path=ppt/slides/slide6.xml><?xml version="1.0" encoding="utf-8"?>
+<p:sld xmlns:a="http://schemas.openxmlformats.org/drawingml/2006/main" xmlns:r="http://schemas.openxmlformats.org/officeDocument/2006/relationships" xmlns:p="http://schemas.openxmlformats.org/presentationml/2006/main">
+  <p:cSld>
+    <p:spTree>
+      <p:nvGrpSpPr>
+        <p:cNvPr id="1" name=""/>
+        <p:cNvGrpSpPr/>
+        <p:nvPr/>
+      </p:nvGrpSpPr>
+      <p:grpSpPr>
+        <a:xfrm>
+          <a:off x="0" y="0"/>
+          <a:ext cx="0" cy="0"/>
+          <a:chOff x="0" y="0"/>
+          <a:chExt cx="0" cy="0"/>
+        </a:xfrm>
+      </p:grpSpPr>
+      <p:sp>
+        <p:nvSpPr>
+          <p:cNvPr id="4" name="Wave 3"/>
+          <p:cNvSpPr/>
+          <p:nvPr/>
+        </p:nvSpPr>
+        <p:spPr>
+          <a:xfrm>
+            <a:off x="539552" y="2204864"/>
+            <a:ext cx="7776864" cy="1656184"/>
+          </a:xfrm>
+          <a:prstGeom prst="wave">
+            <a:avLst/>
+          </a:prstGeom>
+          <a:solidFill>
+            <a:srgbClr val="980202"/>
+          </a:solidFill>
+          <a:ln>
+            <a:noFill/>
+          </a:ln>
+          <a:effectLst/>
+        </p:spPr>
+        <p:style>
+          <a:lnRef idx="1">
+            <a:schemeClr val="accent1"/>
+          </a:lnRef>
+          <a:fillRef idx="3">
+            <a:schemeClr val="accent1"/>
+          </a:fillRef>
+          <a:effectRef idx="2">
+            <a:schemeClr val="accent1"/>
+          </a:effectRef>
+          <a:fontRef idx="minor">
+            <a:schemeClr val="lt1"/>
+          </a:fontRef>
+        </p:style>
+        <p:txBody>
+          <a:bodyPr rtlCol="0" anchor="ctr"/>
+          <a:lstStyle/>
+          <a:p>
+            <a:pPr algn="ctr"/>
+            <a:r>
+              <a:rPr lang="en-US" sz="4800" dirty="0" smtClean="0"/>
+              <a:t>CHEGADA</a:t>
+            </a:r>
+            <a:endParaRPr lang="en-US" sz="4800" dirty="0"/>
+          </a:p>
+        </p:txBody>
+      </p:sp>
+    </p:spTree>
+    <p:extLst>
+      <p:ext uri="{BB962C8B-B14F-4D97-AF65-F5344CB8AC3E}">
+        <p14:creationId xmlns:p14="http://schemas.microsoft.com/office/powerpoint/2010/main" val="2927340185"/>
+      </p:ext>
+    </p:extLst>
+  </p:cSld>
+  <p:clrMapOvr>
+    <a:masterClrMapping/>
+  </p:clrMapOvr>
+</p:sld>
+</file>
+
+<file path=ppt/slides/slide7.xml><?xml version="1.0" encoding="utf-8"?>
+<p:sld xmlns:a="http://schemas.openxmlformats.org/drawingml/2006/main" xmlns:r="http://schemas.openxmlformats.org/officeDocument/2006/relationships" xmlns:p="http://schemas.openxmlformats.org/presentationml/2006/main">
+  <p:cSld>
+    <p:spTree>
+      <p:nvGrpSpPr>
+        <p:cNvPr id="1" name=""/>
+        <p:cNvGrpSpPr/>
+        <p:nvPr/>
+      </p:nvGrpSpPr>
+      <p:grpSpPr>
+        <a:xfrm>
+          <a:off x="0" y="0"/>
+          <a:ext cx="0" cy="0"/>
+          <a:chOff x="0" y="0"/>
+          <a:chExt cx="0" cy="0"/>
+        </a:xfrm>
+      </p:grpSpPr>
+      <p:sp>
+        <p:nvSpPr>
+          <p:cNvPr id="2" name="Title 1"/>
+          <p:cNvSpPr>
+            <a:spLocks noGrp="1"/>
+          </p:cNvSpPr>
+          <p:nvPr>
+            <p:ph type="title"/>
+          </p:nvPr>
+        </p:nvSpPr>
+        <p:spPr/>
+        <p:txBody>
+          <a:bodyPr/>
+          <a:lstStyle/>
+          <a:p>
+            <a:endParaRPr lang="en-US"/>
+          </a:p>
+        </p:txBody>
+      </p:sp>
+      <p:sp>
+        <p:nvSpPr>
+          <p:cNvPr id="3" name="Content Placeholder 2"/>
+          <p:cNvSpPr>
+            <a:spLocks noGrp="1"/>
+          </p:cNvSpPr>
+          <p:nvPr>
+            <p:ph idx="1"/>
+          </p:nvPr>
+        </p:nvSpPr>
+        <p:spPr/>
+        <p:txBody>
+          <a:bodyPr/>
+          <a:lstStyle/>
+          <a:p>
+            <a:endParaRPr lang="en-US"/>
+          </a:p>
+        </p:txBody>
+      </p:sp>
+    </p:spTree>
+    <p:extLst>
+      <p:ext uri="{BB962C8B-B14F-4D97-AF65-F5344CB8AC3E}">
+        <p14:creationId xmlns:p14="http://schemas.microsoft.com/office/powerpoint/2010/main" val="3668138668"/>
       </p:ext>
     </p:extLst>
   </p:cSld>
@@ -7866,4 +12140,324 @@
   <a:objectDefaults/>
   <a:extraClrSchemeLst/>
 </a:theme>
+</file>
+
+<file path=ppt/theme/theme2.xml><?xml version="1.0" encoding="utf-8"?>
+<a:theme xmlns:a="http://schemas.openxmlformats.org/drawingml/2006/main" name="Office Theme">
+  <a:themeElements>
+    <a:clrScheme name="Office">
+      <a:dk1>
+        <a:sysClr val="windowText" lastClr="000000"/>
+      </a:dk1>
+      <a:lt1>
+        <a:sysClr val="window" lastClr="FFFFFF"/>
+      </a:lt1>
+      <a:dk2>
+        <a:srgbClr val="1F497D"/>
+      </a:dk2>
+      <a:lt2>
+        <a:srgbClr val="EEECE1"/>
+      </a:lt2>
+      <a:accent1>
+        <a:srgbClr val="4F81BD"/>
+      </a:accent1>
+      <a:accent2>
+        <a:srgbClr val="C0504D"/>
+      </a:accent2>
+      <a:accent3>
+        <a:srgbClr val="9BBB59"/>
+      </a:accent3>
+      <a:accent4>
+        <a:srgbClr val="8064A2"/>
+      </a:accent4>
+      <a:accent5>
+        <a:srgbClr val="4BACC6"/>
+      </a:accent5>
+      <a:accent6>
+        <a:srgbClr val="F79646"/>
+      </a:accent6>
+      <a:hlink>
+        <a:srgbClr val="0000FF"/>
+      </a:hlink>
+      <a:folHlink>
+        <a:srgbClr val="800080"/>
+      </a:folHlink>
+    </a:clrScheme>
+    <a:fontScheme name="Office">
+      <a:majorFont>
+        <a:latin typeface="Calibri"/>
+        <a:ea typeface=""/>
+        <a:cs typeface=""/>
+        <a:font script="Jpan" typeface="ＭＳ Ｐゴシック"/>
+        <a:font script="Hang" typeface="맑은 고딕"/>
+        <a:font script="Hans" typeface="宋体"/>
+        <a:font script="Hant" typeface="新細明體"/>
+        <a:font script="Arab" typeface="Times New Roman"/>
+        <a:font script="Hebr" typeface="Times New Roman"/>
+        <a:font script="Thai" typeface="Angsana New"/>
+        <a:font script="Ethi" typeface="Nyala"/>
+        <a:font script="Beng" typeface="Vrinda"/>
+        <a:font script="Gujr" typeface="Shruti"/>
+        <a:font script="Khmr" typeface="MoolBoran"/>
+        <a:font script="Knda" typeface="Tunga"/>
+        <a:font script="Guru" typeface="Raavi"/>
+        <a:font script="Cans" typeface="Euphemia"/>
+        <a:font script="Cher" typeface="Plantagenet Cherokee"/>
+        <a:font script="Yiii" typeface="Microsoft Yi Baiti"/>
+        <a:font script="Tibt" typeface="Microsoft Himalaya"/>
+        <a:font script="Thaa" typeface="MV Boli"/>
+        <a:font script="Deva" typeface="Mangal"/>
+        <a:font script="Telu" typeface="Gautami"/>
+        <a:font script="Taml" typeface="Latha"/>
+        <a:font script="Syrc" typeface="Estrangelo Edessa"/>
+        <a:font script="Orya" typeface="Kalinga"/>
+        <a:font script="Mlym" typeface="Kartika"/>
+        <a:font script="Laoo" typeface="DokChampa"/>
+        <a:font script="Sinh" typeface="Iskoola Pota"/>
+        <a:font script="Mong" typeface="Mongolian Baiti"/>
+        <a:font script="Viet" typeface="Times New Roman"/>
+        <a:font script="Uigh" typeface="Microsoft Uighur"/>
+        <a:font script="Geor" typeface="Sylfaen"/>
+      </a:majorFont>
+      <a:minorFont>
+        <a:latin typeface="Calibri"/>
+        <a:ea typeface=""/>
+        <a:cs typeface=""/>
+        <a:font script="Jpan" typeface="ＭＳ Ｐゴシック"/>
+        <a:font script="Hang" typeface="맑은 고딕"/>
+        <a:font script="Hans" typeface="宋体"/>
+        <a:font script="Hant" typeface="新細明體"/>
+        <a:font script="Arab" typeface="Arial"/>
+        <a:font script="Hebr" typeface="Arial"/>
+        <a:font script="Thai" typeface="Cordia New"/>
+        <a:font script="Ethi" typeface="Nyala"/>
+        <a:font script="Beng" typeface="Vrinda"/>
+        <a:font script="Gujr" typeface="Shruti"/>
+        <a:font script="Khmr" typeface="DaunPenh"/>
+        <a:font script="Knda" typeface="Tunga"/>
+        <a:font script="Guru" typeface="Raavi"/>
+        <a:font script="Cans" typeface="Euphemia"/>
+        <a:font script="Cher" typeface="Plantagenet Cherokee"/>
+        <a:font script="Yiii" typeface="Microsoft Yi Baiti"/>
+        <a:font script="Tibt" typeface="Microsoft Himalaya"/>
+        <a:font script="Thaa" typeface="MV Boli"/>
+        <a:font script="Deva" typeface="Mangal"/>
+        <a:font script="Telu" typeface="Gautami"/>
+        <a:font script="Taml" typeface="Latha"/>
+        <a:font script="Syrc" typeface="Estrangelo Edessa"/>
+        <a:font script="Orya" typeface="Kalinga"/>
+        <a:font script="Mlym" typeface="Kartika"/>
+        <a:font script="Laoo" typeface="DokChampa"/>
+        <a:font script="Sinh" typeface="Iskoola Pota"/>
+        <a:font script="Mong" typeface="Mongolian Baiti"/>
+        <a:font script="Viet" typeface="Arial"/>
+        <a:font script="Uigh" typeface="Microsoft Uighur"/>
+        <a:font script="Geor" typeface="Sylfaen"/>
+      </a:minorFont>
+    </a:fontScheme>
+    <a:fmtScheme name="Office">
+      <a:fillStyleLst>
+        <a:solidFill>
+          <a:schemeClr val="phClr"/>
+        </a:solidFill>
+        <a:gradFill rotWithShape="1">
+          <a:gsLst>
+            <a:gs pos="0">
+              <a:schemeClr val="phClr">
+                <a:tint val="50000"/>
+                <a:satMod val="300000"/>
+              </a:schemeClr>
+            </a:gs>
+            <a:gs pos="35000">
+              <a:schemeClr val="phClr">
+                <a:tint val="37000"/>
+                <a:satMod val="300000"/>
+              </a:schemeClr>
+            </a:gs>
+            <a:gs pos="100000">
+              <a:schemeClr val="phClr">
+                <a:tint val="15000"/>
+                <a:satMod val="350000"/>
+              </a:schemeClr>
+            </a:gs>
+          </a:gsLst>
+          <a:lin ang="16200000" scaled="1"/>
+        </a:gradFill>
+        <a:gradFill rotWithShape="1">
+          <a:gsLst>
+            <a:gs pos="0">
+              <a:schemeClr val="phClr">
+                <a:tint val="100000"/>
+                <a:shade val="100000"/>
+                <a:satMod val="130000"/>
+              </a:schemeClr>
+            </a:gs>
+            <a:gs pos="100000">
+              <a:schemeClr val="phClr">
+                <a:tint val="50000"/>
+                <a:shade val="100000"/>
+                <a:satMod val="350000"/>
+              </a:schemeClr>
+            </a:gs>
+          </a:gsLst>
+          <a:lin ang="16200000" scaled="0"/>
+        </a:gradFill>
+      </a:fillStyleLst>
+      <a:lnStyleLst>
+        <a:ln w="9525" cap="flat" cmpd="sng" algn="ctr">
+          <a:solidFill>
+            <a:schemeClr val="phClr">
+              <a:shade val="95000"/>
+              <a:satMod val="105000"/>
+            </a:schemeClr>
+          </a:solidFill>
+          <a:prstDash val="solid"/>
+        </a:ln>
+        <a:ln w="25400" cap="flat" cmpd="sng" algn="ctr">
+          <a:solidFill>
+            <a:schemeClr val="phClr"/>
+          </a:solidFill>
+          <a:prstDash val="solid"/>
+        </a:ln>
+        <a:ln w="38100" cap="flat" cmpd="sng" algn="ctr">
+          <a:solidFill>
+            <a:schemeClr val="phClr"/>
+          </a:solidFill>
+          <a:prstDash val="solid"/>
+        </a:ln>
+      </a:lnStyleLst>
+      <a:effectStyleLst>
+        <a:effectStyle>
+          <a:effectLst>
+            <a:outerShdw blurRad="40000" dist="20000" dir="5400000" rotWithShape="0">
+              <a:srgbClr val="000000">
+                <a:alpha val="38000"/>
+              </a:srgbClr>
+            </a:outerShdw>
+          </a:effectLst>
+        </a:effectStyle>
+        <a:effectStyle>
+          <a:effectLst>
+            <a:outerShdw blurRad="40000" dist="23000" dir="5400000" rotWithShape="0">
+              <a:srgbClr val="000000">
+                <a:alpha val="35000"/>
+              </a:srgbClr>
+            </a:outerShdw>
+          </a:effectLst>
+        </a:effectStyle>
+        <a:effectStyle>
+          <a:effectLst>
+            <a:outerShdw blurRad="40000" dist="23000" dir="5400000" rotWithShape="0">
+              <a:srgbClr val="000000">
+                <a:alpha val="35000"/>
+              </a:srgbClr>
+            </a:outerShdw>
+          </a:effectLst>
+          <a:scene3d>
+            <a:camera prst="orthographicFront">
+              <a:rot lat="0" lon="0" rev="0"/>
+            </a:camera>
+            <a:lightRig rig="threePt" dir="t">
+              <a:rot lat="0" lon="0" rev="1200000"/>
+            </a:lightRig>
+          </a:scene3d>
+          <a:sp3d>
+            <a:bevelT w="63500" h="25400"/>
+          </a:sp3d>
+        </a:effectStyle>
+      </a:effectStyleLst>
+      <a:bgFillStyleLst>
+        <a:solidFill>
+          <a:schemeClr val="phClr"/>
+        </a:solidFill>
+        <a:gradFill rotWithShape="1">
+          <a:gsLst>
+            <a:gs pos="0">
+              <a:schemeClr val="phClr">
+                <a:tint val="40000"/>
+                <a:satMod val="350000"/>
+              </a:schemeClr>
+            </a:gs>
+            <a:gs pos="40000">
+              <a:schemeClr val="phClr">
+                <a:tint val="45000"/>
+                <a:shade val="99000"/>
+                <a:satMod val="350000"/>
+              </a:schemeClr>
+            </a:gs>
+            <a:gs pos="100000">
+              <a:schemeClr val="phClr">
+                <a:shade val="20000"/>
+                <a:satMod val="255000"/>
+              </a:schemeClr>
+            </a:gs>
+          </a:gsLst>
+          <a:path path="circle">
+            <a:fillToRect l="50000" t="-80000" r="50000" b="180000"/>
+          </a:path>
+        </a:gradFill>
+        <a:gradFill rotWithShape="1">
+          <a:gsLst>
+            <a:gs pos="0">
+              <a:schemeClr val="phClr">
+                <a:tint val="80000"/>
+                <a:satMod val="300000"/>
+              </a:schemeClr>
+            </a:gs>
+            <a:gs pos="100000">
+              <a:schemeClr val="phClr">
+                <a:shade val="30000"/>
+                <a:satMod val="200000"/>
+              </a:schemeClr>
+            </a:gs>
+          </a:gsLst>
+          <a:path path="circle">
+            <a:fillToRect l="50000" t="50000" r="50000" b="50000"/>
+          </a:path>
+        </a:gradFill>
+      </a:bgFillStyleLst>
+    </a:fmtScheme>
+  </a:themeElements>
+  <a:objectDefaults>
+    <a:spDef>
+      <a:spPr/>
+      <a:bodyPr/>
+      <a:lstStyle/>
+      <a:style>
+        <a:lnRef idx="1">
+          <a:schemeClr val="accent1"/>
+        </a:lnRef>
+        <a:fillRef idx="3">
+          <a:schemeClr val="accent1"/>
+        </a:fillRef>
+        <a:effectRef idx="2">
+          <a:schemeClr val="accent1"/>
+        </a:effectRef>
+        <a:fontRef idx="minor">
+          <a:schemeClr val="lt1"/>
+        </a:fontRef>
+      </a:style>
+    </a:spDef>
+    <a:lnDef>
+      <a:spPr/>
+      <a:bodyPr/>
+      <a:lstStyle/>
+      <a:style>
+        <a:lnRef idx="2">
+          <a:schemeClr val="accent1"/>
+        </a:lnRef>
+        <a:fillRef idx="0">
+          <a:schemeClr val="accent1"/>
+        </a:fillRef>
+        <a:effectRef idx="1">
+          <a:schemeClr val="accent1"/>
+        </a:effectRef>
+        <a:fontRef idx="minor">
+          <a:schemeClr val="tx1"/>
+        </a:fontRef>
+      </a:style>
+    </a:lnDef>
+  </a:objectDefaults>
+  <a:extraClrSchemeLst/>
+</a:theme>
 </file>